--- a/Final_Project_Team_3_Deliverable_2.pptx
+++ b/Final_Project_Team_3_Deliverable_2.pptx
@@ -23,7 +23,7 @@
     <p:sldId id="265" r:id="rId11"/>
     <p:sldId id="266" r:id="rId12"/>
     <p:sldId id="267" r:id="rId13"/>
-    <p:sldId id="268" r:id="rId14"/>
+    <p:sldId id="281" r:id="rId14"/>
     <p:sldId id="269" r:id="rId15"/>
     <p:sldId id="270" r:id="rId16"/>
     <p:sldId id="271" r:id="rId17"/>
@@ -184,7 +184,7 @@
             <p14:sldId id="265"/>
             <p14:sldId id="266"/>
             <p14:sldId id="267"/>
-            <p14:sldId id="268"/>
+            <p14:sldId id="281"/>
             <p14:sldId id="269"/>
             <p14:sldId id="270"/>
             <p14:sldId id="271"/>
@@ -217,14 +217,6 @@
     </p:ext>
   </p:extLst>
 </p:presentation>
-</file>
-
-<file path=ppt/revisionInfo.xml><?xml version="1.0" encoding="utf-8"?>
-<p1510:revInfo xmlns:a="http://schemas.openxmlformats.org/drawingml/2006/main" xmlns:r="http://schemas.openxmlformats.org/officeDocument/2006/relationships" xmlns:p1510="http://schemas.microsoft.com/office/powerpoint/2015/10/main">
-  <p1510:revLst>
-    <p1510:client id="{36717D7B-BD65-4601-9D69-24BEABD03EA6}" v="151" dt="2023-10-24T04:51:41.975"/>
-  </p1510:revLst>
-</p1510:revInfo>
 </file>
 
 <file path=ppt/handoutMasters/handoutMaster1.xml><?xml version="1.0" encoding="utf-8"?>
@@ -1334,7 +1326,13 @@
   <p:cSld>
     <p:spTree>
       <p:nvGrpSpPr>
-        <p:cNvPr id="1" name=""/>
+        <p:cNvPr id="1" name="">
+          <a:extLst>
+            <a:ext uri="{FF2B5EF4-FFF2-40B4-BE49-F238E27FC236}">
+              <a16:creationId xmlns:a16="http://schemas.microsoft.com/office/drawing/2014/main" id="{B428035A-913B-028E-CE25-4C8539829781}"/>
+            </a:ext>
+          </a:extLst>
+        </p:cNvPr>
         <p:cNvGrpSpPr/>
         <p:nvPr/>
       </p:nvGrpSpPr>
@@ -1348,7 +1346,13 @@
       </p:grpSpPr>
       <p:sp>
         <p:nvSpPr>
-          <p:cNvPr id="2" name="Slide Image Placeholder 1"/>
+          <p:cNvPr id="2" name="Slide Image Placeholder 1">
+            <a:extLst>
+              <a:ext uri="{FF2B5EF4-FFF2-40B4-BE49-F238E27FC236}">
+                <a16:creationId xmlns:a16="http://schemas.microsoft.com/office/drawing/2014/main" id="{F3FF39CC-5433-DCD4-9D3F-608254B063F0}"/>
+              </a:ext>
+            </a:extLst>
+          </p:cNvPr>
           <p:cNvSpPr>
             <a:spLocks noGrp="1" noRot="1" noChangeAspect="1"/>
           </p:cNvSpPr>
@@ -1360,7 +1364,13 @@
       </p:sp>
       <p:sp>
         <p:nvSpPr>
-          <p:cNvPr id="3" name="Notes Placeholder 2"/>
+          <p:cNvPr id="3" name="Notes Placeholder 2">
+            <a:extLst>
+              <a:ext uri="{FF2B5EF4-FFF2-40B4-BE49-F238E27FC236}">
+                <a16:creationId xmlns:a16="http://schemas.microsoft.com/office/drawing/2014/main" id="{DF50C08D-231A-1045-483A-8555876AA1DA}"/>
+              </a:ext>
+            </a:extLst>
+          </p:cNvPr>
           <p:cNvSpPr>
             <a:spLocks noGrp="1"/>
           </p:cNvSpPr>
@@ -1382,7 +1392,13 @@
       </p:sp>
       <p:sp>
         <p:nvSpPr>
-          <p:cNvPr id="4" name="Slide Number Placeholder 3"/>
+          <p:cNvPr id="4" name="Slide Number Placeholder 3">
+            <a:extLst>
+              <a:ext uri="{FF2B5EF4-FFF2-40B4-BE49-F238E27FC236}">
+                <a16:creationId xmlns:a16="http://schemas.microsoft.com/office/drawing/2014/main" id="{345F0811-015B-4717-A74B-5C2BD2EF039E}"/>
+              </a:ext>
+            </a:extLst>
+          </p:cNvPr>
           <p:cNvSpPr>
             <a:spLocks noGrp="1"/>
           </p:cNvSpPr>
@@ -1407,7 +1423,7 @@
     </p:spTree>
     <p:extLst>
       <p:ext uri="{BB962C8B-B14F-4D97-AF65-F5344CB8AC3E}">
-        <p14:creationId xmlns:p14="http://schemas.microsoft.com/office/powerpoint/2010/main" val="2774289058"/>
+        <p14:creationId xmlns:p14="http://schemas.microsoft.com/office/powerpoint/2010/main" val="18209615"/>
       </p:ext>
     </p:extLst>
   </p:cSld>
@@ -5679,7 +5695,10 @@
           <a:bodyPr/>
           <a:lstStyle/>
           <a:p>
-            <a:endParaRPr lang="en-US"/>
+            <a:r>
+              <a:rPr lang="en-US" dirty="0"/>
+              <a:t>Slide 10</a:t>
+            </a:r>
           </a:p>
         </p:txBody>
       </p:sp>
@@ -5759,7 +5778,10 @@
           <a:bodyPr/>
           <a:lstStyle/>
           <a:p>
-            <a:endParaRPr lang="en-US"/>
+            <a:r>
+              <a:rPr lang="en-US" dirty="0"/>
+              <a:t>Slide 11</a:t>
+            </a:r>
           </a:p>
         </p:txBody>
       </p:sp>
@@ -5839,7 +5861,10 @@
           <a:bodyPr/>
           <a:lstStyle/>
           <a:p>
-            <a:endParaRPr lang="en-US"/>
+            <a:r>
+              <a:rPr lang="en-US" dirty="0"/>
+              <a:t>Slide 12</a:t>
+            </a:r>
           </a:p>
         </p:txBody>
       </p:sp>
@@ -5886,7 +5911,13 @@
   <p:cSld>
     <p:spTree>
       <p:nvGrpSpPr>
-        <p:cNvPr id="1" name=""/>
+        <p:cNvPr id="1" name="">
+          <a:extLst>
+            <a:ext uri="{FF2B5EF4-FFF2-40B4-BE49-F238E27FC236}">
+              <a16:creationId xmlns:a16="http://schemas.microsoft.com/office/drawing/2014/main" id="{01CEA5C5-9CEB-760D-35D8-8B0CEB2C3D55}"/>
+            </a:ext>
+          </a:extLst>
+        </p:cNvPr>
         <p:cNvGrpSpPr/>
         <p:nvPr/>
       </p:nvGrpSpPr>
@@ -5903,7 +5934,7 @@
           <p:cNvPr id="2" name="Title 1">
             <a:extLst>
               <a:ext uri="{FF2B5EF4-FFF2-40B4-BE49-F238E27FC236}">
-                <a16:creationId xmlns:a16="http://schemas.microsoft.com/office/drawing/2014/main" id="{94FC9157-72F6-72D9-62E5-2A4D665E33C4}"/>
+                <a16:creationId xmlns:a16="http://schemas.microsoft.com/office/drawing/2014/main" id="{63EC6ACC-904E-83FA-CA9B-B1551AEBC0EF}"/>
               </a:ext>
             </a:extLst>
           </p:cNvPr>
@@ -5919,6 +5950,34 @@
           <a:bodyPr/>
           <a:lstStyle/>
           <a:p>
+            <a:r>
+              <a:rPr lang="en-US" dirty="0"/>
+              <a:t>Slide 13</a:t>
+            </a:r>
+          </a:p>
+        </p:txBody>
+      </p:sp>
+      <p:sp>
+        <p:nvSpPr>
+          <p:cNvPr id="3" name="Text Placeholder 2">
+            <a:extLst>
+              <a:ext uri="{FF2B5EF4-FFF2-40B4-BE49-F238E27FC236}">
+                <a16:creationId xmlns:a16="http://schemas.microsoft.com/office/drawing/2014/main" id="{2B97E9B4-E0C5-5E9E-DF7E-DF1DA8C09179}"/>
+              </a:ext>
+            </a:extLst>
+          </p:cNvPr>
+          <p:cNvSpPr>
+            <a:spLocks noGrp="1"/>
+          </p:cNvSpPr>
+          <p:nvPr>
+            <p:ph type="body" sz="quarter" idx="10"/>
+          </p:nvPr>
+        </p:nvSpPr>
+        <p:spPr/>
+        <p:txBody>
+          <a:bodyPr/>
+          <a:lstStyle/>
+          <a:p>
             <a:endParaRPr lang="en-US"/>
           </a:p>
         </p:txBody>
@@ -5926,7 +5985,7 @@
     </p:spTree>
     <p:extLst>
       <p:ext uri="{BB962C8B-B14F-4D97-AF65-F5344CB8AC3E}">
-        <p14:creationId xmlns:p14="http://schemas.microsoft.com/office/powerpoint/2010/main" val="2257930875"/>
+        <p14:creationId xmlns:p14="http://schemas.microsoft.com/office/powerpoint/2010/main" val="4205342680"/>
       </p:ext>
     </p:extLst>
   </p:cSld>
@@ -5974,7 +6033,10 @@
           <a:bodyPr/>
           <a:lstStyle/>
           <a:p>
-            <a:endParaRPr lang="en-US"/>
+            <a:r>
+              <a:rPr lang="en-US" dirty="0"/>
+              <a:t>Slide 14</a:t>
+            </a:r>
           </a:p>
         </p:txBody>
       </p:sp>
@@ -6060,7 +6122,10 @@
           <a:bodyPr/>
           <a:lstStyle/>
           <a:p>
-            <a:endParaRPr lang="en-US"/>
+            <a:r>
+              <a:rPr lang="en-US" dirty="0"/>
+              <a:t>Slide 15</a:t>
+            </a:r>
           </a:p>
         </p:txBody>
       </p:sp>
@@ -6146,7 +6211,10 @@
           <a:bodyPr/>
           <a:lstStyle/>
           <a:p>
-            <a:endParaRPr lang="en-US"/>
+            <a:r>
+              <a:rPr lang="en-US" dirty="0"/>
+              <a:t>Slide 16</a:t>
+            </a:r>
           </a:p>
         </p:txBody>
       </p:sp>
@@ -6232,7 +6300,10 @@
           <a:bodyPr/>
           <a:lstStyle/>
           <a:p>
-            <a:endParaRPr lang="en-US"/>
+            <a:r>
+              <a:rPr lang="en-US" dirty="0"/>
+              <a:t>Slide 17</a:t>
+            </a:r>
           </a:p>
         </p:txBody>
       </p:sp>
@@ -6318,7 +6389,10 @@
           <a:bodyPr/>
           <a:lstStyle/>
           <a:p>
-            <a:endParaRPr lang="en-US"/>
+            <a:r>
+              <a:rPr lang="en-US" dirty="0"/>
+              <a:t>Slide 18</a:t>
+            </a:r>
           </a:p>
         </p:txBody>
       </p:sp>
@@ -6404,7 +6478,10 @@
           <a:bodyPr/>
           <a:lstStyle/>
           <a:p>
-            <a:endParaRPr lang="en-US"/>
+            <a:r>
+              <a:rPr lang="en-US" dirty="0"/>
+              <a:t>Slide 19</a:t>
+            </a:r>
           </a:p>
         </p:txBody>
       </p:sp>
@@ -6484,7 +6561,10 @@
           <a:bodyPr/>
           <a:lstStyle/>
           <a:p>
-            <a:endParaRPr lang="en-US"/>
+            <a:r>
+              <a:rPr lang="en-US" dirty="0"/>
+              <a:t>Slide 2</a:t>
+            </a:r>
           </a:p>
         </p:txBody>
       </p:sp>
@@ -6570,7 +6650,10 @@
           <a:bodyPr/>
           <a:lstStyle/>
           <a:p>
-            <a:endParaRPr lang="en-US"/>
+            <a:r>
+              <a:rPr lang="en-US" dirty="0"/>
+              <a:t>Slide 20</a:t>
+            </a:r>
           </a:p>
         </p:txBody>
       </p:sp>
@@ -6656,7 +6739,10 @@
           <a:bodyPr/>
           <a:lstStyle/>
           <a:p>
-            <a:endParaRPr lang="en-US"/>
+            <a:r>
+              <a:rPr lang="en-US" dirty="0"/>
+              <a:t>Slide 21</a:t>
+            </a:r>
           </a:p>
         </p:txBody>
       </p:sp>
@@ -6742,7 +6828,10 @@
           <a:bodyPr/>
           <a:lstStyle/>
           <a:p>
-            <a:endParaRPr lang="en-US"/>
+            <a:r>
+              <a:rPr lang="en-US" dirty="0"/>
+              <a:t>Slide 22</a:t>
+            </a:r>
           </a:p>
         </p:txBody>
       </p:sp>
@@ -6828,7 +6917,10 @@
           <a:bodyPr/>
           <a:lstStyle/>
           <a:p>
-            <a:endParaRPr lang="en-US"/>
+            <a:r>
+              <a:rPr lang="en-US" dirty="0"/>
+              <a:t>Slide 23</a:t>
+            </a:r>
           </a:p>
         </p:txBody>
       </p:sp>
@@ -6914,7 +7006,10 @@
           <a:bodyPr/>
           <a:lstStyle/>
           <a:p>
-            <a:endParaRPr lang="en-US"/>
+            <a:r>
+              <a:rPr lang="en-US" dirty="0"/>
+              <a:t>Slide 24</a:t>
+            </a:r>
           </a:p>
         </p:txBody>
       </p:sp>
@@ -7000,7 +7095,10 @@
           <a:bodyPr/>
           <a:lstStyle/>
           <a:p>
-            <a:endParaRPr lang="en-US"/>
+            <a:r>
+              <a:rPr lang="en-US" dirty="0"/>
+              <a:t>Slide 25</a:t>
+            </a:r>
           </a:p>
         </p:txBody>
       </p:sp>
@@ -7086,7 +7184,10 @@
           <a:bodyPr/>
           <a:lstStyle/>
           <a:p>
-            <a:endParaRPr lang="en-US"/>
+            <a:r>
+              <a:rPr lang="en-US" dirty="0"/>
+              <a:t>Slide 3</a:t>
+            </a:r>
           </a:p>
         </p:txBody>
       </p:sp>
@@ -7172,7 +7273,10 @@
           <a:bodyPr/>
           <a:lstStyle/>
           <a:p>
-            <a:endParaRPr lang="en-US"/>
+            <a:r>
+              <a:rPr lang="en-US" dirty="0"/>
+              <a:t>Slide 4</a:t>
+            </a:r>
           </a:p>
         </p:txBody>
       </p:sp>
@@ -7258,7 +7362,10 @@
           <a:bodyPr/>
           <a:lstStyle/>
           <a:p>
-            <a:endParaRPr lang="en-US"/>
+            <a:r>
+              <a:rPr lang="en-US" dirty="0"/>
+              <a:t>Slide 5</a:t>
+            </a:r>
           </a:p>
         </p:txBody>
       </p:sp>
@@ -7344,7 +7451,10 @@
           <a:bodyPr/>
           <a:lstStyle/>
           <a:p>
-            <a:endParaRPr lang="en-US"/>
+            <a:r>
+              <a:rPr lang="en-US" dirty="0"/>
+              <a:t>Slide 6</a:t>
+            </a:r>
           </a:p>
         </p:txBody>
       </p:sp>
@@ -7430,7 +7540,10 @@
           <a:bodyPr/>
           <a:lstStyle/>
           <a:p>
-            <a:endParaRPr lang="en-US"/>
+            <a:r>
+              <a:rPr lang="en-US" dirty="0"/>
+              <a:t>Slide 7</a:t>
+            </a:r>
           </a:p>
         </p:txBody>
       </p:sp>
@@ -7516,7 +7629,10 @@
           <a:bodyPr/>
           <a:lstStyle/>
           <a:p>
-            <a:endParaRPr lang="en-US"/>
+            <a:r>
+              <a:rPr lang="en-US" dirty="0"/>
+              <a:t>Slide 8</a:t>
+            </a:r>
           </a:p>
         </p:txBody>
       </p:sp>
@@ -7596,7 +7712,10 @@
           <a:bodyPr/>
           <a:lstStyle/>
           <a:p>
-            <a:endParaRPr lang="en-US"/>
+            <a:r>
+              <a:rPr lang="en-US" dirty="0"/>
+              <a:t>Slide 9</a:t>
+            </a:r>
           </a:p>
         </p:txBody>
       </p:sp>

--- a/Final_Project_Team_3_Deliverable_2.pptx
+++ b/Final_Project_Team_3_Deliverable_2.pptx
@@ -5,10 +5,10 @@
     <p:sldMasterId id="2147483763" r:id="rId1"/>
   </p:sldMasterIdLst>
   <p:notesMasterIdLst>
-    <p:notesMasterId r:id="rId27"/>
+    <p:notesMasterId r:id="rId26"/>
   </p:notesMasterIdLst>
   <p:handoutMasterIdLst>
-    <p:handoutMasterId r:id="rId28"/>
+    <p:handoutMasterId r:id="rId27"/>
   </p:handoutMasterIdLst>
   <p:sldIdLst>
     <p:sldId id="256" r:id="rId2"/>
@@ -27,15 +27,14 @@
     <p:sldId id="269" r:id="rId15"/>
     <p:sldId id="270" r:id="rId16"/>
     <p:sldId id="271" r:id="rId17"/>
-    <p:sldId id="272" r:id="rId18"/>
-    <p:sldId id="273" r:id="rId19"/>
-    <p:sldId id="274" r:id="rId20"/>
-    <p:sldId id="275" r:id="rId21"/>
-    <p:sldId id="276" r:id="rId22"/>
-    <p:sldId id="277" r:id="rId23"/>
-    <p:sldId id="278" r:id="rId24"/>
-    <p:sldId id="279" r:id="rId25"/>
-    <p:sldId id="280" r:id="rId26"/>
+    <p:sldId id="273" r:id="rId18"/>
+    <p:sldId id="274" r:id="rId19"/>
+    <p:sldId id="275" r:id="rId20"/>
+    <p:sldId id="276" r:id="rId21"/>
+    <p:sldId id="277" r:id="rId22"/>
+    <p:sldId id="278" r:id="rId23"/>
+    <p:sldId id="279" r:id="rId24"/>
+    <p:sldId id="280" r:id="rId25"/>
   </p:sldIdLst>
   <p:sldSz cx="12192000" cy="6858000"/>
   <p:notesSz cx="6858000" cy="9144000"/>
@@ -188,7 +187,6 @@
             <p14:sldId id="269"/>
             <p14:sldId id="270"/>
             <p14:sldId id="271"/>
-            <p14:sldId id="272"/>
             <p14:sldId id="273"/>
             <p14:sldId id="274"/>
             <p14:sldId id="275"/>
@@ -1778,115 +1776,6 @@
         <p:cNvPr id="1" name="">
           <a:extLst>
             <a:ext uri="{FF2B5EF4-FFF2-40B4-BE49-F238E27FC236}">
-              <a16:creationId xmlns:a16="http://schemas.microsoft.com/office/drawing/2014/main" id="{84842BD2-B647-FCAA-7D64-62FCB52B8980}"/>
-            </a:ext>
-          </a:extLst>
-        </p:cNvPr>
-        <p:cNvGrpSpPr/>
-        <p:nvPr/>
-      </p:nvGrpSpPr>
-      <p:grpSpPr>
-        <a:xfrm>
-          <a:off x="0" y="0"/>
-          <a:ext cx="0" cy="0"/>
-          <a:chOff x="0" y="0"/>
-          <a:chExt cx="0" cy="0"/>
-        </a:xfrm>
-      </p:grpSpPr>
-      <p:sp>
-        <p:nvSpPr>
-          <p:cNvPr id="2" name="Slide Image Placeholder 1">
-            <a:extLst>
-              <a:ext uri="{FF2B5EF4-FFF2-40B4-BE49-F238E27FC236}">
-                <a16:creationId xmlns:a16="http://schemas.microsoft.com/office/drawing/2014/main" id="{B132C8B9-5CB6-7D86-FBB6-7CD48E90D287}"/>
-              </a:ext>
-            </a:extLst>
-          </p:cNvPr>
-          <p:cNvSpPr>
-            <a:spLocks noGrp="1" noRot="1" noChangeAspect="1"/>
-          </p:cNvSpPr>
-          <p:nvPr>
-            <p:ph type="sldImg"/>
-          </p:nvPr>
-        </p:nvSpPr>
-        <p:spPr/>
-      </p:sp>
-      <p:sp>
-        <p:nvSpPr>
-          <p:cNvPr id="3" name="Notes Placeholder 2">
-            <a:extLst>
-              <a:ext uri="{FF2B5EF4-FFF2-40B4-BE49-F238E27FC236}">
-                <a16:creationId xmlns:a16="http://schemas.microsoft.com/office/drawing/2014/main" id="{DC0A77CF-3EA7-634C-FABC-1C67DD15DE69}"/>
-              </a:ext>
-            </a:extLst>
-          </p:cNvPr>
-          <p:cNvSpPr>
-            <a:spLocks noGrp="1"/>
-          </p:cNvSpPr>
-          <p:nvPr>
-            <p:ph type="body" idx="1"/>
-          </p:nvPr>
-        </p:nvSpPr>
-        <p:spPr/>
-        <p:txBody>
-          <a:bodyPr/>
-          <a:lstStyle/>
-          <a:p>
-            <a:endParaRPr lang="en-US" dirty="0"/>
-          </a:p>
-        </p:txBody>
-      </p:sp>
-      <p:sp>
-        <p:nvSpPr>
-          <p:cNvPr id="4" name="Slide Number Placeholder 3">
-            <a:extLst>
-              <a:ext uri="{FF2B5EF4-FFF2-40B4-BE49-F238E27FC236}">
-                <a16:creationId xmlns:a16="http://schemas.microsoft.com/office/drawing/2014/main" id="{9A6E80A4-88C4-C205-9713-65BB394B3A70}"/>
-              </a:ext>
-            </a:extLst>
-          </p:cNvPr>
-          <p:cNvSpPr>
-            <a:spLocks noGrp="1"/>
-          </p:cNvSpPr>
-          <p:nvPr>
-            <p:ph type="sldNum" sz="quarter" idx="5"/>
-          </p:nvPr>
-        </p:nvSpPr>
-        <p:spPr/>
-        <p:txBody>
-          <a:bodyPr/>
-          <a:lstStyle/>
-          <a:p>
-            <a:fld id="{AA4D7F38-9E4B-194A-AA5A-81BF138D29E9}" type="slidenum">
-              <a:rPr lang="en-US" altLang="en-US" smtClean="0"/>
-              <a:pPr/>
-              <a:t>17</a:t>
-            </a:fld>
-            <a:endParaRPr lang="en-US" altLang="en-US"/>
-          </a:p>
-        </p:txBody>
-      </p:sp>
-    </p:spTree>
-    <p:extLst>
-      <p:ext uri="{BB962C8B-B14F-4D97-AF65-F5344CB8AC3E}">
-        <p14:creationId xmlns:p14="http://schemas.microsoft.com/office/powerpoint/2010/main" val="1024894604"/>
-      </p:ext>
-    </p:extLst>
-  </p:cSld>
-  <p:clrMapOvr>
-    <a:masterClrMapping/>
-  </p:clrMapOvr>
-</p:notes>
-</file>
-
-<file path=ppt/notesSlides/notesSlide18.xml><?xml version="1.0" encoding="utf-8"?>
-<p:notes xmlns:a="http://schemas.openxmlformats.org/drawingml/2006/main" xmlns:r="http://schemas.openxmlformats.org/officeDocument/2006/relationships" xmlns:p="http://schemas.openxmlformats.org/presentationml/2006/main">
-  <p:cSld>
-    <p:spTree>
-      <p:nvGrpSpPr>
-        <p:cNvPr id="1" name="">
-          <a:extLst>
-            <a:ext uri="{FF2B5EF4-FFF2-40B4-BE49-F238E27FC236}">
               <a16:creationId xmlns:a16="http://schemas.microsoft.com/office/drawing/2014/main" id="{51699223-83D9-5CFD-A67F-C1796B08E58D}"/>
             </a:ext>
           </a:extLst>
@@ -1975,7 +1864,7 @@
             <a:fld id="{AA4D7F38-9E4B-194A-AA5A-81BF138D29E9}" type="slidenum">
               <a:rPr lang="en-US" altLang="en-US" smtClean="0"/>
               <a:pPr/>
-              <a:t>18</a:t>
+              <a:t>17</a:t>
             </a:fld>
             <a:endParaRPr lang="en-US" altLang="en-US"/>
           </a:p>
@@ -1994,7 +1883,7 @@
 </p:notes>
 </file>
 
-<file path=ppt/notesSlides/notesSlide19.xml><?xml version="1.0" encoding="utf-8"?>
+<file path=ppt/notesSlides/notesSlide18.xml><?xml version="1.0" encoding="utf-8"?>
 <p:notes xmlns:a="http://schemas.openxmlformats.org/drawingml/2006/main" xmlns:r="http://schemas.openxmlformats.org/officeDocument/2006/relationships" xmlns:p="http://schemas.openxmlformats.org/presentationml/2006/main">
   <p:cSld>
     <p:spTree>
@@ -2090,7 +1979,7 @@
             <a:fld id="{AA4D7F38-9E4B-194A-AA5A-81BF138D29E9}" type="slidenum">
               <a:rPr lang="en-US" altLang="en-US" smtClean="0"/>
               <a:pPr/>
-              <a:t>19</a:t>
+              <a:t>18</a:t>
             </a:fld>
             <a:endParaRPr lang="en-US" altLang="en-US"/>
           </a:p>
@@ -2100,6 +1989,121 @@
     <p:extLst>
       <p:ext uri="{BB962C8B-B14F-4D97-AF65-F5344CB8AC3E}">
         <p14:creationId xmlns:p14="http://schemas.microsoft.com/office/powerpoint/2010/main" val="3609902071"/>
+      </p:ext>
+    </p:extLst>
+  </p:cSld>
+  <p:clrMapOvr>
+    <a:masterClrMapping/>
+  </p:clrMapOvr>
+</p:notes>
+</file>
+
+<file path=ppt/notesSlides/notesSlide19.xml><?xml version="1.0" encoding="utf-8"?>
+<p:notes xmlns:a="http://schemas.openxmlformats.org/drawingml/2006/main" xmlns:r="http://schemas.openxmlformats.org/officeDocument/2006/relationships" xmlns:p="http://schemas.openxmlformats.org/presentationml/2006/main">
+  <p:cSld>
+    <p:spTree>
+      <p:nvGrpSpPr>
+        <p:cNvPr id="1" name="">
+          <a:extLst>
+            <a:ext uri="{FF2B5EF4-FFF2-40B4-BE49-F238E27FC236}">
+              <a16:creationId xmlns:a16="http://schemas.microsoft.com/office/drawing/2014/main" id="{98D0BE74-EA5C-24C4-1D0C-1A5E8109B2F8}"/>
+            </a:ext>
+          </a:extLst>
+        </p:cNvPr>
+        <p:cNvGrpSpPr/>
+        <p:nvPr/>
+      </p:nvGrpSpPr>
+      <p:grpSpPr>
+        <a:xfrm>
+          <a:off x="0" y="0"/>
+          <a:ext cx="0" cy="0"/>
+          <a:chOff x="0" y="0"/>
+          <a:chExt cx="0" cy="0"/>
+        </a:xfrm>
+      </p:grpSpPr>
+      <p:sp>
+        <p:nvSpPr>
+          <p:cNvPr id="2" name="Slide Image Placeholder 1">
+            <a:extLst>
+              <a:ext uri="{FF2B5EF4-FFF2-40B4-BE49-F238E27FC236}">
+                <a16:creationId xmlns:a16="http://schemas.microsoft.com/office/drawing/2014/main" id="{555C2F90-1064-47F8-EDCE-6E60411892F3}"/>
+              </a:ext>
+            </a:extLst>
+          </p:cNvPr>
+          <p:cNvSpPr>
+            <a:spLocks noGrp="1" noRot="1" noChangeAspect="1"/>
+          </p:cNvSpPr>
+          <p:nvPr>
+            <p:ph type="sldImg"/>
+          </p:nvPr>
+        </p:nvSpPr>
+        <p:spPr/>
+      </p:sp>
+      <p:sp>
+        <p:nvSpPr>
+          <p:cNvPr id="3" name="Notes Placeholder 2">
+            <a:extLst>
+              <a:ext uri="{FF2B5EF4-FFF2-40B4-BE49-F238E27FC236}">
+                <a16:creationId xmlns:a16="http://schemas.microsoft.com/office/drawing/2014/main" id="{86B51278-0BBC-7DE4-C7FE-6D3D3D13D54B}"/>
+              </a:ext>
+            </a:extLst>
+          </p:cNvPr>
+          <p:cNvSpPr>
+            <a:spLocks noGrp="1"/>
+          </p:cNvSpPr>
+          <p:nvPr>
+            <p:ph type="body" idx="1"/>
+          </p:nvPr>
+        </p:nvSpPr>
+        <p:spPr/>
+        <p:txBody>
+          <a:bodyPr/>
+          <a:lstStyle/>
+          <a:p>
+            <a:r>
+              <a:rPr lang="en-US" dirty="0"/>
+              <a:t>We're also exploring ways to expand our approach to other chronic diseases beyond diabetes, such as heart failure and COPD. Lastly, we're investigating federated learning techniques, which could allow us to train our models across multiple hospitals without sharing raw patient data, further enhancing privacy protections.</a:t>
+            </a:r>
+          </a:p>
+          <a:p>
+            <a:endParaRPr lang="en-US" dirty="0"/>
+          </a:p>
+        </p:txBody>
+      </p:sp>
+      <p:sp>
+        <p:nvSpPr>
+          <p:cNvPr id="4" name="Slide Number Placeholder 3">
+            <a:extLst>
+              <a:ext uri="{FF2B5EF4-FFF2-40B4-BE49-F238E27FC236}">
+                <a16:creationId xmlns:a16="http://schemas.microsoft.com/office/drawing/2014/main" id="{FF717751-D257-7F78-324D-09D1BCCE4FE3}"/>
+              </a:ext>
+            </a:extLst>
+          </p:cNvPr>
+          <p:cNvSpPr>
+            <a:spLocks noGrp="1"/>
+          </p:cNvSpPr>
+          <p:nvPr>
+            <p:ph type="sldNum" sz="quarter" idx="5"/>
+          </p:nvPr>
+        </p:nvSpPr>
+        <p:spPr/>
+        <p:txBody>
+          <a:bodyPr/>
+          <a:lstStyle/>
+          <a:p>
+            <a:fld id="{AA4D7F38-9E4B-194A-AA5A-81BF138D29E9}" type="slidenum">
+              <a:rPr lang="en-US" altLang="en-US" smtClean="0"/>
+              <a:pPr/>
+              <a:t>19</a:t>
+            </a:fld>
+            <a:endParaRPr lang="en-US" altLang="en-US"/>
+          </a:p>
+        </p:txBody>
+      </p:sp>
+    </p:spTree>
+    <p:extLst>
+      <p:ext uri="{BB962C8B-B14F-4D97-AF65-F5344CB8AC3E}">
+        <p14:creationId xmlns:p14="http://schemas.microsoft.com/office/powerpoint/2010/main" val="2360242697"/>
       </p:ext>
     </p:extLst>
   </p:cSld>
@@ -2205,121 +2209,6 @@
         <p:cNvPr id="1" name="">
           <a:extLst>
             <a:ext uri="{FF2B5EF4-FFF2-40B4-BE49-F238E27FC236}">
-              <a16:creationId xmlns:a16="http://schemas.microsoft.com/office/drawing/2014/main" id="{98D0BE74-EA5C-24C4-1D0C-1A5E8109B2F8}"/>
-            </a:ext>
-          </a:extLst>
-        </p:cNvPr>
-        <p:cNvGrpSpPr/>
-        <p:nvPr/>
-      </p:nvGrpSpPr>
-      <p:grpSpPr>
-        <a:xfrm>
-          <a:off x="0" y="0"/>
-          <a:ext cx="0" cy="0"/>
-          <a:chOff x="0" y="0"/>
-          <a:chExt cx="0" cy="0"/>
-        </a:xfrm>
-      </p:grpSpPr>
-      <p:sp>
-        <p:nvSpPr>
-          <p:cNvPr id="2" name="Slide Image Placeholder 1">
-            <a:extLst>
-              <a:ext uri="{FF2B5EF4-FFF2-40B4-BE49-F238E27FC236}">
-                <a16:creationId xmlns:a16="http://schemas.microsoft.com/office/drawing/2014/main" id="{555C2F90-1064-47F8-EDCE-6E60411892F3}"/>
-              </a:ext>
-            </a:extLst>
-          </p:cNvPr>
-          <p:cNvSpPr>
-            <a:spLocks noGrp="1" noRot="1" noChangeAspect="1"/>
-          </p:cNvSpPr>
-          <p:nvPr>
-            <p:ph type="sldImg"/>
-          </p:nvPr>
-        </p:nvSpPr>
-        <p:spPr/>
-      </p:sp>
-      <p:sp>
-        <p:nvSpPr>
-          <p:cNvPr id="3" name="Notes Placeholder 2">
-            <a:extLst>
-              <a:ext uri="{FF2B5EF4-FFF2-40B4-BE49-F238E27FC236}">
-                <a16:creationId xmlns:a16="http://schemas.microsoft.com/office/drawing/2014/main" id="{86B51278-0BBC-7DE4-C7FE-6D3D3D13D54B}"/>
-              </a:ext>
-            </a:extLst>
-          </p:cNvPr>
-          <p:cNvSpPr>
-            <a:spLocks noGrp="1"/>
-          </p:cNvSpPr>
-          <p:nvPr>
-            <p:ph type="body" idx="1"/>
-          </p:nvPr>
-        </p:nvSpPr>
-        <p:spPr/>
-        <p:txBody>
-          <a:bodyPr/>
-          <a:lstStyle/>
-          <a:p>
-            <a:r>
-              <a:rPr lang="en-US" dirty="0"/>
-              <a:t>We're also exploring ways to expand our approach to other chronic diseases beyond diabetes, such as heart failure and COPD. Lastly, we're investigating federated learning techniques, which could allow us to train our models across multiple hospitals without sharing raw patient data, further enhancing privacy protections.</a:t>
-            </a:r>
-          </a:p>
-          <a:p>
-            <a:endParaRPr lang="en-US" dirty="0"/>
-          </a:p>
-        </p:txBody>
-      </p:sp>
-      <p:sp>
-        <p:nvSpPr>
-          <p:cNvPr id="4" name="Slide Number Placeholder 3">
-            <a:extLst>
-              <a:ext uri="{FF2B5EF4-FFF2-40B4-BE49-F238E27FC236}">
-                <a16:creationId xmlns:a16="http://schemas.microsoft.com/office/drawing/2014/main" id="{FF717751-D257-7F78-324D-09D1BCCE4FE3}"/>
-              </a:ext>
-            </a:extLst>
-          </p:cNvPr>
-          <p:cNvSpPr>
-            <a:spLocks noGrp="1"/>
-          </p:cNvSpPr>
-          <p:nvPr>
-            <p:ph type="sldNum" sz="quarter" idx="5"/>
-          </p:nvPr>
-        </p:nvSpPr>
-        <p:spPr/>
-        <p:txBody>
-          <a:bodyPr/>
-          <a:lstStyle/>
-          <a:p>
-            <a:fld id="{AA4D7F38-9E4B-194A-AA5A-81BF138D29E9}" type="slidenum">
-              <a:rPr lang="en-US" altLang="en-US" smtClean="0"/>
-              <a:pPr/>
-              <a:t>20</a:t>
-            </a:fld>
-            <a:endParaRPr lang="en-US" altLang="en-US"/>
-          </a:p>
-        </p:txBody>
-      </p:sp>
-    </p:spTree>
-    <p:extLst>
-      <p:ext uri="{BB962C8B-B14F-4D97-AF65-F5344CB8AC3E}">
-        <p14:creationId xmlns:p14="http://schemas.microsoft.com/office/powerpoint/2010/main" val="2360242697"/>
-      </p:ext>
-    </p:extLst>
-  </p:cSld>
-  <p:clrMapOvr>
-    <a:masterClrMapping/>
-  </p:clrMapOvr>
-</p:notes>
-</file>
-
-<file path=ppt/notesSlides/notesSlide21.xml><?xml version="1.0" encoding="utf-8"?>
-<p:notes xmlns:a="http://schemas.openxmlformats.org/drawingml/2006/main" xmlns:r="http://schemas.openxmlformats.org/officeDocument/2006/relationships" xmlns:p="http://schemas.openxmlformats.org/presentationml/2006/main">
-  <p:cSld>
-    <p:spTree>
-      <p:nvGrpSpPr>
-        <p:cNvPr id="1" name="">
-          <a:extLst>
-            <a:ext uri="{FF2B5EF4-FFF2-40B4-BE49-F238E27FC236}">
               <a16:creationId xmlns:a16="http://schemas.microsoft.com/office/drawing/2014/main" id="{192CF48D-70EF-D972-B9D1-9C113AB4478F}"/>
             </a:ext>
           </a:extLst>
@@ -2408,7 +2297,7 @@
             <a:fld id="{AA4D7F38-9E4B-194A-AA5A-81BF138D29E9}" type="slidenum">
               <a:rPr lang="en-US" altLang="en-US" smtClean="0"/>
               <a:pPr/>
-              <a:t>21</a:t>
+              <a:t>20</a:t>
             </a:fld>
             <a:endParaRPr lang="en-US" altLang="en-US"/>
           </a:p>
@@ -2427,7 +2316,7 @@
 </p:notes>
 </file>
 
-<file path=ppt/notesSlides/notesSlide22.xml><?xml version="1.0" encoding="utf-8"?>
+<file path=ppt/notesSlides/notesSlide21.xml><?xml version="1.0" encoding="utf-8"?>
 <p:notes xmlns:a="http://schemas.openxmlformats.org/drawingml/2006/main" xmlns:r="http://schemas.openxmlformats.org/officeDocument/2006/relationships" xmlns:p="http://schemas.openxmlformats.org/presentationml/2006/main">
   <p:cSld>
     <p:spTree>
@@ -2523,7 +2412,7 @@
             <a:fld id="{AA4D7F38-9E4B-194A-AA5A-81BF138D29E9}" type="slidenum">
               <a:rPr lang="en-US" altLang="en-US" smtClean="0"/>
               <a:pPr/>
-              <a:t>22</a:t>
+              <a:t>21</a:t>
             </a:fld>
             <a:endParaRPr lang="en-US" altLang="en-US"/>
           </a:p>
@@ -2542,7 +2431,7 @@
 </p:notes>
 </file>
 
-<file path=ppt/notesSlides/notesSlide23.xml><?xml version="1.0" encoding="utf-8"?>
+<file path=ppt/notesSlides/notesSlide22.xml><?xml version="1.0" encoding="utf-8"?>
 <p:notes xmlns:a="http://schemas.openxmlformats.org/drawingml/2006/main" xmlns:r="http://schemas.openxmlformats.org/officeDocument/2006/relationships" xmlns:p="http://schemas.openxmlformats.org/presentationml/2006/main">
   <p:cSld>
     <p:spTree>
@@ -2638,7 +2527,7 @@
             <a:fld id="{AA4D7F38-9E4B-194A-AA5A-81BF138D29E9}" type="slidenum">
               <a:rPr lang="en-US" altLang="en-US" smtClean="0"/>
               <a:pPr/>
-              <a:t>23</a:t>
+              <a:t>22</a:t>
             </a:fld>
             <a:endParaRPr lang="en-US" altLang="en-US"/>
           </a:p>
@@ -2657,7 +2546,7 @@
 </p:notes>
 </file>
 
-<file path=ppt/notesSlides/notesSlide24.xml><?xml version="1.0" encoding="utf-8"?>
+<file path=ppt/notesSlides/notesSlide23.xml><?xml version="1.0" encoding="utf-8"?>
 <p:notes xmlns:a="http://schemas.openxmlformats.org/drawingml/2006/main" xmlns:r="http://schemas.openxmlformats.org/officeDocument/2006/relationships" xmlns:p="http://schemas.openxmlformats.org/presentationml/2006/main">
   <p:cSld>
     <p:spTree>
@@ -2781,7 +2670,7 @@
             <a:fld id="{AA4D7F38-9E4B-194A-AA5A-81BF138D29E9}" type="slidenum">
               <a:rPr lang="en-US" altLang="en-US" smtClean="0"/>
               <a:pPr/>
-              <a:t>24</a:t>
+              <a:t>23</a:t>
             </a:fld>
             <a:endParaRPr lang="en-US" altLang="en-US"/>
           </a:p>
@@ -2800,7 +2689,7 @@
 </p:notes>
 </file>
 
-<file path=ppt/notesSlides/notesSlide25.xml><?xml version="1.0" encoding="utf-8"?>
+<file path=ppt/notesSlides/notesSlide24.xml><?xml version="1.0" encoding="utf-8"?>
 <p:notes xmlns:a="http://schemas.openxmlformats.org/drawingml/2006/main" xmlns:r="http://schemas.openxmlformats.org/officeDocument/2006/relationships" xmlns:p="http://schemas.openxmlformats.org/presentationml/2006/main">
   <p:cSld>
     <p:spTree>
@@ -2893,7 +2782,7 @@
             <a:fld id="{AA4D7F38-9E4B-194A-AA5A-81BF138D29E9}" type="slidenum">
               <a:rPr lang="en-US" altLang="en-US" smtClean="0"/>
               <a:pPr/>
-              <a:t>25</a:t>
+              <a:t>24</a:t>
             </a:fld>
             <a:endParaRPr lang="en-US" altLang="en-US"/>
           </a:p>
@@ -6264,95 +6153,6 @@
         <p:cNvPr id="1" name="">
           <a:extLst>
             <a:ext uri="{FF2B5EF4-FFF2-40B4-BE49-F238E27FC236}">
-              <a16:creationId xmlns:a16="http://schemas.microsoft.com/office/drawing/2014/main" id="{45C6E768-0C3D-6C1A-D9CB-A2C4A3642EC0}"/>
-            </a:ext>
-          </a:extLst>
-        </p:cNvPr>
-        <p:cNvGrpSpPr/>
-        <p:nvPr/>
-      </p:nvGrpSpPr>
-      <p:grpSpPr>
-        <a:xfrm>
-          <a:off x="0" y="0"/>
-          <a:ext cx="0" cy="0"/>
-          <a:chOff x="0" y="0"/>
-          <a:chExt cx="0" cy="0"/>
-        </a:xfrm>
-      </p:grpSpPr>
-      <p:sp>
-        <p:nvSpPr>
-          <p:cNvPr id="2" name="Title 1">
-            <a:extLst>
-              <a:ext uri="{FF2B5EF4-FFF2-40B4-BE49-F238E27FC236}">
-                <a16:creationId xmlns:a16="http://schemas.microsoft.com/office/drawing/2014/main" id="{BB441CC8-2D4C-519C-35A2-5567A8F456F9}"/>
-              </a:ext>
-            </a:extLst>
-          </p:cNvPr>
-          <p:cNvSpPr>
-            <a:spLocks noGrp="1"/>
-          </p:cNvSpPr>
-          <p:nvPr>
-            <p:ph type="title"/>
-          </p:nvPr>
-        </p:nvSpPr>
-        <p:spPr/>
-        <p:txBody>
-          <a:bodyPr/>
-          <a:lstStyle/>
-          <a:p>
-            <a:r>
-              <a:rPr lang="en-US" dirty="0"/>
-              <a:t>Slide 17</a:t>
-            </a:r>
-          </a:p>
-        </p:txBody>
-      </p:sp>
-      <p:sp>
-        <p:nvSpPr>
-          <p:cNvPr id="3" name="Text Placeholder 2">
-            <a:extLst>
-              <a:ext uri="{FF2B5EF4-FFF2-40B4-BE49-F238E27FC236}">
-                <a16:creationId xmlns:a16="http://schemas.microsoft.com/office/drawing/2014/main" id="{FEF4892A-3241-E695-B48A-70E176D2571A}"/>
-              </a:ext>
-            </a:extLst>
-          </p:cNvPr>
-          <p:cNvSpPr>
-            <a:spLocks noGrp="1"/>
-          </p:cNvSpPr>
-          <p:nvPr>
-            <p:ph type="body" sz="quarter" idx="10"/>
-          </p:nvPr>
-        </p:nvSpPr>
-        <p:spPr/>
-        <p:txBody>
-          <a:bodyPr/>
-          <a:lstStyle/>
-          <a:p>
-            <a:endParaRPr lang="en-US"/>
-          </a:p>
-        </p:txBody>
-      </p:sp>
-    </p:spTree>
-    <p:extLst>
-      <p:ext uri="{BB962C8B-B14F-4D97-AF65-F5344CB8AC3E}">
-        <p14:creationId xmlns:p14="http://schemas.microsoft.com/office/powerpoint/2010/main" val="441902601"/>
-      </p:ext>
-    </p:extLst>
-  </p:cSld>
-  <p:clrMapOvr>
-    <a:masterClrMapping/>
-  </p:clrMapOvr>
-</p:sld>
-</file>
-
-<file path=ppt/slides/slide18.xml><?xml version="1.0" encoding="utf-8"?>
-<p:sld xmlns:a="http://schemas.openxmlformats.org/drawingml/2006/main" xmlns:r="http://schemas.openxmlformats.org/officeDocument/2006/relationships" xmlns:p="http://schemas.openxmlformats.org/presentationml/2006/main">
-  <p:cSld>
-    <p:spTree>
-      <p:nvGrpSpPr>
-        <p:cNvPr id="1" name="">
-          <a:extLst>
-            <a:ext uri="{FF2B5EF4-FFF2-40B4-BE49-F238E27FC236}">
               <a16:creationId xmlns:a16="http://schemas.microsoft.com/office/drawing/2014/main" id="{29E5DF0A-149E-022A-8F81-42BF35838542}"/>
             </a:ext>
           </a:extLst>
@@ -6434,7 +6234,7 @@
 </p:sld>
 </file>
 
-<file path=ppt/slides/slide19.xml><?xml version="1.0" encoding="utf-8"?>
+<file path=ppt/slides/slide18.xml><?xml version="1.0" encoding="utf-8"?>
 <p:sld xmlns:a="http://schemas.openxmlformats.org/drawingml/2006/main" xmlns:r="http://schemas.openxmlformats.org/officeDocument/2006/relationships" xmlns:p="http://schemas.openxmlformats.org/presentationml/2006/main">
   <p:cSld>
     <p:spTree>
@@ -6514,6 +6314,95 @@
     <p:extLst>
       <p:ext uri="{BB962C8B-B14F-4D97-AF65-F5344CB8AC3E}">
         <p14:creationId xmlns:p14="http://schemas.microsoft.com/office/powerpoint/2010/main" val="3357020930"/>
+      </p:ext>
+    </p:extLst>
+  </p:cSld>
+  <p:clrMapOvr>
+    <a:masterClrMapping/>
+  </p:clrMapOvr>
+</p:sld>
+</file>
+
+<file path=ppt/slides/slide19.xml><?xml version="1.0" encoding="utf-8"?>
+<p:sld xmlns:a="http://schemas.openxmlformats.org/drawingml/2006/main" xmlns:r="http://schemas.openxmlformats.org/officeDocument/2006/relationships" xmlns:p="http://schemas.openxmlformats.org/presentationml/2006/main">
+  <p:cSld>
+    <p:spTree>
+      <p:nvGrpSpPr>
+        <p:cNvPr id="1" name="">
+          <a:extLst>
+            <a:ext uri="{FF2B5EF4-FFF2-40B4-BE49-F238E27FC236}">
+              <a16:creationId xmlns:a16="http://schemas.microsoft.com/office/drawing/2014/main" id="{5CC87252-11E7-9E6F-8B4B-E3FEA56F218B}"/>
+            </a:ext>
+          </a:extLst>
+        </p:cNvPr>
+        <p:cNvGrpSpPr/>
+        <p:nvPr/>
+      </p:nvGrpSpPr>
+      <p:grpSpPr>
+        <a:xfrm>
+          <a:off x="0" y="0"/>
+          <a:ext cx="0" cy="0"/>
+          <a:chOff x="0" y="0"/>
+          <a:chExt cx="0" cy="0"/>
+        </a:xfrm>
+      </p:grpSpPr>
+      <p:sp>
+        <p:nvSpPr>
+          <p:cNvPr id="2" name="Title 1">
+            <a:extLst>
+              <a:ext uri="{FF2B5EF4-FFF2-40B4-BE49-F238E27FC236}">
+                <a16:creationId xmlns:a16="http://schemas.microsoft.com/office/drawing/2014/main" id="{E7550EC6-AE05-49BF-4A77-533E88B03423}"/>
+              </a:ext>
+            </a:extLst>
+          </p:cNvPr>
+          <p:cNvSpPr>
+            <a:spLocks noGrp="1"/>
+          </p:cNvSpPr>
+          <p:nvPr>
+            <p:ph type="title"/>
+          </p:nvPr>
+        </p:nvSpPr>
+        <p:spPr/>
+        <p:txBody>
+          <a:bodyPr/>
+          <a:lstStyle/>
+          <a:p>
+            <a:r>
+              <a:rPr lang="en-US" dirty="0"/>
+              <a:t>Slide 20</a:t>
+            </a:r>
+          </a:p>
+        </p:txBody>
+      </p:sp>
+      <p:sp>
+        <p:nvSpPr>
+          <p:cNvPr id="3" name="Text Placeholder 2">
+            <a:extLst>
+              <a:ext uri="{FF2B5EF4-FFF2-40B4-BE49-F238E27FC236}">
+                <a16:creationId xmlns:a16="http://schemas.microsoft.com/office/drawing/2014/main" id="{41C7F67F-4C16-98EC-A184-FEB2FA1DADB4}"/>
+              </a:ext>
+            </a:extLst>
+          </p:cNvPr>
+          <p:cNvSpPr>
+            <a:spLocks noGrp="1"/>
+          </p:cNvSpPr>
+          <p:nvPr>
+            <p:ph type="body" sz="quarter" idx="10"/>
+          </p:nvPr>
+        </p:nvSpPr>
+        <p:spPr/>
+        <p:txBody>
+          <a:bodyPr/>
+          <a:lstStyle/>
+          <a:p>
+            <a:endParaRPr lang="en-US"/>
+          </a:p>
+        </p:txBody>
+      </p:sp>
+    </p:spTree>
+    <p:extLst>
+      <p:ext uri="{BB962C8B-B14F-4D97-AF65-F5344CB8AC3E}">
+        <p14:creationId xmlns:p14="http://schemas.microsoft.com/office/powerpoint/2010/main" val="1930583523"/>
       </p:ext>
     </p:extLst>
   </p:cSld>
@@ -6614,95 +6503,6 @@
         <p:cNvPr id="1" name="">
           <a:extLst>
             <a:ext uri="{FF2B5EF4-FFF2-40B4-BE49-F238E27FC236}">
-              <a16:creationId xmlns:a16="http://schemas.microsoft.com/office/drawing/2014/main" id="{5CC87252-11E7-9E6F-8B4B-E3FEA56F218B}"/>
-            </a:ext>
-          </a:extLst>
-        </p:cNvPr>
-        <p:cNvGrpSpPr/>
-        <p:nvPr/>
-      </p:nvGrpSpPr>
-      <p:grpSpPr>
-        <a:xfrm>
-          <a:off x="0" y="0"/>
-          <a:ext cx="0" cy="0"/>
-          <a:chOff x="0" y="0"/>
-          <a:chExt cx="0" cy="0"/>
-        </a:xfrm>
-      </p:grpSpPr>
-      <p:sp>
-        <p:nvSpPr>
-          <p:cNvPr id="2" name="Title 1">
-            <a:extLst>
-              <a:ext uri="{FF2B5EF4-FFF2-40B4-BE49-F238E27FC236}">
-                <a16:creationId xmlns:a16="http://schemas.microsoft.com/office/drawing/2014/main" id="{E7550EC6-AE05-49BF-4A77-533E88B03423}"/>
-              </a:ext>
-            </a:extLst>
-          </p:cNvPr>
-          <p:cNvSpPr>
-            <a:spLocks noGrp="1"/>
-          </p:cNvSpPr>
-          <p:nvPr>
-            <p:ph type="title"/>
-          </p:nvPr>
-        </p:nvSpPr>
-        <p:spPr/>
-        <p:txBody>
-          <a:bodyPr/>
-          <a:lstStyle/>
-          <a:p>
-            <a:r>
-              <a:rPr lang="en-US" dirty="0"/>
-              <a:t>Slide 20</a:t>
-            </a:r>
-          </a:p>
-        </p:txBody>
-      </p:sp>
-      <p:sp>
-        <p:nvSpPr>
-          <p:cNvPr id="3" name="Text Placeholder 2">
-            <a:extLst>
-              <a:ext uri="{FF2B5EF4-FFF2-40B4-BE49-F238E27FC236}">
-                <a16:creationId xmlns:a16="http://schemas.microsoft.com/office/drawing/2014/main" id="{41C7F67F-4C16-98EC-A184-FEB2FA1DADB4}"/>
-              </a:ext>
-            </a:extLst>
-          </p:cNvPr>
-          <p:cNvSpPr>
-            <a:spLocks noGrp="1"/>
-          </p:cNvSpPr>
-          <p:nvPr>
-            <p:ph type="body" sz="quarter" idx="10"/>
-          </p:nvPr>
-        </p:nvSpPr>
-        <p:spPr/>
-        <p:txBody>
-          <a:bodyPr/>
-          <a:lstStyle/>
-          <a:p>
-            <a:endParaRPr lang="en-US"/>
-          </a:p>
-        </p:txBody>
-      </p:sp>
-    </p:spTree>
-    <p:extLst>
-      <p:ext uri="{BB962C8B-B14F-4D97-AF65-F5344CB8AC3E}">
-        <p14:creationId xmlns:p14="http://schemas.microsoft.com/office/powerpoint/2010/main" val="1930583523"/>
-      </p:ext>
-    </p:extLst>
-  </p:cSld>
-  <p:clrMapOvr>
-    <a:masterClrMapping/>
-  </p:clrMapOvr>
-</p:sld>
-</file>
-
-<file path=ppt/slides/slide21.xml><?xml version="1.0" encoding="utf-8"?>
-<p:sld xmlns:a="http://schemas.openxmlformats.org/drawingml/2006/main" xmlns:r="http://schemas.openxmlformats.org/officeDocument/2006/relationships" xmlns:p="http://schemas.openxmlformats.org/presentationml/2006/main">
-  <p:cSld>
-    <p:spTree>
-      <p:nvGrpSpPr>
-        <p:cNvPr id="1" name="">
-          <a:extLst>
-            <a:ext uri="{FF2B5EF4-FFF2-40B4-BE49-F238E27FC236}">
               <a16:creationId xmlns:a16="http://schemas.microsoft.com/office/drawing/2014/main" id="{390BD7EA-59BB-3A44-BA1E-D0759D9B11B7}"/>
             </a:ext>
           </a:extLst>
@@ -6784,7 +6584,7 @@
 </p:sld>
 </file>
 
-<file path=ppt/slides/slide22.xml><?xml version="1.0" encoding="utf-8"?>
+<file path=ppt/slides/slide21.xml><?xml version="1.0" encoding="utf-8"?>
 <p:sld xmlns:a="http://schemas.openxmlformats.org/drawingml/2006/main" xmlns:r="http://schemas.openxmlformats.org/officeDocument/2006/relationships" xmlns:p="http://schemas.openxmlformats.org/presentationml/2006/main">
   <p:cSld>
     <p:spTree>
@@ -6873,7 +6673,7 @@
 </p:sld>
 </file>
 
-<file path=ppt/slides/slide23.xml><?xml version="1.0" encoding="utf-8"?>
+<file path=ppt/slides/slide22.xml><?xml version="1.0" encoding="utf-8"?>
 <p:sld xmlns:a="http://schemas.openxmlformats.org/drawingml/2006/main" xmlns:r="http://schemas.openxmlformats.org/officeDocument/2006/relationships" xmlns:p="http://schemas.openxmlformats.org/presentationml/2006/main">
   <p:cSld>
     <p:spTree>
@@ -6962,7 +6762,7 @@
 </p:sld>
 </file>
 
-<file path=ppt/slides/slide24.xml><?xml version="1.0" encoding="utf-8"?>
+<file path=ppt/slides/slide23.xml><?xml version="1.0" encoding="utf-8"?>
 <p:sld xmlns:a="http://schemas.openxmlformats.org/drawingml/2006/main" xmlns:r="http://schemas.openxmlformats.org/officeDocument/2006/relationships" xmlns:p="http://schemas.openxmlformats.org/presentationml/2006/main">
   <p:cSld>
     <p:spTree>
@@ -7051,7 +6851,7 @@
 </p:sld>
 </file>
 
-<file path=ppt/slides/slide25.xml><?xml version="1.0" encoding="utf-8"?>
+<file path=ppt/slides/slide24.xml><?xml version="1.0" encoding="utf-8"?>
 <p:sld xmlns:a="http://schemas.openxmlformats.org/drawingml/2006/main" xmlns:r="http://schemas.openxmlformats.org/officeDocument/2006/relationships" xmlns:p="http://schemas.openxmlformats.org/presentationml/2006/main">
   <p:cSld>
     <p:spTree>
@@ -7123,7 +6923,7 @@
           <a:bodyPr/>
           <a:lstStyle/>
           <a:p>
-            <a:endParaRPr lang="en-US"/>
+            <a:endParaRPr lang="en-US" dirty="0"/>
           </a:p>
         </p:txBody>
       </p:sp>

--- a/Final_Project_Team_3_Deliverable_2.pptx
+++ b/Final_Project_Team_3_Deliverable_2.pptx
@@ -11,13 +11,13 @@
   <p:sldIdLst>
     <p:sldId id="256" r:id="rId3"/>
     <p:sldId id="257" r:id="rId4"/>
-    <p:sldId id="258" r:id="rId5"/>
-    <p:sldId id="259" r:id="rId6"/>
-    <p:sldId id="260" r:id="rId7"/>
-    <p:sldId id="261" r:id="rId8"/>
+    <p:sldId id="277" r:id="rId5"/>
+    <p:sldId id="279" r:id="rId6"/>
+    <p:sldId id="261" r:id="rId7"/>
+    <p:sldId id="283" r:id="rId8"/>
     <p:sldId id="262" r:id="rId9"/>
     <p:sldId id="263" r:id="rId10"/>
-    <p:sldId id="264" r:id="rId11"/>
+    <p:sldId id="280" r:id="rId11"/>
     <p:sldId id="265" r:id="rId12"/>
     <p:sldId id="266" r:id="rId13"/>
     <p:sldId id="267" r:id="rId14"/>
@@ -29,7 +29,7 @@
     <p:sldId id="273" r:id="rId20"/>
     <p:sldId id="274" r:id="rId21"/>
     <p:sldId id="275" r:id="rId22"/>
-    <p:sldId id="276" r:id="rId23"/>
+    <p:sldId id="282" r:id="rId23"/>
   </p:sldIdLst>
   <p:sldSz cx="9144000" cy="5143500" type="screen16x9"/>
   <p:notesSz cx="6858000" cy="9144000"/>
@@ -1492,7 +1492,7 @@
             </a:pPr>
             <a:r>
               <a:rPr lang="en-US" dirty="0"/>
-              <a:t>Let's demonstrate how our system performs batch inference. We input a batch of patient records into our deployed model. The model processes this data and outputs readmission risk scores for each patient. Patients are then categorized into high, medium, or low risk, enabling healthcare providers to focus their attention on those who need it most.</a:t>
+              <a:t>We input a batch of patient records into our deployed model. The model processes this data and outputs readmission risk scores for each patient. Patients are then categorized into high, medium, or low risk, enabling healthcare providers to focus their attention on those who need it most.</a:t>
             </a:r>
           </a:p>
         </p:txBody>
@@ -1955,7 +1955,13 @@
   <p:cSld>
     <p:spTree>
       <p:nvGrpSpPr>
-        <p:cNvPr id="1" name=""/>
+        <p:cNvPr id="1" name="">
+          <a:extLst>
+            <a:ext uri="{FF2B5EF4-FFF2-40B4-BE49-F238E27FC236}">
+              <a16:creationId xmlns:a16="http://schemas.microsoft.com/office/drawing/2014/main" id="{B6C59A15-2227-50B2-6264-52A8337C723C}"/>
+            </a:ext>
+          </a:extLst>
+        </p:cNvPr>
         <p:cNvGrpSpPr/>
         <p:nvPr/>
       </p:nvGrpSpPr>
@@ -1969,7 +1975,13 @@
       </p:grpSpPr>
       <p:sp>
         <p:nvSpPr>
-          <p:cNvPr id="2" name="Slide Image Placeholder 1"/>
+          <p:cNvPr id="2" name="Slide Image Placeholder 1">
+            <a:extLst>
+              <a:ext uri="{FF2B5EF4-FFF2-40B4-BE49-F238E27FC236}">
+                <a16:creationId xmlns:a16="http://schemas.microsoft.com/office/drawing/2014/main" id="{F39C4F7A-E937-0D1D-2939-092BF1B5E50A}"/>
+              </a:ext>
+            </a:extLst>
+          </p:cNvPr>
           <p:cNvSpPr>
             <a:spLocks noGrp="1" noRot="1" noChangeAspect="1"/>
           </p:cNvSpPr>
@@ -1986,7 +1998,13 @@
       </p:sp>
       <p:sp>
         <p:nvSpPr>
-          <p:cNvPr id="3" name="Notes Placeholder 2"/>
+          <p:cNvPr id="3" name="Notes Placeholder 2">
+            <a:extLst>
+              <a:ext uri="{FF2B5EF4-FFF2-40B4-BE49-F238E27FC236}">
+                <a16:creationId xmlns:a16="http://schemas.microsoft.com/office/drawing/2014/main" id="{1866A18A-CAFE-46CA-74B4-848A2A3F478F}"/>
+              </a:ext>
+            </a:extLst>
+          </p:cNvPr>
           <p:cNvSpPr>
             <a:spLocks noGrp="1"/>
           </p:cNvSpPr>
@@ -2020,7 +2038,7 @@
             </a:pPr>
             <a:r>
               <a:rPr lang="en-US" dirty="0"/>
-              <a:t>Thank you for your attention. We appreciate the opportunity to share our project with you. We're now open to any questions or discussions. You can also reach us through the provided contact information or explore our codebase on GitHub for more details.</a:t>
+              <a:t>Thank you for your attention. We're now ready to take any questions you might have about our presentation. If you'd like to explore our project further or report any issues, you can find us on the above GitHub link. We appreciate your interest and look forward to the discussion.</a:t>
             </a:r>
           </a:p>
         </p:txBody>
@@ -2028,7 +2046,7 @@
     </p:spTree>
     <p:extLst>
       <p:ext uri="{BB962C8B-B14F-4D97-AF65-F5344CB8AC3E}">
-        <p14:creationId xmlns:p14="http://schemas.microsoft.com/office/powerpoint/2010/main" val="1213647677"/>
+        <p14:creationId xmlns:p14="http://schemas.microsoft.com/office/powerpoint/2010/main" val="3268929539"/>
       </p:ext>
     </p:extLst>
   </p:cSld>
@@ -2043,7 +2061,13 @@
   <p:cSld>
     <p:spTree>
       <p:nvGrpSpPr>
-        <p:cNvPr id="1" name=""/>
+        <p:cNvPr id="1" name="">
+          <a:extLst>
+            <a:ext uri="{FF2B5EF4-FFF2-40B4-BE49-F238E27FC236}">
+              <a16:creationId xmlns:a16="http://schemas.microsoft.com/office/drawing/2014/main" id="{777E130A-6976-FC91-EE51-F1AFEE093364}"/>
+            </a:ext>
+          </a:extLst>
+        </p:cNvPr>
         <p:cNvGrpSpPr/>
         <p:nvPr/>
       </p:nvGrpSpPr>
@@ -2057,7 +2081,13 @@
       </p:grpSpPr>
       <p:sp>
         <p:nvSpPr>
-          <p:cNvPr id="2" name="Slide Image Placeholder 1"/>
+          <p:cNvPr id="2" name="Slide Image Placeholder 1">
+            <a:extLst>
+              <a:ext uri="{FF2B5EF4-FFF2-40B4-BE49-F238E27FC236}">
+                <a16:creationId xmlns:a16="http://schemas.microsoft.com/office/drawing/2014/main" id="{4D144141-D5D3-3DC0-5CA8-7E8B70370728}"/>
+              </a:ext>
+            </a:extLst>
+          </p:cNvPr>
           <p:cNvSpPr>
             <a:spLocks noGrp="1" noRot="1" noChangeAspect="1"/>
           </p:cNvSpPr>
@@ -2074,7 +2104,13 @@
       </p:sp>
       <p:sp>
         <p:nvSpPr>
-          <p:cNvPr id="3" name="Notes Placeholder 2"/>
+          <p:cNvPr id="3" name="Notes Placeholder 2">
+            <a:extLst>
+              <a:ext uri="{FF2B5EF4-FFF2-40B4-BE49-F238E27FC236}">
+                <a16:creationId xmlns:a16="http://schemas.microsoft.com/office/drawing/2014/main" id="{681F84C6-784F-5D57-3336-378380E3FE1D}"/>
+              </a:ext>
+            </a:extLst>
+          </p:cNvPr>
           <p:cNvSpPr>
             <a:spLocks noGrp="1"/>
           </p:cNvSpPr>
@@ -2116,7 +2152,7 @@
     </p:spTree>
     <p:extLst>
       <p:ext uri="{BB962C8B-B14F-4D97-AF65-F5344CB8AC3E}">
-        <p14:creationId xmlns:p14="http://schemas.microsoft.com/office/powerpoint/2010/main" val="2384940474"/>
+        <p14:creationId xmlns:p14="http://schemas.microsoft.com/office/powerpoint/2010/main" val="1526135932"/>
       </p:ext>
     </p:extLst>
   </p:cSld>
@@ -2204,7 +2240,7 @@
     </p:spTree>
     <p:extLst>
       <p:ext uri="{BB962C8B-B14F-4D97-AF65-F5344CB8AC3E}">
-        <p14:creationId xmlns:p14="http://schemas.microsoft.com/office/powerpoint/2010/main" val="3477899269"/>
+        <p14:creationId xmlns:p14="http://schemas.microsoft.com/office/powerpoint/2010/main" val="704665872"/>
       </p:ext>
     </p:extLst>
   </p:cSld>
@@ -2292,7 +2328,7 @@
     </p:spTree>
     <p:extLst>
       <p:ext uri="{BB962C8B-B14F-4D97-AF65-F5344CB8AC3E}">
-        <p14:creationId xmlns:p14="http://schemas.microsoft.com/office/powerpoint/2010/main" val="1412704436"/>
+        <p14:creationId xmlns:p14="http://schemas.microsoft.com/office/powerpoint/2010/main" val="1061750456"/>
       </p:ext>
     </p:extLst>
   </p:cSld>
@@ -2307,7 +2343,13 @@
   <p:cSld>
     <p:spTree>
       <p:nvGrpSpPr>
-        <p:cNvPr id="1" name=""/>
+        <p:cNvPr id="1" name="">
+          <a:extLst>
+            <a:ext uri="{FF2B5EF4-FFF2-40B4-BE49-F238E27FC236}">
+              <a16:creationId xmlns:a16="http://schemas.microsoft.com/office/drawing/2014/main" id="{24D14FA2-A6CD-F8E4-F28A-64EA623B0445}"/>
+            </a:ext>
+          </a:extLst>
+        </p:cNvPr>
         <p:cNvGrpSpPr/>
         <p:nvPr/>
       </p:nvGrpSpPr>
@@ -2321,7 +2363,13 @@
       </p:grpSpPr>
       <p:sp>
         <p:nvSpPr>
-          <p:cNvPr id="2" name="Slide Image Placeholder 1"/>
+          <p:cNvPr id="2" name="Slide Image Placeholder 1">
+            <a:extLst>
+              <a:ext uri="{FF2B5EF4-FFF2-40B4-BE49-F238E27FC236}">
+                <a16:creationId xmlns:a16="http://schemas.microsoft.com/office/drawing/2014/main" id="{6CA52DA9-8B89-5AD7-6396-125301A722BB}"/>
+              </a:ext>
+            </a:extLst>
+          </p:cNvPr>
           <p:cNvSpPr>
             <a:spLocks noGrp="1" noRot="1" noChangeAspect="1"/>
           </p:cNvSpPr>
@@ -2338,7 +2386,13 @@
       </p:sp>
       <p:sp>
         <p:nvSpPr>
-          <p:cNvPr id="3" name="Notes Placeholder 2"/>
+          <p:cNvPr id="3" name="Notes Placeholder 2">
+            <a:extLst>
+              <a:ext uri="{FF2B5EF4-FFF2-40B4-BE49-F238E27FC236}">
+                <a16:creationId xmlns:a16="http://schemas.microsoft.com/office/drawing/2014/main" id="{E11034C6-7CD6-5C52-BA43-9154BC9121D7}"/>
+              </a:ext>
+            </a:extLst>
+          </p:cNvPr>
           <p:cNvSpPr>
             <a:spLocks noGrp="1"/>
           </p:cNvSpPr>
@@ -2380,7 +2434,7 @@
     </p:spTree>
     <p:extLst>
       <p:ext uri="{BB962C8B-B14F-4D97-AF65-F5344CB8AC3E}">
-        <p14:creationId xmlns:p14="http://schemas.microsoft.com/office/powerpoint/2010/main" val="1061750456"/>
+        <p14:creationId xmlns:p14="http://schemas.microsoft.com/office/powerpoint/2010/main" val="4140597256"/>
       </p:ext>
     </p:extLst>
   </p:cSld>
@@ -2629,7 +2683,7 @@
           <a:bodyPr/>
           <a:lstStyle/>
           <a:p>
-            <a:pPr marL="158750" marR="0" lvl="0" indent="0" algn="l" defTabSz="914400" rtl="0" eaLnBrk="1" fontAlgn="auto" latinLnBrk="0" hangingPunct="1">
+            <a:pPr marL="457200" marR="0" lvl="0" indent="-298450" algn="l" defTabSz="914400" rtl="0" eaLnBrk="1" fontAlgn="auto" latinLnBrk="0" hangingPunct="1">
               <a:lnSpc>
                 <a:spcPct val="100000"/>
               </a:lnSpc>
@@ -2644,7 +2698,7 @@
               </a:buClr>
               <a:buSzPts val="1100"/>
               <a:buFont typeface="Arial"/>
-              <a:buNone/>
+              <a:buChar char="●"/>
               <a:tabLst/>
               <a:defRPr/>
             </a:pPr>
@@ -2661,12 +2715,15 @@
               <a:t>, achieving an accuracy of 68.30% and an ROC-AUC of 72.09%. These metrics indicate that the model has a good balance between sensitivity and specificity. The confusion matrix and ROC curve, displayed here, provide further insights into the model's performance.</a:t>
             </a:r>
           </a:p>
+          <a:p>
+            <a:endParaRPr lang="en-US" dirty="0"/>
+          </a:p>
         </p:txBody>
       </p:sp>
     </p:spTree>
     <p:extLst>
       <p:ext uri="{BB962C8B-B14F-4D97-AF65-F5344CB8AC3E}">
-        <p14:creationId xmlns:p14="http://schemas.microsoft.com/office/powerpoint/2010/main" val="461655625"/>
+        <p14:creationId xmlns:p14="http://schemas.microsoft.com/office/powerpoint/2010/main" val="3961756025"/>
       </p:ext>
     </p:extLst>
   </p:cSld>
@@ -12113,60 +12170,354 @@
       </p:grpSpPr>
       <p:sp>
         <p:nvSpPr>
-          <p:cNvPr id="2" name="Text Placeholder 1">
+          <p:cNvPr id="7" name="Text Placeholder 2">
             <a:extLst>
               <a:ext uri="{FF2B5EF4-FFF2-40B4-BE49-F238E27FC236}">
-                <a16:creationId xmlns:a16="http://schemas.microsoft.com/office/drawing/2014/main" id="{83CF29D2-373A-7F6C-0A69-FB4ADD7CB4C0}"/>
+                <a16:creationId xmlns:a16="http://schemas.microsoft.com/office/drawing/2014/main" id="{4AFC2BA0-E3EA-0E91-2E3A-1B7511F6A266}"/>
               </a:ext>
             </a:extLst>
           </p:cNvPr>
-          <p:cNvSpPr>
-            <a:spLocks noGrp="1"/>
+          <p:cNvSpPr txBox="1">
+            <a:spLocks/>
           </p:cNvSpPr>
-          <p:nvPr>
-            <p:ph type="body" idx="1"/>
-          </p:nvPr>
+          <p:nvPr/>
         </p:nvSpPr>
-        <p:spPr/>
+        <p:spPr>
+          <a:xfrm>
+            <a:off x="261594" y="1900238"/>
+            <a:ext cx="8620812" cy="2457450"/>
+          </a:xfrm>
+          <a:prstGeom prst="rect">
+            <a:avLst/>
+          </a:prstGeom>
+          <a:noFill/>
+          <a:ln>
+            <a:noFill/>
+          </a:ln>
+        </p:spPr>
         <p:txBody>
-          <a:bodyPr/>
-          <a:lstStyle/>
-          <a:p>
-            <a:endParaRPr lang="en-US"/>
+          <a:bodyPr spcFirstLastPara="1" wrap="square" lIns="0" tIns="0" rIns="0" bIns="0" anchor="t" anchorCtr="0">
+            <a:noAutofit/>
+          </a:bodyPr>
+          <a:lstStyle>
+            <a:defPPr marR="0" lvl="0" algn="l" rtl="0">
+              <a:lnSpc>
+                <a:spcPct val="100000"/>
+              </a:lnSpc>
+              <a:spcBef>
+                <a:spcPts val="0"/>
+              </a:spcBef>
+              <a:spcAft>
+                <a:spcPts val="0"/>
+              </a:spcAft>
+            </a:defPPr>
+            <a:lvl1pPr marL="457200" marR="0" lvl="0" indent="-260350" algn="l" rtl="0">
+              <a:lnSpc>
+                <a:spcPct val="116666"/>
+              </a:lnSpc>
+              <a:spcBef>
+                <a:spcPts val="0"/>
+              </a:spcBef>
+              <a:spcAft>
+                <a:spcPts val="0"/>
+              </a:spcAft>
+              <a:buClr>
+                <a:srgbClr val="173063"/>
+              </a:buClr>
+              <a:buSzPts val="500"/>
+              <a:buFont typeface="Merriweather Sans"/>
+              <a:buChar char=" "/>
+              <a:defRPr sz="1800" b="0" i="0" u="none" strike="noStrike" cap="none">
+                <a:solidFill>
+                  <a:srgbClr val="003B70"/>
+                </a:solidFill>
+                <a:latin typeface="Arial"/>
+                <a:ea typeface="Arial"/>
+                <a:cs typeface="Arial"/>
+                <a:sym typeface="Arial"/>
+              </a:defRPr>
+            </a:lvl1pPr>
+            <a:lvl2pPr marL="914400" marR="0" lvl="1" indent="-342900" algn="l" rtl="0">
+              <a:lnSpc>
+                <a:spcPct val="116666"/>
+              </a:lnSpc>
+              <a:spcBef>
+                <a:spcPts val="500"/>
+              </a:spcBef>
+              <a:spcAft>
+                <a:spcPts val="0"/>
+              </a:spcAft>
+              <a:buClr>
+                <a:srgbClr val="173063"/>
+              </a:buClr>
+              <a:buSzPts val="1800"/>
+              <a:buFont typeface="Arial"/>
+              <a:buChar char="•"/>
+              <a:defRPr sz="1800" b="0" i="0" u="none" strike="noStrike" cap="none">
+                <a:solidFill>
+                  <a:srgbClr val="003B70"/>
+                </a:solidFill>
+                <a:latin typeface="Arial"/>
+                <a:ea typeface="Arial"/>
+                <a:cs typeface="Arial"/>
+                <a:sym typeface="Arial"/>
+              </a:defRPr>
+            </a:lvl2pPr>
+            <a:lvl3pPr marL="1371600" marR="0" lvl="2" indent="-342900" algn="l" rtl="0">
+              <a:lnSpc>
+                <a:spcPct val="116666"/>
+              </a:lnSpc>
+              <a:spcBef>
+                <a:spcPts val="500"/>
+              </a:spcBef>
+              <a:spcAft>
+                <a:spcPts val="0"/>
+              </a:spcAft>
+              <a:buClr>
+                <a:srgbClr val="003B70"/>
+              </a:buClr>
+              <a:buSzPts val="1800"/>
+              <a:buFont typeface="Merriweather Sans"/>
+              <a:buChar char="-"/>
+              <a:defRPr sz="1800" b="0" i="0" u="none" strike="noStrike" cap="none">
+                <a:solidFill>
+                  <a:srgbClr val="003B70"/>
+                </a:solidFill>
+                <a:latin typeface="Arial"/>
+                <a:ea typeface="Arial"/>
+                <a:cs typeface="Arial"/>
+                <a:sym typeface="Arial"/>
+              </a:defRPr>
+            </a:lvl3pPr>
+            <a:lvl4pPr marL="1828800" marR="0" lvl="3" indent="-342900" algn="l" rtl="0">
+              <a:lnSpc>
+                <a:spcPct val="116666"/>
+              </a:lnSpc>
+              <a:spcBef>
+                <a:spcPts val="500"/>
+              </a:spcBef>
+              <a:spcAft>
+                <a:spcPts val="0"/>
+              </a:spcAft>
+              <a:buClr>
+                <a:srgbClr val="003B70"/>
+              </a:buClr>
+              <a:buSzPts val="1800"/>
+              <a:buFont typeface="Merriweather Sans"/>
+              <a:buChar char="-"/>
+              <a:defRPr sz="1800" b="0" i="0" u="none" strike="noStrike" cap="none">
+                <a:solidFill>
+                  <a:srgbClr val="003B70"/>
+                </a:solidFill>
+                <a:latin typeface="Arial"/>
+                <a:ea typeface="Arial"/>
+                <a:cs typeface="Arial"/>
+                <a:sym typeface="Arial"/>
+              </a:defRPr>
+            </a:lvl4pPr>
+            <a:lvl5pPr marL="2286000" marR="0" lvl="4" indent="-342900" algn="l" rtl="0">
+              <a:lnSpc>
+                <a:spcPct val="116666"/>
+              </a:lnSpc>
+              <a:spcBef>
+                <a:spcPts val="500"/>
+              </a:spcBef>
+              <a:spcAft>
+                <a:spcPts val="0"/>
+              </a:spcAft>
+              <a:buClr>
+                <a:srgbClr val="003B70"/>
+              </a:buClr>
+              <a:buSzPts val="1800"/>
+              <a:buFont typeface="Merriweather Sans"/>
+              <a:buChar char="-"/>
+              <a:defRPr sz="1800" b="0" i="0" u="none" strike="noStrike" cap="none">
+                <a:solidFill>
+                  <a:srgbClr val="003B70"/>
+                </a:solidFill>
+                <a:latin typeface="Arial"/>
+                <a:ea typeface="Arial"/>
+                <a:cs typeface="Arial"/>
+                <a:sym typeface="Arial"/>
+              </a:defRPr>
+            </a:lvl5pPr>
+            <a:lvl6pPr marL="2743200" marR="0" lvl="5" indent="-228600" algn="l" rtl="0">
+              <a:lnSpc>
+                <a:spcPct val="100000"/>
+              </a:lnSpc>
+              <a:spcBef>
+                <a:spcPts val="500"/>
+              </a:spcBef>
+              <a:spcAft>
+                <a:spcPts val="0"/>
+              </a:spcAft>
+              <a:buClr>
+                <a:srgbClr val="000000"/>
+              </a:buClr>
+              <a:buSzPts val="1100"/>
+              <a:buFont typeface="Arial"/>
+              <a:buNone/>
+              <a:defRPr sz="1200" b="0" i="0" u="none" strike="noStrike" cap="none">
+                <a:solidFill>
+                  <a:schemeClr val="dk1"/>
+                </a:solidFill>
+                <a:latin typeface="Arial"/>
+                <a:ea typeface="Arial"/>
+                <a:cs typeface="Arial"/>
+                <a:sym typeface="Arial"/>
+              </a:defRPr>
+            </a:lvl6pPr>
+            <a:lvl7pPr marL="3200400" marR="0" lvl="6" indent="-228600" algn="l" rtl="0">
+              <a:lnSpc>
+                <a:spcPct val="100000"/>
+              </a:lnSpc>
+              <a:spcBef>
+                <a:spcPts val="200"/>
+              </a:spcBef>
+              <a:spcAft>
+                <a:spcPts val="0"/>
+              </a:spcAft>
+              <a:buClr>
+                <a:srgbClr val="000000"/>
+              </a:buClr>
+              <a:buSzPts val="1100"/>
+              <a:buFont typeface="Arial"/>
+              <a:buNone/>
+              <a:defRPr sz="1200" b="0" i="0" u="none" strike="noStrike" cap="none">
+                <a:solidFill>
+                  <a:schemeClr val="dk1"/>
+                </a:solidFill>
+                <a:latin typeface="Arial"/>
+                <a:ea typeface="Arial"/>
+                <a:cs typeface="Arial"/>
+                <a:sym typeface="Arial"/>
+              </a:defRPr>
+            </a:lvl7pPr>
+            <a:lvl8pPr marL="3657600" marR="0" lvl="7" indent="-228600" algn="l" rtl="0">
+              <a:lnSpc>
+                <a:spcPct val="100000"/>
+              </a:lnSpc>
+              <a:spcBef>
+                <a:spcPts val="200"/>
+              </a:spcBef>
+              <a:spcAft>
+                <a:spcPts val="0"/>
+              </a:spcAft>
+              <a:buClr>
+                <a:srgbClr val="000000"/>
+              </a:buClr>
+              <a:buSzPts val="1100"/>
+              <a:buFont typeface="Arial"/>
+              <a:buNone/>
+              <a:defRPr sz="1200" b="0" i="0" u="none" strike="noStrike" cap="none">
+                <a:solidFill>
+                  <a:schemeClr val="dk1"/>
+                </a:solidFill>
+                <a:latin typeface="Arial"/>
+                <a:ea typeface="Arial"/>
+                <a:cs typeface="Arial"/>
+                <a:sym typeface="Arial"/>
+              </a:defRPr>
+            </a:lvl8pPr>
+            <a:lvl9pPr marL="4114800" marR="0" lvl="8" indent="-228600" algn="l" rtl="0">
+              <a:lnSpc>
+                <a:spcPct val="100000"/>
+              </a:lnSpc>
+              <a:spcBef>
+                <a:spcPts val="200"/>
+              </a:spcBef>
+              <a:spcAft>
+                <a:spcPts val="0"/>
+              </a:spcAft>
+              <a:buClr>
+                <a:srgbClr val="000000"/>
+              </a:buClr>
+              <a:buSzPts val="1100"/>
+              <a:buFont typeface="Arial"/>
+              <a:buNone/>
+              <a:defRPr sz="1200" b="0" i="0" u="none" strike="noStrike" cap="none">
+                <a:solidFill>
+                  <a:schemeClr val="dk1"/>
+                </a:solidFill>
+                <a:latin typeface="Arial"/>
+                <a:ea typeface="Arial"/>
+                <a:cs typeface="Arial"/>
+                <a:sym typeface="Arial"/>
+              </a:defRPr>
+            </a:lvl9pPr>
+          </a:lstStyle>
+          <a:p>
+            <a:pPr marL="196850" indent="0" algn="ctr">
+              <a:buNone/>
+            </a:pPr>
+            <a:r>
+              <a:rPr lang="en-US" b="1" dirty="0"/>
+              <a:t>Deployment Strategy:</a:t>
+            </a:r>
+          </a:p>
+          <a:p>
+            <a:pPr marL="196850" indent="0" algn="ctr">
+              <a:buNone/>
+            </a:pPr>
+            <a:r>
+              <a:rPr lang="en-US" dirty="0"/>
+              <a:t>Containerization with Docker</a:t>
+            </a:r>
+          </a:p>
+          <a:p>
+            <a:pPr marL="196850" indent="0" algn="ctr">
+              <a:buNone/>
+            </a:pPr>
+            <a:r>
+              <a:rPr lang="en-US" dirty="0"/>
+              <a:t>RESTful API using </a:t>
+            </a:r>
+            <a:r>
+              <a:rPr lang="en-US" dirty="0" err="1"/>
+              <a:t>FastAPI</a:t>
+            </a:r>
+            <a:br>
+              <a:rPr lang="en-US" dirty="0"/>
+            </a:br>
+            <a:endParaRPr lang="en-US" dirty="0"/>
+          </a:p>
+          <a:p>
+            <a:pPr marL="196850" indent="0" algn="ctr">
+              <a:buNone/>
+            </a:pPr>
+            <a:r>
+              <a:rPr lang="en-US" b="1" dirty="0"/>
+              <a:t>Hosting: </a:t>
+            </a:r>
+            <a:r>
+              <a:rPr lang="en-US" dirty="0"/>
+              <a:t>Can be deployed on cloud platforms or on-premises</a:t>
+            </a:r>
+          </a:p>
+          <a:p>
+            <a:pPr marL="196850" indent="0" algn="ctr">
+              <a:buNone/>
+            </a:pPr>
+            <a:br>
+              <a:rPr lang="en-US" dirty="0"/>
+            </a:br>
+            <a:r>
+              <a:rPr lang="en-US" b="1" dirty="0"/>
+              <a:t>Scalability: </a:t>
+            </a:r>
+            <a:r>
+              <a:rPr lang="en-US" dirty="0"/>
+              <a:t>Designed for handling varying loads</a:t>
+            </a:r>
           </a:p>
         </p:txBody>
       </p:sp>
       <p:sp>
         <p:nvSpPr>
-          <p:cNvPr id="3" name="Text Placeholder 2">
+          <p:cNvPr id="8" name="Title 3">
             <a:extLst>
               <a:ext uri="{FF2B5EF4-FFF2-40B4-BE49-F238E27FC236}">
-                <a16:creationId xmlns:a16="http://schemas.microsoft.com/office/drawing/2014/main" id="{5B5AB97B-6E92-7706-B344-45DD4597ACCD}"/>
-              </a:ext>
-            </a:extLst>
-          </p:cNvPr>
-          <p:cNvSpPr>
-            <a:spLocks noGrp="1"/>
-          </p:cNvSpPr>
-          <p:nvPr>
-            <p:ph type="body" idx="2"/>
-          </p:nvPr>
-        </p:nvSpPr>
-        <p:spPr/>
-        <p:txBody>
-          <a:bodyPr/>
-          <a:lstStyle/>
-          <a:p>
-            <a:endParaRPr lang="en-US"/>
-          </a:p>
-        </p:txBody>
-      </p:sp>
-      <p:sp>
-        <p:nvSpPr>
-          <p:cNvPr id="4" name="Title 3">
-            <a:extLst>
-              <a:ext uri="{FF2B5EF4-FFF2-40B4-BE49-F238E27FC236}">
-                <a16:creationId xmlns:a16="http://schemas.microsoft.com/office/drawing/2014/main" id="{0CA2CE19-43A5-F4DB-D361-BD3C712E46EA}"/>
+                <a16:creationId xmlns:a16="http://schemas.microsoft.com/office/drawing/2014/main" id="{836056D7-D8E9-C206-0AF3-49581398ED57}"/>
               </a:ext>
             </a:extLst>
           </p:cNvPr>
@@ -12177,62 +12528,25 @@
             <p:ph type="title"/>
           </p:nvPr>
         </p:nvSpPr>
-        <p:spPr/>
+        <p:spPr>
+          <a:xfrm>
+            <a:off x="685800" y="514350"/>
+            <a:ext cx="7772400" cy="857250"/>
+          </a:xfrm>
+        </p:spPr>
         <p:txBody>
           <a:bodyPr/>
           <a:lstStyle/>
           <a:p>
-            <a:endParaRPr lang="en-US"/>
-          </a:p>
-        </p:txBody>
-      </p:sp>
-      <p:sp>
-        <p:nvSpPr>
-          <p:cNvPr id="5" name="Text Placeholder 4">
-            <a:extLst>
-              <a:ext uri="{FF2B5EF4-FFF2-40B4-BE49-F238E27FC236}">
-                <a16:creationId xmlns:a16="http://schemas.microsoft.com/office/drawing/2014/main" id="{99B40EEA-1E37-AF23-6A4F-538C80C973B8}"/>
-              </a:ext>
-            </a:extLst>
-          </p:cNvPr>
-          <p:cNvSpPr>
-            <a:spLocks noGrp="1"/>
-          </p:cNvSpPr>
-          <p:nvPr>
-            <p:ph type="body" idx="3"/>
-          </p:nvPr>
-        </p:nvSpPr>
-        <p:spPr/>
-        <p:txBody>
-          <a:bodyPr/>
-          <a:lstStyle/>
-          <a:p>
-            <a:endParaRPr lang="en-US"/>
-          </a:p>
-        </p:txBody>
-      </p:sp>
-      <p:sp>
-        <p:nvSpPr>
-          <p:cNvPr id="6" name="Text Placeholder 5">
-            <a:extLst>
-              <a:ext uri="{FF2B5EF4-FFF2-40B4-BE49-F238E27FC236}">
-                <a16:creationId xmlns:a16="http://schemas.microsoft.com/office/drawing/2014/main" id="{951EF0F9-C26A-64B5-F6B1-6AA33E723BEC}"/>
-              </a:ext>
-            </a:extLst>
-          </p:cNvPr>
-          <p:cNvSpPr>
-            <a:spLocks noGrp="1"/>
-          </p:cNvSpPr>
-          <p:nvPr>
-            <p:ph type="body" idx="4"/>
-          </p:nvPr>
-        </p:nvSpPr>
-        <p:spPr/>
-        <p:txBody>
-          <a:bodyPr/>
-          <a:lstStyle/>
-          <a:p>
-            <a:endParaRPr lang="en-US"/>
+            <a:pPr algn="ctr">
+              <a:lnSpc>
+                <a:spcPct val="0"/>
+              </a:lnSpc>
+            </a:pPr>
+            <a:r>
+              <a:rPr lang="en-US" dirty="0"/>
+              <a:t>Model Deployment</a:t>
+            </a:r>
           </a:p>
         </p:txBody>
       </p:sp>
@@ -12268,60 +12582,359 @@
       </p:grpSpPr>
       <p:sp>
         <p:nvSpPr>
-          <p:cNvPr id="2" name="Text Placeholder 1">
+          <p:cNvPr id="7" name="Text Placeholder 2">
             <a:extLst>
               <a:ext uri="{FF2B5EF4-FFF2-40B4-BE49-F238E27FC236}">
-                <a16:creationId xmlns:a16="http://schemas.microsoft.com/office/drawing/2014/main" id="{49FDAB4E-FB1A-D94E-5588-42145C430659}"/>
+                <a16:creationId xmlns:a16="http://schemas.microsoft.com/office/drawing/2014/main" id="{4AAE5596-9283-479C-F747-BE381F8B813E}"/>
               </a:ext>
             </a:extLst>
           </p:cNvPr>
-          <p:cNvSpPr>
-            <a:spLocks noGrp="1"/>
+          <p:cNvSpPr txBox="1">
+            <a:spLocks/>
           </p:cNvSpPr>
-          <p:nvPr>
-            <p:ph type="body" idx="1"/>
-          </p:nvPr>
+          <p:nvPr/>
         </p:nvSpPr>
-        <p:spPr/>
+        <p:spPr>
+          <a:xfrm>
+            <a:off x="261594" y="1414021"/>
+            <a:ext cx="8620812" cy="2943667"/>
+          </a:xfrm>
+          <a:prstGeom prst="rect">
+            <a:avLst/>
+          </a:prstGeom>
+          <a:noFill/>
+          <a:ln>
+            <a:noFill/>
+          </a:ln>
+        </p:spPr>
         <p:txBody>
-          <a:bodyPr/>
-          <a:lstStyle/>
-          <a:p>
-            <a:endParaRPr lang="en-US"/>
+          <a:bodyPr spcFirstLastPara="1" wrap="square" lIns="0" tIns="0" rIns="0" bIns="0" anchor="t" anchorCtr="0">
+            <a:noAutofit/>
+          </a:bodyPr>
+          <a:lstStyle>
+            <a:defPPr marR="0" lvl="0" algn="l" rtl="0">
+              <a:lnSpc>
+                <a:spcPct val="100000"/>
+              </a:lnSpc>
+              <a:spcBef>
+                <a:spcPts val="0"/>
+              </a:spcBef>
+              <a:spcAft>
+                <a:spcPts val="0"/>
+              </a:spcAft>
+            </a:defPPr>
+            <a:lvl1pPr marL="457200" marR="0" lvl="0" indent="-260350" algn="l" rtl="0">
+              <a:lnSpc>
+                <a:spcPct val="116666"/>
+              </a:lnSpc>
+              <a:spcBef>
+                <a:spcPts val="0"/>
+              </a:spcBef>
+              <a:spcAft>
+                <a:spcPts val="0"/>
+              </a:spcAft>
+              <a:buClr>
+                <a:srgbClr val="173063"/>
+              </a:buClr>
+              <a:buSzPts val="500"/>
+              <a:buFont typeface="Merriweather Sans"/>
+              <a:buChar char=" "/>
+              <a:defRPr sz="1800" b="0" i="0" u="none" strike="noStrike" cap="none">
+                <a:solidFill>
+                  <a:srgbClr val="003B70"/>
+                </a:solidFill>
+                <a:latin typeface="Arial"/>
+                <a:ea typeface="Arial"/>
+                <a:cs typeface="Arial"/>
+                <a:sym typeface="Arial"/>
+              </a:defRPr>
+            </a:lvl1pPr>
+            <a:lvl2pPr marL="914400" marR="0" lvl="1" indent="-342900" algn="l" rtl="0">
+              <a:lnSpc>
+                <a:spcPct val="116666"/>
+              </a:lnSpc>
+              <a:spcBef>
+                <a:spcPts val="500"/>
+              </a:spcBef>
+              <a:spcAft>
+                <a:spcPts val="0"/>
+              </a:spcAft>
+              <a:buClr>
+                <a:srgbClr val="173063"/>
+              </a:buClr>
+              <a:buSzPts val="1800"/>
+              <a:buFont typeface="Arial"/>
+              <a:buChar char="•"/>
+              <a:defRPr sz="1800" b="0" i="0" u="none" strike="noStrike" cap="none">
+                <a:solidFill>
+                  <a:srgbClr val="003B70"/>
+                </a:solidFill>
+                <a:latin typeface="Arial"/>
+                <a:ea typeface="Arial"/>
+                <a:cs typeface="Arial"/>
+                <a:sym typeface="Arial"/>
+              </a:defRPr>
+            </a:lvl2pPr>
+            <a:lvl3pPr marL="1371600" marR="0" lvl="2" indent="-342900" algn="l" rtl="0">
+              <a:lnSpc>
+                <a:spcPct val="116666"/>
+              </a:lnSpc>
+              <a:spcBef>
+                <a:spcPts val="500"/>
+              </a:spcBef>
+              <a:spcAft>
+                <a:spcPts val="0"/>
+              </a:spcAft>
+              <a:buClr>
+                <a:srgbClr val="003B70"/>
+              </a:buClr>
+              <a:buSzPts val="1800"/>
+              <a:buFont typeface="Merriweather Sans"/>
+              <a:buChar char="-"/>
+              <a:defRPr sz="1800" b="0" i="0" u="none" strike="noStrike" cap="none">
+                <a:solidFill>
+                  <a:srgbClr val="003B70"/>
+                </a:solidFill>
+                <a:latin typeface="Arial"/>
+                <a:ea typeface="Arial"/>
+                <a:cs typeface="Arial"/>
+                <a:sym typeface="Arial"/>
+              </a:defRPr>
+            </a:lvl3pPr>
+            <a:lvl4pPr marL="1828800" marR="0" lvl="3" indent="-342900" algn="l" rtl="0">
+              <a:lnSpc>
+                <a:spcPct val="116666"/>
+              </a:lnSpc>
+              <a:spcBef>
+                <a:spcPts val="500"/>
+              </a:spcBef>
+              <a:spcAft>
+                <a:spcPts val="0"/>
+              </a:spcAft>
+              <a:buClr>
+                <a:srgbClr val="003B70"/>
+              </a:buClr>
+              <a:buSzPts val="1800"/>
+              <a:buFont typeface="Merriweather Sans"/>
+              <a:buChar char="-"/>
+              <a:defRPr sz="1800" b="0" i="0" u="none" strike="noStrike" cap="none">
+                <a:solidFill>
+                  <a:srgbClr val="003B70"/>
+                </a:solidFill>
+                <a:latin typeface="Arial"/>
+                <a:ea typeface="Arial"/>
+                <a:cs typeface="Arial"/>
+                <a:sym typeface="Arial"/>
+              </a:defRPr>
+            </a:lvl4pPr>
+            <a:lvl5pPr marL="2286000" marR="0" lvl="4" indent="-342900" algn="l" rtl="0">
+              <a:lnSpc>
+                <a:spcPct val="116666"/>
+              </a:lnSpc>
+              <a:spcBef>
+                <a:spcPts val="500"/>
+              </a:spcBef>
+              <a:spcAft>
+                <a:spcPts val="0"/>
+              </a:spcAft>
+              <a:buClr>
+                <a:srgbClr val="003B70"/>
+              </a:buClr>
+              <a:buSzPts val="1800"/>
+              <a:buFont typeface="Merriweather Sans"/>
+              <a:buChar char="-"/>
+              <a:defRPr sz="1800" b="0" i="0" u="none" strike="noStrike" cap="none">
+                <a:solidFill>
+                  <a:srgbClr val="003B70"/>
+                </a:solidFill>
+                <a:latin typeface="Arial"/>
+                <a:ea typeface="Arial"/>
+                <a:cs typeface="Arial"/>
+                <a:sym typeface="Arial"/>
+              </a:defRPr>
+            </a:lvl5pPr>
+            <a:lvl6pPr marL="2743200" marR="0" lvl="5" indent="-228600" algn="l" rtl="0">
+              <a:lnSpc>
+                <a:spcPct val="100000"/>
+              </a:lnSpc>
+              <a:spcBef>
+                <a:spcPts val="500"/>
+              </a:spcBef>
+              <a:spcAft>
+                <a:spcPts val="0"/>
+              </a:spcAft>
+              <a:buClr>
+                <a:srgbClr val="000000"/>
+              </a:buClr>
+              <a:buSzPts val="1100"/>
+              <a:buFont typeface="Arial"/>
+              <a:buNone/>
+              <a:defRPr sz="1200" b="0" i="0" u="none" strike="noStrike" cap="none">
+                <a:solidFill>
+                  <a:schemeClr val="dk1"/>
+                </a:solidFill>
+                <a:latin typeface="Arial"/>
+                <a:ea typeface="Arial"/>
+                <a:cs typeface="Arial"/>
+                <a:sym typeface="Arial"/>
+              </a:defRPr>
+            </a:lvl6pPr>
+            <a:lvl7pPr marL="3200400" marR="0" lvl="6" indent="-228600" algn="l" rtl="0">
+              <a:lnSpc>
+                <a:spcPct val="100000"/>
+              </a:lnSpc>
+              <a:spcBef>
+                <a:spcPts val="200"/>
+              </a:spcBef>
+              <a:spcAft>
+                <a:spcPts val="0"/>
+              </a:spcAft>
+              <a:buClr>
+                <a:srgbClr val="000000"/>
+              </a:buClr>
+              <a:buSzPts val="1100"/>
+              <a:buFont typeface="Arial"/>
+              <a:buNone/>
+              <a:defRPr sz="1200" b="0" i="0" u="none" strike="noStrike" cap="none">
+                <a:solidFill>
+                  <a:schemeClr val="dk1"/>
+                </a:solidFill>
+                <a:latin typeface="Arial"/>
+                <a:ea typeface="Arial"/>
+                <a:cs typeface="Arial"/>
+                <a:sym typeface="Arial"/>
+              </a:defRPr>
+            </a:lvl7pPr>
+            <a:lvl8pPr marL="3657600" marR="0" lvl="7" indent="-228600" algn="l" rtl="0">
+              <a:lnSpc>
+                <a:spcPct val="100000"/>
+              </a:lnSpc>
+              <a:spcBef>
+                <a:spcPts val="200"/>
+              </a:spcBef>
+              <a:spcAft>
+                <a:spcPts val="0"/>
+              </a:spcAft>
+              <a:buClr>
+                <a:srgbClr val="000000"/>
+              </a:buClr>
+              <a:buSzPts val="1100"/>
+              <a:buFont typeface="Arial"/>
+              <a:buNone/>
+              <a:defRPr sz="1200" b="0" i="0" u="none" strike="noStrike" cap="none">
+                <a:solidFill>
+                  <a:schemeClr val="dk1"/>
+                </a:solidFill>
+                <a:latin typeface="Arial"/>
+                <a:ea typeface="Arial"/>
+                <a:cs typeface="Arial"/>
+                <a:sym typeface="Arial"/>
+              </a:defRPr>
+            </a:lvl8pPr>
+            <a:lvl9pPr marL="4114800" marR="0" lvl="8" indent="-228600" algn="l" rtl="0">
+              <a:lnSpc>
+                <a:spcPct val="100000"/>
+              </a:lnSpc>
+              <a:spcBef>
+                <a:spcPts val="200"/>
+              </a:spcBef>
+              <a:spcAft>
+                <a:spcPts val="0"/>
+              </a:spcAft>
+              <a:buClr>
+                <a:srgbClr val="000000"/>
+              </a:buClr>
+              <a:buSzPts val="1100"/>
+              <a:buFont typeface="Arial"/>
+              <a:buNone/>
+              <a:defRPr sz="1200" b="0" i="0" u="none" strike="noStrike" cap="none">
+                <a:solidFill>
+                  <a:schemeClr val="dk1"/>
+                </a:solidFill>
+                <a:latin typeface="Arial"/>
+                <a:ea typeface="Arial"/>
+                <a:cs typeface="Arial"/>
+                <a:sym typeface="Arial"/>
+              </a:defRPr>
+            </a:lvl9pPr>
+          </a:lstStyle>
+          <a:p>
+            <a:pPr marL="196850" indent="0" algn="ctr">
+              <a:buNone/>
+            </a:pPr>
+            <a:r>
+              <a:rPr lang="en-US" b="1" dirty="0"/>
+              <a:t>Automation: </a:t>
+            </a:r>
+            <a:r>
+              <a:rPr lang="en-US" dirty="0"/>
+              <a:t>Implemented with GitHub Actions</a:t>
+            </a:r>
+            <a:br>
+              <a:rPr lang="en-US" b="1" dirty="0"/>
+            </a:br>
+            <a:r>
+              <a:rPr lang="en-US" b="1" dirty="0"/>
+              <a:t> </a:t>
+            </a:r>
+            <a:br>
+              <a:rPr lang="en-US" b="1" dirty="0"/>
+            </a:br>
+            <a:r>
+              <a:rPr lang="en-US" b="1" dirty="0"/>
+              <a:t>Stages:</a:t>
+            </a:r>
+            <a:br>
+              <a:rPr lang="en-US" b="1" dirty="0"/>
+            </a:br>
+            <a:r>
+              <a:rPr lang="en-US" dirty="0"/>
+              <a:t>Code Version Control (Git)</a:t>
+            </a:r>
+            <a:br>
+              <a:rPr lang="en-US" dirty="0"/>
+            </a:br>
+            <a:r>
+              <a:rPr lang="en-US" dirty="0"/>
+              <a:t>Continuous Integration with Tests</a:t>
+            </a:r>
+            <a:br>
+              <a:rPr lang="en-US" dirty="0"/>
+            </a:br>
+            <a:r>
+              <a:rPr lang="en-US" dirty="0"/>
+              <a:t>Model Training and Evaluation</a:t>
+            </a:r>
+            <a:br>
+              <a:rPr lang="en-US" dirty="0"/>
+            </a:br>
+            <a:r>
+              <a:rPr lang="en-US" dirty="0"/>
+              <a:t>Continuous Deployment</a:t>
+            </a:r>
+            <a:br>
+              <a:rPr lang="en-US" b="1" dirty="0"/>
+            </a:br>
+            <a:br>
+              <a:rPr lang="en-US" b="1" dirty="0"/>
+            </a:br>
+            <a:r>
+              <a:rPr lang="en-US" b="1" dirty="0"/>
+              <a:t>Tools: </a:t>
+            </a:r>
+            <a:r>
+              <a:rPr lang="en-US" dirty="0"/>
+              <a:t>DVC for data and model versioning</a:t>
+            </a:r>
           </a:p>
         </p:txBody>
       </p:sp>
       <p:sp>
         <p:nvSpPr>
-          <p:cNvPr id="3" name="Text Placeholder 2">
+          <p:cNvPr id="8" name="Title 3">
             <a:extLst>
               <a:ext uri="{FF2B5EF4-FFF2-40B4-BE49-F238E27FC236}">
-                <a16:creationId xmlns:a16="http://schemas.microsoft.com/office/drawing/2014/main" id="{823B6B76-6A8C-9993-F482-434921F0F4D6}"/>
-              </a:ext>
-            </a:extLst>
-          </p:cNvPr>
-          <p:cNvSpPr>
-            <a:spLocks noGrp="1"/>
-          </p:cNvSpPr>
-          <p:nvPr>
-            <p:ph type="body" idx="2"/>
-          </p:nvPr>
-        </p:nvSpPr>
-        <p:spPr/>
-        <p:txBody>
-          <a:bodyPr/>
-          <a:lstStyle/>
-          <a:p>
-            <a:endParaRPr lang="en-US"/>
-          </a:p>
-        </p:txBody>
-      </p:sp>
-      <p:sp>
-        <p:nvSpPr>
-          <p:cNvPr id="4" name="Title 3">
-            <a:extLst>
-              <a:ext uri="{FF2B5EF4-FFF2-40B4-BE49-F238E27FC236}">
-                <a16:creationId xmlns:a16="http://schemas.microsoft.com/office/drawing/2014/main" id="{9D700269-8CFC-95FB-DCEC-C4650E6B61A3}"/>
+                <a16:creationId xmlns:a16="http://schemas.microsoft.com/office/drawing/2014/main" id="{7803A86F-D2D6-1437-0F5B-28FD02226D7C}"/>
               </a:ext>
             </a:extLst>
           </p:cNvPr>
@@ -12332,62 +12945,25 @@
             <p:ph type="title"/>
           </p:nvPr>
         </p:nvSpPr>
-        <p:spPr/>
+        <p:spPr>
+          <a:xfrm>
+            <a:off x="685800" y="514350"/>
+            <a:ext cx="7772400" cy="857250"/>
+          </a:xfrm>
+        </p:spPr>
         <p:txBody>
           <a:bodyPr/>
           <a:lstStyle/>
           <a:p>
-            <a:endParaRPr lang="en-US"/>
-          </a:p>
-        </p:txBody>
-      </p:sp>
-      <p:sp>
-        <p:nvSpPr>
-          <p:cNvPr id="5" name="Text Placeholder 4">
-            <a:extLst>
-              <a:ext uri="{FF2B5EF4-FFF2-40B4-BE49-F238E27FC236}">
-                <a16:creationId xmlns:a16="http://schemas.microsoft.com/office/drawing/2014/main" id="{66343E29-D35B-0FFA-7310-0869346C2DE9}"/>
-              </a:ext>
-            </a:extLst>
-          </p:cNvPr>
-          <p:cNvSpPr>
-            <a:spLocks noGrp="1"/>
-          </p:cNvSpPr>
-          <p:nvPr>
-            <p:ph type="body" idx="3"/>
-          </p:nvPr>
-        </p:nvSpPr>
-        <p:spPr/>
-        <p:txBody>
-          <a:bodyPr/>
-          <a:lstStyle/>
-          <a:p>
-            <a:endParaRPr lang="en-US"/>
-          </a:p>
-        </p:txBody>
-      </p:sp>
-      <p:sp>
-        <p:nvSpPr>
-          <p:cNvPr id="6" name="Text Placeholder 5">
-            <a:extLst>
-              <a:ext uri="{FF2B5EF4-FFF2-40B4-BE49-F238E27FC236}">
-                <a16:creationId xmlns:a16="http://schemas.microsoft.com/office/drawing/2014/main" id="{9084FC7F-8FFB-8D83-F195-C6EA807ABFFC}"/>
-              </a:ext>
-            </a:extLst>
-          </p:cNvPr>
-          <p:cNvSpPr>
-            <a:spLocks noGrp="1"/>
-          </p:cNvSpPr>
-          <p:nvPr>
-            <p:ph type="body" idx="4"/>
-          </p:nvPr>
-        </p:nvSpPr>
-        <p:spPr/>
-        <p:txBody>
-          <a:bodyPr/>
-          <a:lstStyle/>
-          <a:p>
-            <a:endParaRPr lang="en-US"/>
+            <a:pPr algn="ctr">
+              <a:lnSpc>
+                <a:spcPct val="0"/>
+              </a:lnSpc>
+            </a:pPr>
+            <a:r>
+              <a:rPr lang="en-US" dirty="0"/>
+              <a:t>CI/CD Pipeline</a:t>
+            </a:r>
           </a:p>
         </p:txBody>
       </p:sp>
@@ -12423,60 +12999,10 @@
       </p:grpSpPr>
       <p:sp>
         <p:nvSpPr>
-          <p:cNvPr id="2" name="Text Placeholder 1">
+          <p:cNvPr id="8" name="Title 3">
             <a:extLst>
               <a:ext uri="{FF2B5EF4-FFF2-40B4-BE49-F238E27FC236}">
-                <a16:creationId xmlns:a16="http://schemas.microsoft.com/office/drawing/2014/main" id="{F4AF68F8-109D-F647-10E5-1078AA40B914}"/>
-              </a:ext>
-            </a:extLst>
-          </p:cNvPr>
-          <p:cNvSpPr>
-            <a:spLocks noGrp="1"/>
-          </p:cNvSpPr>
-          <p:nvPr>
-            <p:ph type="body" idx="1"/>
-          </p:nvPr>
-        </p:nvSpPr>
-        <p:spPr/>
-        <p:txBody>
-          <a:bodyPr/>
-          <a:lstStyle/>
-          <a:p>
-            <a:endParaRPr lang="en-US"/>
-          </a:p>
-        </p:txBody>
-      </p:sp>
-      <p:sp>
-        <p:nvSpPr>
-          <p:cNvPr id="3" name="Text Placeholder 2">
-            <a:extLst>
-              <a:ext uri="{FF2B5EF4-FFF2-40B4-BE49-F238E27FC236}">
-                <a16:creationId xmlns:a16="http://schemas.microsoft.com/office/drawing/2014/main" id="{D89B2C6C-CFA2-676F-7DE2-CC2E415922A1}"/>
-              </a:ext>
-            </a:extLst>
-          </p:cNvPr>
-          <p:cNvSpPr>
-            <a:spLocks noGrp="1"/>
-          </p:cNvSpPr>
-          <p:nvPr>
-            <p:ph type="body" idx="2"/>
-          </p:nvPr>
-        </p:nvSpPr>
-        <p:spPr/>
-        <p:txBody>
-          <a:bodyPr/>
-          <a:lstStyle/>
-          <a:p>
-            <a:endParaRPr lang="en-US"/>
-          </a:p>
-        </p:txBody>
-      </p:sp>
-      <p:sp>
-        <p:nvSpPr>
-          <p:cNvPr id="4" name="Title 3">
-            <a:extLst>
-              <a:ext uri="{FF2B5EF4-FFF2-40B4-BE49-F238E27FC236}">
-                <a16:creationId xmlns:a16="http://schemas.microsoft.com/office/drawing/2014/main" id="{4FE34B23-6200-18A4-89A5-FA02995AA42E}"/>
+                <a16:creationId xmlns:a16="http://schemas.microsoft.com/office/drawing/2014/main" id="{D06C361E-93B5-AFAB-485B-7A6E8709AF4D}"/>
               </a:ext>
             </a:extLst>
           </p:cNvPr>
@@ -12487,65 +13013,58 @@
             <p:ph type="title"/>
           </p:nvPr>
         </p:nvSpPr>
-        <p:spPr/>
+        <p:spPr>
+          <a:xfrm>
+            <a:off x="-380351" y="2143125"/>
+            <a:ext cx="7772400" cy="857250"/>
+          </a:xfrm>
+        </p:spPr>
         <p:txBody>
           <a:bodyPr/>
           <a:lstStyle/>
           <a:p>
-            <a:endParaRPr lang="en-US"/>
+            <a:pPr algn="ctr">
+              <a:lnSpc>
+                <a:spcPct val="0"/>
+              </a:lnSpc>
+            </a:pPr>
+            <a:r>
+              <a:rPr lang="en-US" dirty="0"/>
+              <a:t>CI/CD Pipeline Diagram</a:t>
+            </a:r>
           </a:p>
         </p:txBody>
       </p:sp>
-      <p:sp>
-        <p:nvSpPr>
-          <p:cNvPr id="5" name="Text Placeholder 4">
+      <p:pic>
+        <p:nvPicPr>
+          <p:cNvPr id="16" name="Picture 15">
             <a:extLst>
               <a:ext uri="{FF2B5EF4-FFF2-40B4-BE49-F238E27FC236}">
-                <a16:creationId xmlns:a16="http://schemas.microsoft.com/office/drawing/2014/main" id="{2F4F6C56-F32E-725E-7630-8AE3F1B52F79}"/>
+                <a16:creationId xmlns:a16="http://schemas.microsoft.com/office/drawing/2014/main" id="{4D706A38-97B7-BE6E-8C8F-8845B4F00DAC}"/>
               </a:ext>
             </a:extLst>
           </p:cNvPr>
-          <p:cNvSpPr>
-            <a:spLocks noGrp="1"/>
-          </p:cNvSpPr>
-          <p:nvPr>
-            <p:ph type="body" idx="3"/>
-          </p:nvPr>
-        </p:nvSpPr>
-        <p:spPr/>
-        <p:txBody>
-          <a:bodyPr/>
-          <a:lstStyle/>
-          <a:p>
-            <a:endParaRPr lang="en-US"/>
-          </a:p>
-        </p:txBody>
-      </p:sp>
-      <p:sp>
-        <p:nvSpPr>
-          <p:cNvPr id="6" name="Text Placeholder 5">
-            <a:extLst>
-              <a:ext uri="{FF2B5EF4-FFF2-40B4-BE49-F238E27FC236}">
-                <a16:creationId xmlns:a16="http://schemas.microsoft.com/office/drawing/2014/main" id="{2096091A-EB8D-B7FF-71C6-28F141DF6BC7}"/>
-              </a:ext>
-            </a:extLst>
-          </p:cNvPr>
-          <p:cNvSpPr>
-            <a:spLocks noGrp="1"/>
-          </p:cNvSpPr>
-          <p:nvPr>
-            <p:ph type="body" idx="4"/>
-          </p:nvPr>
-        </p:nvSpPr>
-        <p:spPr/>
-        <p:txBody>
-          <a:bodyPr/>
-          <a:lstStyle/>
-          <a:p>
-            <a:endParaRPr lang="en-US"/>
-          </a:p>
-        </p:txBody>
-      </p:sp>
+          <p:cNvPicPr>
+            <a:picLocks noChangeAspect="1"/>
+          </p:cNvPicPr>
+          <p:nvPr/>
+        </p:nvPicPr>
+        <p:blipFill>
+          <a:blip r:embed="rId3"/>
+          <a:stretch>
+            <a:fillRect/>
+          </a:stretch>
+        </p:blipFill>
+        <p:spPr>
+          <a:xfrm>
+            <a:off x="6471179" y="97275"/>
+            <a:ext cx="1195513" cy="4357505"/>
+          </a:xfrm>
+          <a:prstGeom prst="rect">
+            <a:avLst/>
+          </a:prstGeom>
+        </p:spPr>
+      </p:pic>
     </p:spTree>
     <p:extLst>
       <p:ext uri="{BB962C8B-B14F-4D97-AF65-F5344CB8AC3E}">
@@ -12578,60 +13097,347 @@
       </p:grpSpPr>
       <p:sp>
         <p:nvSpPr>
-          <p:cNvPr id="2" name="Text Placeholder 1">
+          <p:cNvPr id="7" name="Text Placeholder 2">
             <a:extLst>
               <a:ext uri="{FF2B5EF4-FFF2-40B4-BE49-F238E27FC236}">
-                <a16:creationId xmlns:a16="http://schemas.microsoft.com/office/drawing/2014/main" id="{A9E099E7-379E-5236-794D-5B1365F71C94}"/>
+                <a16:creationId xmlns:a16="http://schemas.microsoft.com/office/drawing/2014/main" id="{C9FDA7AC-69B7-8F59-5CC4-785ABDDA02DA}"/>
               </a:ext>
             </a:extLst>
           </p:cNvPr>
-          <p:cNvSpPr>
-            <a:spLocks noGrp="1"/>
+          <p:cNvSpPr txBox="1">
+            <a:spLocks/>
           </p:cNvSpPr>
-          <p:nvPr>
-            <p:ph type="body" idx="1"/>
-          </p:nvPr>
+          <p:nvPr/>
         </p:nvSpPr>
-        <p:spPr/>
+        <p:spPr>
+          <a:xfrm>
+            <a:off x="261594" y="1900238"/>
+            <a:ext cx="8620812" cy="2457450"/>
+          </a:xfrm>
+          <a:prstGeom prst="rect">
+            <a:avLst/>
+          </a:prstGeom>
+          <a:noFill/>
+          <a:ln>
+            <a:noFill/>
+          </a:ln>
+        </p:spPr>
         <p:txBody>
-          <a:bodyPr/>
-          <a:lstStyle/>
-          <a:p>
-            <a:endParaRPr lang="en-US"/>
+          <a:bodyPr spcFirstLastPara="1" wrap="square" lIns="0" tIns="0" rIns="0" bIns="0" anchor="t" anchorCtr="0">
+            <a:noAutofit/>
+          </a:bodyPr>
+          <a:lstStyle>
+            <a:defPPr marR="0" lvl="0" algn="l" rtl="0">
+              <a:lnSpc>
+                <a:spcPct val="100000"/>
+              </a:lnSpc>
+              <a:spcBef>
+                <a:spcPts val="0"/>
+              </a:spcBef>
+              <a:spcAft>
+                <a:spcPts val="0"/>
+              </a:spcAft>
+            </a:defPPr>
+            <a:lvl1pPr marL="457200" marR="0" lvl="0" indent="-260350" algn="l" rtl="0">
+              <a:lnSpc>
+                <a:spcPct val="116666"/>
+              </a:lnSpc>
+              <a:spcBef>
+                <a:spcPts val="0"/>
+              </a:spcBef>
+              <a:spcAft>
+                <a:spcPts val="0"/>
+              </a:spcAft>
+              <a:buClr>
+                <a:srgbClr val="173063"/>
+              </a:buClr>
+              <a:buSzPts val="500"/>
+              <a:buFont typeface="Merriweather Sans"/>
+              <a:buChar char=" "/>
+              <a:defRPr sz="1800" b="0" i="0" u="none" strike="noStrike" cap="none">
+                <a:solidFill>
+                  <a:srgbClr val="003B70"/>
+                </a:solidFill>
+                <a:latin typeface="Arial"/>
+                <a:ea typeface="Arial"/>
+                <a:cs typeface="Arial"/>
+                <a:sym typeface="Arial"/>
+              </a:defRPr>
+            </a:lvl1pPr>
+            <a:lvl2pPr marL="914400" marR="0" lvl="1" indent="-342900" algn="l" rtl="0">
+              <a:lnSpc>
+                <a:spcPct val="116666"/>
+              </a:lnSpc>
+              <a:spcBef>
+                <a:spcPts val="500"/>
+              </a:spcBef>
+              <a:spcAft>
+                <a:spcPts val="0"/>
+              </a:spcAft>
+              <a:buClr>
+                <a:srgbClr val="173063"/>
+              </a:buClr>
+              <a:buSzPts val="1800"/>
+              <a:buFont typeface="Arial"/>
+              <a:buChar char="•"/>
+              <a:defRPr sz="1800" b="0" i="0" u="none" strike="noStrike" cap="none">
+                <a:solidFill>
+                  <a:srgbClr val="003B70"/>
+                </a:solidFill>
+                <a:latin typeface="Arial"/>
+                <a:ea typeface="Arial"/>
+                <a:cs typeface="Arial"/>
+                <a:sym typeface="Arial"/>
+              </a:defRPr>
+            </a:lvl2pPr>
+            <a:lvl3pPr marL="1371600" marR="0" lvl="2" indent="-342900" algn="l" rtl="0">
+              <a:lnSpc>
+                <a:spcPct val="116666"/>
+              </a:lnSpc>
+              <a:spcBef>
+                <a:spcPts val="500"/>
+              </a:spcBef>
+              <a:spcAft>
+                <a:spcPts val="0"/>
+              </a:spcAft>
+              <a:buClr>
+                <a:srgbClr val="003B70"/>
+              </a:buClr>
+              <a:buSzPts val="1800"/>
+              <a:buFont typeface="Merriweather Sans"/>
+              <a:buChar char="-"/>
+              <a:defRPr sz="1800" b="0" i="0" u="none" strike="noStrike" cap="none">
+                <a:solidFill>
+                  <a:srgbClr val="003B70"/>
+                </a:solidFill>
+                <a:latin typeface="Arial"/>
+                <a:ea typeface="Arial"/>
+                <a:cs typeface="Arial"/>
+                <a:sym typeface="Arial"/>
+              </a:defRPr>
+            </a:lvl3pPr>
+            <a:lvl4pPr marL="1828800" marR="0" lvl="3" indent="-342900" algn="l" rtl="0">
+              <a:lnSpc>
+                <a:spcPct val="116666"/>
+              </a:lnSpc>
+              <a:spcBef>
+                <a:spcPts val="500"/>
+              </a:spcBef>
+              <a:spcAft>
+                <a:spcPts val="0"/>
+              </a:spcAft>
+              <a:buClr>
+                <a:srgbClr val="003B70"/>
+              </a:buClr>
+              <a:buSzPts val="1800"/>
+              <a:buFont typeface="Merriweather Sans"/>
+              <a:buChar char="-"/>
+              <a:defRPr sz="1800" b="0" i="0" u="none" strike="noStrike" cap="none">
+                <a:solidFill>
+                  <a:srgbClr val="003B70"/>
+                </a:solidFill>
+                <a:latin typeface="Arial"/>
+                <a:ea typeface="Arial"/>
+                <a:cs typeface="Arial"/>
+                <a:sym typeface="Arial"/>
+              </a:defRPr>
+            </a:lvl4pPr>
+            <a:lvl5pPr marL="2286000" marR="0" lvl="4" indent="-342900" algn="l" rtl="0">
+              <a:lnSpc>
+                <a:spcPct val="116666"/>
+              </a:lnSpc>
+              <a:spcBef>
+                <a:spcPts val="500"/>
+              </a:spcBef>
+              <a:spcAft>
+                <a:spcPts val="0"/>
+              </a:spcAft>
+              <a:buClr>
+                <a:srgbClr val="003B70"/>
+              </a:buClr>
+              <a:buSzPts val="1800"/>
+              <a:buFont typeface="Merriweather Sans"/>
+              <a:buChar char="-"/>
+              <a:defRPr sz="1800" b="0" i="0" u="none" strike="noStrike" cap="none">
+                <a:solidFill>
+                  <a:srgbClr val="003B70"/>
+                </a:solidFill>
+                <a:latin typeface="Arial"/>
+                <a:ea typeface="Arial"/>
+                <a:cs typeface="Arial"/>
+                <a:sym typeface="Arial"/>
+              </a:defRPr>
+            </a:lvl5pPr>
+            <a:lvl6pPr marL="2743200" marR="0" lvl="5" indent="-228600" algn="l" rtl="0">
+              <a:lnSpc>
+                <a:spcPct val="100000"/>
+              </a:lnSpc>
+              <a:spcBef>
+                <a:spcPts val="500"/>
+              </a:spcBef>
+              <a:spcAft>
+                <a:spcPts val="0"/>
+              </a:spcAft>
+              <a:buClr>
+                <a:srgbClr val="000000"/>
+              </a:buClr>
+              <a:buSzPts val="1100"/>
+              <a:buFont typeface="Arial"/>
+              <a:buNone/>
+              <a:defRPr sz="1200" b="0" i="0" u="none" strike="noStrike" cap="none">
+                <a:solidFill>
+                  <a:schemeClr val="dk1"/>
+                </a:solidFill>
+                <a:latin typeface="Arial"/>
+                <a:ea typeface="Arial"/>
+                <a:cs typeface="Arial"/>
+                <a:sym typeface="Arial"/>
+              </a:defRPr>
+            </a:lvl6pPr>
+            <a:lvl7pPr marL="3200400" marR="0" lvl="6" indent="-228600" algn="l" rtl="0">
+              <a:lnSpc>
+                <a:spcPct val="100000"/>
+              </a:lnSpc>
+              <a:spcBef>
+                <a:spcPts val="200"/>
+              </a:spcBef>
+              <a:spcAft>
+                <a:spcPts val="0"/>
+              </a:spcAft>
+              <a:buClr>
+                <a:srgbClr val="000000"/>
+              </a:buClr>
+              <a:buSzPts val="1100"/>
+              <a:buFont typeface="Arial"/>
+              <a:buNone/>
+              <a:defRPr sz="1200" b="0" i="0" u="none" strike="noStrike" cap="none">
+                <a:solidFill>
+                  <a:schemeClr val="dk1"/>
+                </a:solidFill>
+                <a:latin typeface="Arial"/>
+                <a:ea typeface="Arial"/>
+                <a:cs typeface="Arial"/>
+                <a:sym typeface="Arial"/>
+              </a:defRPr>
+            </a:lvl7pPr>
+            <a:lvl8pPr marL="3657600" marR="0" lvl="7" indent="-228600" algn="l" rtl="0">
+              <a:lnSpc>
+                <a:spcPct val="100000"/>
+              </a:lnSpc>
+              <a:spcBef>
+                <a:spcPts val="200"/>
+              </a:spcBef>
+              <a:spcAft>
+                <a:spcPts val="0"/>
+              </a:spcAft>
+              <a:buClr>
+                <a:srgbClr val="000000"/>
+              </a:buClr>
+              <a:buSzPts val="1100"/>
+              <a:buFont typeface="Arial"/>
+              <a:buNone/>
+              <a:defRPr sz="1200" b="0" i="0" u="none" strike="noStrike" cap="none">
+                <a:solidFill>
+                  <a:schemeClr val="dk1"/>
+                </a:solidFill>
+                <a:latin typeface="Arial"/>
+                <a:ea typeface="Arial"/>
+                <a:cs typeface="Arial"/>
+                <a:sym typeface="Arial"/>
+              </a:defRPr>
+            </a:lvl8pPr>
+            <a:lvl9pPr marL="4114800" marR="0" lvl="8" indent="-228600" algn="l" rtl="0">
+              <a:lnSpc>
+                <a:spcPct val="100000"/>
+              </a:lnSpc>
+              <a:spcBef>
+                <a:spcPts val="200"/>
+              </a:spcBef>
+              <a:spcAft>
+                <a:spcPts val="0"/>
+              </a:spcAft>
+              <a:buClr>
+                <a:srgbClr val="000000"/>
+              </a:buClr>
+              <a:buSzPts val="1100"/>
+              <a:buFont typeface="Arial"/>
+              <a:buNone/>
+              <a:defRPr sz="1200" b="0" i="0" u="none" strike="noStrike" cap="none">
+                <a:solidFill>
+                  <a:schemeClr val="dk1"/>
+                </a:solidFill>
+                <a:latin typeface="Arial"/>
+                <a:ea typeface="Arial"/>
+                <a:cs typeface="Arial"/>
+                <a:sym typeface="Arial"/>
+              </a:defRPr>
+            </a:lvl9pPr>
+          </a:lstStyle>
+          <a:p>
+            <a:pPr marL="196850" indent="0" algn="ctr">
+              <a:buNone/>
+            </a:pPr>
+            <a:endParaRPr lang="en-US" b="1" dirty="0"/>
+          </a:p>
+          <a:p>
+            <a:pPr marL="196850" indent="0" algn="ctr">
+              <a:buNone/>
+            </a:pPr>
+            <a:r>
+              <a:rPr lang="en-US" b="1" dirty="0"/>
+              <a:t>Metrics Tracking: </a:t>
+            </a:r>
+            <a:r>
+              <a:rPr lang="en-US" dirty="0"/>
+              <a:t>Training loss, accuracy, ROC-AUC</a:t>
+            </a:r>
+          </a:p>
+          <a:p>
+            <a:pPr marL="196850" indent="0" algn="ctr">
+              <a:buNone/>
+            </a:pPr>
+            <a:endParaRPr lang="en-US" b="1" dirty="0"/>
+          </a:p>
+          <a:p>
+            <a:pPr marL="196850" indent="0" algn="ctr">
+              <a:buNone/>
+            </a:pPr>
+            <a:r>
+              <a:rPr lang="en-US" b="1" dirty="0"/>
+              <a:t>Visualization: </a:t>
+            </a:r>
+            <a:r>
+              <a:rPr lang="en-US" dirty="0"/>
+              <a:t>DVC Studio dashboards</a:t>
+            </a:r>
+          </a:p>
+          <a:p>
+            <a:pPr marL="196850" indent="0" algn="ctr">
+              <a:buNone/>
+            </a:pPr>
+            <a:endParaRPr lang="en-US" b="1" dirty="0"/>
+          </a:p>
+          <a:p>
+            <a:pPr marL="196850" indent="0" algn="ctr">
+              <a:buNone/>
+            </a:pPr>
+            <a:r>
+              <a:rPr lang="en-US" b="1" dirty="0"/>
+              <a:t>Alerts:</a:t>
+            </a:r>
+            <a:r>
+              <a:rPr lang="en-US" dirty="0"/>
+              <a:t> Notifications for performance degradation</a:t>
+            </a:r>
           </a:p>
         </p:txBody>
       </p:sp>
       <p:sp>
         <p:nvSpPr>
-          <p:cNvPr id="3" name="Text Placeholder 2">
+          <p:cNvPr id="8" name="Title 3">
             <a:extLst>
               <a:ext uri="{FF2B5EF4-FFF2-40B4-BE49-F238E27FC236}">
-                <a16:creationId xmlns:a16="http://schemas.microsoft.com/office/drawing/2014/main" id="{B625BC43-CF2E-1BBB-C846-E5C5320AA699}"/>
-              </a:ext>
-            </a:extLst>
-          </p:cNvPr>
-          <p:cNvSpPr>
-            <a:spLocks noGrp="1"/>
-          </p:cNvSpPr>
-          <p:nvPr>
-            <p:ph type="body" idx="2"/>
-          </p:nvPr>
-        </p:nvSpPr>
-        <p:spPr/>
-        <p:txBody>
-          <a:bodyPr/>
-          <a:lstStyle/>
-          <a:p>
-            <a:endParaRPr lang="en-US"/>
-          </a:p>
-        </p:txBody>
-      </p:sp>
-      <p:sp>
-        <p:nvSpPr>
-          <p:cNvPr id="4" name="Title 3">
-            <a:extLst>
-              <a:ext uri="{FF2B5EF4-FFF2-40B4-BE49-F238E27FC236}">
-                <a16:creationId xmlns:a16="http://schemas.microsoft.com/office/drawing/2014/main" id="{C0223D51-C82E-BF8A-346A-3E9EF92E1EE1}"/>
+                <a16:creationId xmlns:a16="http://schemas.microsoft.com/office/drawing/2014/main" id="{4AC6C17A-149B-B7F6-A891-790DB5C4CC47}"/>
               </a:ext>
             </a:extLst>
           </p:cNvPr>
@@ -12642,62 +13448,25 @@
             <p:ph type="title"/>
           </p:nvPr>
         </p:nvSpPr>
-        <p:spPr/>
+        <p:spPr>
+          <a:xfrm>
+            <a:off x="685800" y="514350"/>
+            <a:ext cx="7772400" cy="857250"/>
+          </a:xfrm>
+        </p:spPr>
         <p:txBody>
           <a:bodyPr/>
           <a:lstStyle/>
           <a:p>
-            <a:endParaRPr lang="en-US"/>
-          </a:p>
-        </p:txBody>
-      </p:sp>
-      <p:sp>
-        <p:nvSpPr>
-          <p:cNvPr id="5" name="Text Placeholder 4">
-            <a:extLst>
-              <a:ext uri="{FF2B5EF4-FFF2-40B4-BE49-F238E27FC236}">
-                <a16:creationId xmlns:a16="http://schemas.microsoft.com/office/drawing/2014/main" id="{011490D6-DCE2-0ADC-07C6-CFEBC3C79E9D}"/>
-              </a:ext>
-            </a:extLst>
-          </p:cNvPr>
-          <p:cNvSpPr>
-            <a:spLocks noGrp="1"/>
-          </p:cNvSpPr>
-          <p:nvPr>
-            <p:ph type="body" idx="3"/>
-          </p:nvPr>
-        </p:nvSpPr>
-        <p:spPr/>
-        <p:txBody>
-          <a:bodyPr/>
-          <a:lstStyle/>
-          <a:p>
-            <a:endParaRPr lang="en-US"/>
-          </a:p>
-        </p:txBody>
-      </p:sp>
-      <p:sp>
-        <p:nvSpPr>
-          <p:cNvPr id="6" name="Text Placeholder 5">
-            <a:extLst>
-              <a:ext uri="{FF2B5EF4-FFF2-40B4-BE49-F238E27FC236}">
-                <a16:creationId xmlns:a16="http://schemas.microsoft.com/office/drawing/2014/main" id="{1951CDC2-E9A7-C57E-3BEA-7F9377EC5ED2}"/>
-              </a:ext>
-            </a:extLst>
-          </p:cNvPr>
-          <p:cNvSpPr>
-            <a:spLocks noGrp="1"/>
-          </p:cNvSpPr>
-          <p:nvPr>
-            <p:ph type="body" idx="4"/>
-          </p:nvPr>
-        </p:nvSpPr>
-        <p:spPr/>
-        <p:txBody>
-          <a:bodyPr/>
-          <a:lstStyle/>
-          <a:p>
-            <a:endParaRPr lang="en-US"/>
+            <a:pPr algn="ctr">
+              <a:lnSpc>
+                <a:spcPct val="0"/>
+              </a:lnSpc>
+            </a:pPr>
+            <a:r>
+              <a:rPr lang="en-US" dirty="0"/>
+              <a:t>Model Monitoring with DVC and DVC Studio</a:t>
+            </a:r>
           </a:p>
         </p:txBody>
       </p:sp>
@@ -12733,60 +13502,341 @@
       </p:grpSpPr>
       <p:sp>
         <p:nvSpPr>
-          <p:cNvPr id="2" name="Text Placeholder 1">
+          <p:cNvPr id="7" name="Text Placeholder 2">
             <a:extLst>
               <a:ext uri="{FF2B5EF4-FFF2-40B4-BE49-F238E27FC236}">
-                <a16:creationId xmlns:a16="http://schemas.microsoft.com/office/drawing/2014/main" id="{7051A49E-B457-C64C-F5BA-B975FB223846}"/>
+                <a16:creationId xmlns:a16="http://schemas.microsoft.com/office/drawing/2014/main" id="{FF0EA77E-C087-9272-67C1-130E15A32E6E}"/>
               </a:ext>
             </a:extLst>
           </p:cNvPr>
-          <p:cNvSpPr>
-            <a:spLocks noGrp="1"/>
+          <p:cNvSpPr txBox="1">
+            <a:spLocks/>
           </p:cNvSpPr>
-          <p:nvPr>
-            <p:ph type="body" idx="1"/>
-          </p:nvPr>
+          <p:nvPr/>
         </p:nvSpPr>
-        <p:spPr/>
+        <p:spPr>
+          <a:xfrm>
+            <a:off x="261594" y="1900238"/>
+            <a:ext cx="8620812" cy="2457450"/>
+          </a:xfrm>
+          <a:prstGeom prst="rect">
+            <a:avLst/>
+          </a:prstGeom>
+          <a:noFill/>
+          <a:ln>
+            <a:noFill/>
+          </a:ln>
+        </p:spPr>
         <p:txBody>
-          <a:bodyPr/>
-          <a:lstStyle/>
-          <a:p>
-            <a:endParaRPr lang="en-US"/>
+          <a:bodyPr spcFirstLastPara="1" wrap="square" lIns="0" tIns="0" rIns="0" bIns="0" anchor="t" anchorCtr="0">
+            <a:noAutofit/>
+          </a:bodyPr>
+          <a:lstStyle>
+            <a:defPPr marR="0" lvl="0" algn="l" rtl="0">
+              <a:lnSpc>
+                <a:spcPct val="100000"/>
+              </a:lnSpc>
+              <a:spcBef>
+                <a:spcPts val="0"/>
+              </a:spcBef>
+              <a:spcAft>
+                <a:spcPts val="0"/>
+              </a:spcAft>
+            </a:defPPr>
+            <a:lvl1pPr marL="457200" marR="0" lvl="0" indent="-260350" algn="l" rtl="0">
+              <a:lnSpc>
+                <a:spcPct val="116666"/>
+              </a:lnSpc>
+              <a:spcBef>
+                <a:spcPts val="0"/>
+              </a:spcBef>
+              <a:spcAft>
+                <a:spcPts val="0"/>
+              </a:spcAft>
+              <a:buClr>
+                <a:srgbClr val="173063"/>
+              </a:buClr>
+              <a:buSzPts val="500"/>
+              <a:buFont typeface="Merriweather Sans"/>
+              <a:buChar char=" "/>
+              <a:defRPr sz="1800" b="0" i="0" u="none" strike="noStrike" cap="none">
+                <a:solidFill>
+                  <a:srgbClr val="003B70"/>
+                </a:solidFill>
+                <a:latin typeface="Arial"/>
+                <a:ea typeface="Arial"/>
+                <a:cs typeface="Arial"/>
+                <a:sym typeface="Arial"/>
+              </a:defRPr>
+            </a:lvl1pPr>
+            <a:lvl2pPr marL="914400" marR="0" lvl="1" indent="-342900" algn="l" rtl="0">
+              <a:lnSpc>
+                <a:spcPct val="116666"/>
+              </a:lnSpc>
+              <a:spcBef>
+                <a:spcPts val="500"/>
+              </a:spcBef>
+              <a:spcAft>
+                <a:spcPts val="0"/>
+              </a:spcAft>
+              <a:buClr>
+                <a:srgbClr val="173063"/>
+              </a:buClr>
+              <a:buSzPts val="1800"/>
+              <a:buFont typeface="Arial"/>
+              <a:buChar char="•"/>
+              <a:defRPr sz="1800" b="0" i="0" u="none" strike="noStrike" cap="none">
+                <a:solidFill>
+                  <a:srgbClr val="003B70"/>
+                </a:solidFill>
+                <a:latin typeface="Arial"/>
+                <a:ea typeface="Arial"/>
+                <a:cs typeface="Arial"/>
+                <a:sym typeface="Arial"/>
+              </a:defRPr>
+            </a:lvl2pPr>
+            <a:lvl3pPr marL="1371600" marR="0" lvl="2" indent="-342900" algn="l" rtl="0">
+              <a:lnSpc>
+                <a:spcPct val="116666"/>
+              </a:lnSpc>
+              <a:spcBef>
+                <a:spcPts val="500"/>
+              </a:spcBef>
+              <a:spcAft>
+                <a:spcPts val="0"/>
+              </a:spcAft>
+              <a:buClr>
+                <a:srgbClr val="003B70"/>
+              </a:buClr>
+              <a:buSzPts val="1800"/>
+              <a:buFont typeface="Merriweather Sans"/>
+              <a:buChar char="-"/>
+              <a:defRPr sz="1800" b="0" i="0" u="none" strike="noStrike" cap="none">
+                <a:solidFill>
+                  <a:srgbClr val="003B70"/>
+                </a:solidFill>
+                <a:latin typeface="Arial"/>
+                <a:ea typeface="Arial"/>
+                <a:cs typeface="Arial"/>
+                <a:sym typeface="Arial"/>
+              </a:defRPr>
+            </a:lvl3pPr>
+            <a:lvl4pPr marL="1828800" marR="0" lvl="3" indent="-342900" algn="l" rtl="0">
+              <a:lnSpc>
+                <a:spcPct val="116666"/>
+              </a:lnSpc>
+              <a:spcBef>
+                <a:spcPts val="500"/>
+              </a:spcBef>
+              <a:spcAft>
+                <a:spcPts val="0"/>
+              </a:spcAft>
+              <a:buClr>
+                <a:srgbClr val="003B70"/>
+              </a:buClr>
+              <a:buSzPts val="1800"/>
+              <a:buFont typeface="Merriweather Sans"/>
+              <a:buChar char="-"/>
+              <a:defRPr sz="1800" b="0" i="0" u="none" strike="noStrike" cap="none">
+                <a:solidFill>
+                  <a:srgbClr val="003B70"/>
+                </a:solidFill>
+                <a:latin typeface="Arial"/>
+                <a:ea typeface="Arial"/>
+                <a:cs typeface="Arial"/>
+                <a:sym typeface="Arial"/>
+              </a:defRPr>
+            </a:lvl4pPr>
+            <a:lvl5pPr marL="2286000" marR="0" lvl="4" indent="-342900" algn="l" rtl="0">
+              <a:lnSpc>
+                <a:spcPct val="116666"/>
+              </a:lnSpc>
+              <a:spcBef>
+                <a:spcPts val="500"/>
+              </a:spcBef>
+              <a:spcAft>
+                <a:spcPts val="0"/>
+              </a:spcAft>
+              <a:buClr>
+                <a:srgbClr val="003B70"/>
+              </a:buClr>
+              <a:buSzPts val="1800"/>
+              <a:buFont typeface="Merriweather Sans"/>
+              <a:buChar char="-"/>
+              <a:defRPr sz="1800" b="0" i="0" u="none" strike="noStrike" cap="none">
+                <a:solidFill>
+                  <a:srgbClr val="003B70"/>
+                </a:solidFill>
+                <a:latin typeface="Arial"/>
+                <a:ea typeface="Arial"/>
+                <a:cs typeface="Arial"/>
+                <a:sym typeface="Arial"/>
+              </a:defRPr>
+            </a:lvl5pPr>
+            <a:lvl6pPr marL="2743200" marR="0" lvl="5" indent="-228600" algn="l" rtl="0">
+              <a:lnSpc>
+                <a:spcPct val="100000"/>
+              </a:lnSpc>
+              <a:spcBef>
+                <a:spcPts val="500"/>
+              </a:spcBef>
+              <a:spcAft>
+                <a:spcPts val="0"/>
+              </a:spcAft>
+              <a:buClr>
+                <a:srgbClr val="000000"/>
+              </a:buClr>
+              <a:buSzPts val="1100"/>
+              <a:buFont typeface="Arial"/>
+              <a:buNone/>
+              <a:defRPr sz="1200" b="0" i="0" u="none" strike="noStrike" cap="none">
+                <a:solidFill>
+                  <a:schemeClr val="dk1"/>
+                </a:solidFill>
+                <a:latin typeface="Arial"/>
+                <a:ea typeface="Arial"/>
+                <a:cs typeface="Arial"/>
+                <a:sym typeface="Arial"/>
+              </a:defRPr>
+            </a:lvl6pPr>
+            <a:lvl7pPr marL="3200400" marR="0" lvl="6" indent="-228600" algn="l" rtl="0">
+              <a:lnSpc>
+                <a:spcPct val="100000"/>
+              </a:lnSpc>
+              <a:spcBef>
+                <a:spcPts val="200"/>
+              </a:spcBef>
+              <a:spcAft>
+                <a:spcPts val="0"/>
+              </a:spcAft>
+              <a:buClr>
+                <a:srgbClr val="000000"/>
+              </a:buClr>
+              <a:buSzPts val="1100"/>
+              <a:buFont typeface="Arial"/>
+              <a:buNone/>
+              <a:defRPr sz="1200" b="0" i="0" u="none" strike="noStrike" cap="none">
+                <a:solidFill>
+                  <a:schemeClr val="dk1"/>
+                </a:solidFill>
+                <a:latin typeface="Arial"/>
+                <a:ea typeface="Arial"/>
+                <a:cs typeface="Arial"/>
+                <a:sym typeface="Arial"/>
+              </a:defRPr>
+            </a:lvl7pPr>
+            <a:lvl8pPr marL="3657600" marR="0" lvl="7" indent="-228600" algn="l" rtl="0">
+              <a:lnSpc>
+                <a:spcPct val="100000"/>
+              </a:lnSpc>
+              <a:spcBef>
+                <a:spcPts val="200"/>
+              </a:spcBef>
+              <a:spcAft>
+                <a:spcPts val="0"/>
+              </a:spcAft>
+              <a:buClr>
+                <a:srgbClr val="000000"/>
+              </a:buClr>
+              <a:buSzPts val="1100"/>
+              <a:buFont typeface="Arial"/>
+              <a:buNone/>
+              <a:defRPr sz="1200" b="0" i="0" u="none" strike="noStrike" cap="none">
+                <a:solidFill>
+                  <a:schemeClr val="dk1"/>
+                </a:solidFill>
+                <a:latin typeface="Arial"/>
+                <a:ea typeface="Arial"/>
+                <a:cs typeface="Arial"/>
+                <a:sym typeface="Arial"/>
+              </a:defRPr>
+            </a:lvl8pPr>
+            <a:lvl9pPr marL="4114800" marR="0" lvl="8" indent="-228600" algn="l" rtl="0">
+              <a:lnSpc>
+                <a:spcPct val="100000"/>
+              </a:lnSpc>
+              <a:spcBef>
+                <a:spcPts val="200"/>
+              </a:spcBef>
+              <a:spcAft>
+                <a:spcPts val="0"/>
+              </a:spcAft>
+              <a:buClr>
+                <a:srgbClr val="000000"/>
+              </a:buClr>
+              <a:buSzPts val="1100"/>
+              <a:buFont typeface="Arial"/>
+              <a:buNone/>
+              <a:defRPr sz="1200" b="0" i="0" u="none" strike="noStrike" cap="none">
+                <a:solidFill>
+                  <a:schemeClr val="dk1"/>
+                </a:solidFill>
+                <a:latin typeface="Arial"/>
+                <a:ea typeface="Arial"/>
+                <a:cs typeface="Arial"/>
+                <a:sym typeface="Arial"/>
+              </a:defRPr>
+            </a:lvl9pPr>
+          </a:lstStyle>
+          <a:p>
+            <a:pPr algn="ctr"/>
+            <a:endParaRPr lang="en-US" b="1" dirty="0"/>
+          </a:p>
+          <a:p>
+            <a:pPr marL="196850" indent="0" algn="ctr">
+              <a:buNone/>
+            </a:pPr>
+            <a:r>
+              <a:rPr lang="en-US" b="1" dirty="0"/>
+              <a:t>Data Consistency Checks: </a:t>
+            </a:r>
+            <a:r>
+              <a:rPr lang="en-US" dirty="0"/>
+              <a:t>Ensuring training and serving data align</a:t>
+            </a:r>
+            <a:br>
+              <a:rPr lang="en-US" dirty="0"/>
+            </a:br>
+            <a:endParaRPr lang="en-US" dirty="0"/>
+          </a:p>
+          <a:p>
+            <a:pPr marL="196850" indent="0" algn="ctr">
+              <a:buNone/>
+            </a:pPr>
+            <a:r>
+              <a:rPr lang="en-US" b="1" dirty="0"/>
+              <a:t>Data Drift Detection: </a:t>
+            </a:r>
+            <a:r>
+              <a:rPr lang="en-US" dirty="0"/>
+              <a:t>Monitoring for shifts in data distributions</a:t>
+            </a:r>
+            <a:br>
+              <a:rPr lang="en-US" dirty="0"/>
+            </a:br>
+            <a:endParaRPr lang="en-US" dirty="0"/>
+          </a:p>
+          <a:p>
+            <a:pPr marL="196850" indent="0" algn="ctr">
+              <a:buNone/>
+            </a:pPr>
+            <a:r>
+              <a:rPr lang="en-US" b="1" dirty="0"/>
+              <a:t>Automated Retraining: </a:t>
+            </a:r>
+            <a:r>
+              <a:rPr lang="en-US" dirty="0"/>
+              <a:t>Triggered when significant drift occurs</a:t>
+            </a:r>
           </a:p>
         </p:txBody>
       </p:sp>
       <p:sp>
         <p:nvSpPr>
-          <p:cNvPr id="3" name="Text Placeholder 2">
+          <p:cNvPr id="8" name="Title 3">
             <a:extLst>
               <a:ext uri="{FF2B5EF4-FFF2-40B4-BE49-F238E27FC236}">
-                <a16:creationId xmlns:a16="http://schemas.microsoft.com/office/drawing/2014/main" id="{52325CAC-DED9-DDE7-6F92-9B83D66A5C59}"/>
-              </a:ext>
-            </a:extLst>
-          </p:cNvPr>
-          <p:cNvSpPr>
-            <a:spLocks noGrp="1"/>
-          </p:cNvSpPr>
-          <p:nvPr>
-            <p:ph type="body" idx="2"/>
-          </p:nvPr>
-        </p:nvSpPr>
-        <p:spPr/>
-        <p:txBody>
-          <a:bodyPr/>
-          <a:lstStyle/>
-          <a:p>
-            <a:endParaRPr lang="en-US"/>
-          </a:p>
-        </p:txBody>
-      </p:sp>
-      <p:sp>
-        <p:nvSpPr>
-          <p:cNvPr id="4" name="Title 3">
-            <a:extLst>
-              <a:ext uri="{FF2B5EF4-FFF2-40B4-BE49-F238E27FC236}">
-                <a16:creationId xmlns:a16="http://schemas.microsoft.com/office/drawing/2014/main" id="{2A4FF0AF-A6FF-A70C-7FFF-7D7265FC5D40}"/>
+                <a16:creationId xmlns:a16="http://schemas.microsoft.com/office/drawing/2014/main" id="{3EE12D8E-B44A-D752-96A5-9D7F3D882C53}"/>
               </a:ext>
             </a:extLst>
           </p:cNvPr>
@@ -12797,62 +13847,25 @@
             <p:ph type="title"/>
           </p:nvPr>
         </p:nvSpPr>
-        <p:spPr/>
+        <p:spPr>
+          <a:xfrm>
+            <a:off x="685800" y="514350"/>
+            <a:ext cx="7772400" cy="857250"/>
+          </a:xfrm>
+        </p:spPr>
         <p:txBody>
           <a:bodyPr/>
           <a:lstStyle/>
           <a:p>
-            <a:endParaRPr lang="en-US"/>
-          </a:p>
-        </p:txBody>
-      </p:sp>
-      <p:sp>
-        <p:nvSpPr>
-          <p:cNvPr id="5" name="Text Placeholder 4">
-            <a:extLst>
-              <a:ext uri="{FF2B5EF4-FFF2-40B4-BE49-F238E27FC236}">
-                <a16:creationId xmlns:a16="http://schemas.microsoft.com/office/drawing/2014/main" id="{EEEFCA18-AA55-B321-131B-2ED1B0D913B5}"/>
-              </a:ext>
-            </a:extLst>
-          </p:cNvPr>
-          <p:cNvSpPr>
-            <a:spLocks noGrp="1"/>
-          </p:cNvSpPr>
-          <p:nvPr>
-            <p:ph type="body" idx="3"/>
-          </p:nvPr>
-        </p:nvSpPr>
-        <p:spPr/>
-        <p:txBody>
-          <a:bodyPr/>
-          <a:lstStyle/>
-          <a:p>
-            <a:endParaRPr lang="en-US"/>
-          </a:p>
-        </p:txBody>
-      </p:sp>
-      <p:sp>
-        <p:nvSpPr>
-          <p:cNvPr id="6" name="Text Placeholder 5">
-            <a:extLst>
-              <a:ext uri="{FF2B5EF4-FFF2-40B4-BE49-F238E27FC236}">
-                <a16:creationId xmlns:a16="http://schemas.microsoft.com/office/drawing/2014/main" id="{D1C57072-2161-EFDA-F3D8-69F77800A62A}"/>
-              </a:ext>
-            </a:extLst>
-          </p:cNvPr>
-          <p:cNvSpPr>
-            <a:spLocks noGrp="1"/>
-          </p:cNvSpPr>
-          <p:nvPr>
-            <p:ph type="body" idx="4"/>
-          </p:nvPr>
-        </p:nvSpPr>
-        <p:spPr/>
-        <p:txBody>
-          <a:bodyPr/>
-          <a:lstStyle/>
-          <a:p>
-            <a:endParaRPr lang="en-US"/>
+            <a:pPr algn="ctr">
+              <a:lnSpc>
+                <a:spcPct val="0"/>
+              </a:lnSpc>
+            </a:pPr>
+            <a:r>
+              <a:rPr lang="en-US" dirty="0"/>
+              <a:t>Feature Store Monitoring</a:t>
+            </a:r>
           </a:p>
         </p:txBody>
       </p:sp>
@@ -12888,60 +13901,349 @@
       </p:grpSpPr>
       <p:sp>
         <p:nvSpPr>
-          <p:cNvPr id="2" name="Text Placeholder 1">
+          <p:cNvPr id="7" name="Text Placeholder 2">
             <a:extLst>
               <a:ext uri="{FF2B5EF4-FFF2-40B4-BE49-F238E27FC236}">
-                <a16:creationId xmlns:a16="http://schemas.microsoft.com/office/drawing/2014/main" id="{7692BA58-C826-79F6-DC72-B124C541A4B2}"/>
+                <a16:creationId xmlns:a16="http://schemas.microsoft.com/office/drawing/2014/main" id="{119F81F8-296E-6080-0393-868CB8A0FD61}"/>
               </a:ext>
             </a:extLst>
           </p:cNvPr>
-          <p:cNvSpPr>
-            <a:spLocks noGrp="1"/>
+          <p:cNvSpPr txBox="1">
+            <a:spLocks/>
           </p:cNvSpPr>
-          <p:nvPr>
-            <p:ph type="body" idx="1"/>
-          </p:nvPr>
+          <p:nvPr/>
         </p:nvSpPr>
-        <p:spPr/>
+        <p:spPr>
+          <a:xfrm>
+            <a:off x="261594" y="1900238"/>
+            <a:ext cx="8620812" cy="2457450"/>
+          </a:xfrm>
+          <a:prstGeom prst="rect">
+            <a:avLst/>
+          </a:prstGeom>
+          <a:noFill/>
+          <a:ln>
+            <a:noFill/>
+          </a:ln>
+        </p:spPr>
         <p:txBody>
-          <a:bodyPr/>
-          <a:lstStyle/>
-          <a:p>
-            <a:endParaRPr lang="en-US"/>
+          <a:bodyPr spcFirstLastPara="1" wrap="square" lIns="0" tIns="0" rIns="0" bIns="0" anchor="t" anchorCtr="0">
+            <a:noAutofit/>
+          </a:bodyPr>
+          <a:lstStyle>
+            <a:defPPr marR="0" lvl="0" algn="l" rtl="0">
+              <a:lnSpc>
+                <a:spcPct val="100000"/>
+              </a:lnSpc>
+              <a:spcBef>
+                <a:spcPts val="0"/>
+              </a:spcBef>
+              <a:spcAft>
+                <a:spcPts val="0"/>
+              </a:spcAft>
+            </a:defPPr>
+            <a:lvl1pPr marL="457200" marR="0" lvl="0" indent="-260350" algn="l" rtl="0">
+              <a:lnSpc>
+                <a:spcPct val="116666"/>
+              </a:lnSpc>
+              <a:spcBef>
+                <a:spcPts val="0"/>
+              </a:spcBef>
+              <a:spcAft>
+                <a:spcPts val="0"/>
+              </a:spcAft>
+              <a:buClr>
+                <a:srgbClr val="173063"/>
+              </a:buClr>
+              <a:buSzPts val="500"/>
+              <a:buFont typeface="Merriweather Sans"/>
+              <a:buChar char=" "/>
+              <a:defRPr sz="1800" b="0" i="0" u="none" strike="noStrike" cap="none">
+                <a:solidFill>
+                  <a:srgbClr val="003B70"/>
+                </a:solidFill>
+                <a:latin typeface="Arial"/>
+                <a:ea typeface="Arial"/>
+                <a:cs typeface="Arial"/>
+                <a:sym typeface="Arial"/>
+              </a:defRPr>
+            </a:lvl1pPr>
+            <a:lvl2pPr marL="914400" marR="0" lvl="1" indent="-342900" algn="l" rtl="0">
+              <a:lnSpc>
+                <a:spcPct val="116666"/>
+              </a:lnSpc>
+              <a:spcBef>
+                <a:spcPts val="500"/>
+              </a:spcBef>
+              <a:spcAft>
+                <a:spcPts val="0"/>
+              </a:spcAft>
+              <a:buClr>
+                <a:srgbClr val="173063"/>
+              </a:buClr>
+              <a:buSzPts val="1800"/>
+              <a:buFont typeface="Arial"/>
+              <a:buChar char="•"/>
+              <a:defRPr sz="1800" b="0" i="0" u="none" strike="noStrike" cap="none">
+                <a:solidFill>
+                  <a:srgbClr val="003B70"/>
+                </a:solidFill>
+                <a:latin typeface="Arial"/>
+                <a:ea typeface="Arial"/>
+                <a:cs typeface="Arial"/>
+                <a:sym typeface="Arial"/>
+              </a:defRPr>
+            </a:lvl2pPr>
+            <a:lvl3pPr marL="1371600" marR="0" lvl="2" indent="-342900" algn="l" rtl="0">
+              <a:lnSpc>
+                <a:spcPct val="116666"/>
+              </a:lnSpc>
+              <a:spcBef>
+                <a:spcPts val="500"/>
+              </a:spcBef>
+              <a:spcAft>
+                <a:spcPts val="0"/>
+              </a:spcAft>
+              <a:buClr>
+                <a:srgbClr val="003B70"/>
+              </a:buClr>
+              <a:buSzPts val="1800"/>
+              <a:buFont typeface="Merriweather Sans"/>
+              <a:buChar char="-"/>
+              <a:defRPr sz="1800" b="0" i="0" u="none" strike="noStrike" cap="none">
+                <a:solidFill>
+                  <a:srgbClr val="003B70"/>
+                </a:solidFill>
+                <a:latin typeface="Arial"/>
+                <a:ea typeface="Arial"/>
+                <a:cs typeface="Arial"/>
+                <a:sym typeface="Arial"/>
+              </a:defRPr>
+            </a:lvl3pPr>
+            <a:lvl4pPr marL="1828800" marR="0" lvl="3" indent="-342900" algn="l" rtl="0">
+              <a:lnSpc>
+                <a:spcPct val="116666"/>
+              </a:lnSpc>
+              <a:spcBef>
+                <a:spcPts val="500"/>
+              </a:spcBef>
+              <a:spcAft>
+                <a:spcPts val="0"/>
+              </a:spcAft>
+              <a:buClr>
+                <a:srgbClr val="003B70"/>
+              </a:buClr>
+              <a:buSzPts val="1800"/>
+              <a:buFont typeface="Merriweather Sans"/>
+              <a:buChar char="-"/>
+              <a:defRPr sz="1800" b="0" i="0" u="none" strike="noStrike" cap="none">
+                <a:solidFill>
+                  <a:srgbClr val="003B70"/>
+                </a:solidFill>
+                <a:latin typeface="Arial"/>
+                <a:ea typeface="Arial"/>
+                <a:cs typeface="Arial"/>
+                <a:sym typeface="Arial"/>
+              </a:defRPr>
+            </a:lvl4pPr>
+            <a:lvl5pPr marL="2286000" marR="0" lvl="4" indent="-342900" algn="l" rtl="0">
+              <a:lnSpc>
+                <a:spcPct val="116666"/>
+              </a:lnSpc>
+              <a:spcBef>
+                <a:spcPts val="500"/>
+              </a:spcBef>
+              <a:spcAft>
+                <a:spcPts val="0"/>
+              </a:spcAft>
+              <a:buClr>
+                <a:srgbClr val="003B70"/>
+              </a:buClr>
+              <a:buSzPts val="1800"/>
+              <a:buFont typeface="Merriweather Sans"/>
+              <a:buChar char="-"/>
+              <a:defRPr sz="1800" b="0" i="0" u="none" strike="noStrike" cap="none">
+                <a:solidFill>
+                  <a:srgbClr val="003B70"/>
+                </a:solidFill>
+                <a:latin typeface="Arial"/>
+                <a:ea typeface="Arial"/>
+                <a:cs typeface="Arial"/>
+                <a:sym typeface="Arial"/>
+              </a:defRPr>
+            </a:lvl5pPr>
+            <a:lvl6pPr marL="2743200" marR="0" lvl="5" indent="-228600" algn="l" rtl="0">
+              <a:lnSpc>
+                <a:spcPct val="100000"/>
+              </a:lnSpc>
+              <a:spcBef>
+                <a:spcPts val="500"/>
+              </a:spcBef>
+              <a:spcAft>
+                <a:spcPts val="0"/>
+              </a:spcAft>
+              <a:buClr>
+                <a:srgbClr val="000000"/>
+              </a:buClr>
+              <a:buSzPts val="1100"/>
+              <a:buFont typeface="Arial"/>
+              <a:buNone/>
+              <a:defRPr sz="1200" b="0" i="0" u="none" strike="noStrike" cap="none">
+                <a:solidFill>
+                  <a:schemeClr val="dk1"/>
+                </a:solidFill>
+                <a:latin typeface="Arial"/>
+                <a:ea typeface="Arial"/>
+                <a:cs typeface="Arial"/>
+                <a:sym typeface="Arial"/>
+              </a:defRPr>
+            </a:lvl6pPr>
+            <a:lvl7pPr marL="3200400" marR="0" lvl="6" indent="-228600" algn="l" rtl="0">
+              <a:lnSpc>
+                <a:spcPct val="100000"/>
+              </a:lnSpc>
+              <a:spcBef>
+                <a:spcPts val="200"/>
+              </a:spcBef>
+              <a:spcAft>
+                <a:spcPts val="0"/>
+              </a:spcAft>
+              <a:buClr>
+                <a:srgbClr val="000000"/>
+              </a:buClr>
+              <a:buSzPts val="1100"/>
+              <a:buFont typeface="Arial"/>
+              <a:buNone/>
+              <a:defRPr sz="1200" b="0" i="0" u="none" strike="noStrike" cap="none">
+                <a:solidFill>
+                  <a:schemeClr val="dk1"/>
+                </a:solidFill>
+                <a:latin typeface="Arial"/>
+                <a:ea typeface="Arial"/>
+                <a:cs typeface="Arial"/>
+                <a:sym typeface="Arial"/>
+              </a:defRPr>
+            </a:lvl7pPr>
+            <a:lvl8pPr marL="3657600" marR="0" lvl="7" indent="-228600" algn="l" rtl="0">
+              <a:lnSpc>
+                <a:spcPct val="100000"/>
+              </a:lnSpc>
+              <a:spcBef>
+                <a:spcPts val="200"/>
+              </a:spcBef>
+              <a:spcAft>
+                <a:spcPts val="0"/>
+              </a:spcAft>
+              <a:buClr>
+                <a:srgbClr val="000000"/>
+              </a:buClr>
+              <a:buSzPts val="1100"/>
+              <a:buFont typeface="Arial"/>
+              <a:buNone/>
+              <a:defRPr sz="1200" b="0" i="0" u="none" strike="noStrike" cap="none">
+                <a:solidFill>
+                  <a:schemeClr val="dk1"/>
+                </a:solidFill>
+                <a:latin typeface="Arial"/>
+                <a:ea typeface="Arial"/>
+                <a:cs typeface="Arial"/>
+                <a:sym typeface="Arial"/>
+              </a:defRPr>
+            </a:lvl8pPr>
+            <a:lvl9pPr marL="4114800" marR="0" lvl="8" indent="-228600" algn="l" rtl="0">
+              <a:lnSpc>
+                <a:spcPct val="100000"/>
+              </a:lnSpc>
+              <a:spcBef>
+                <a:spcPts val="200"/>
+              </a:spcBef>
+              <a:spcAft>
+                <a:spcPts val="0"/>
+              </a:spcAft>
+              <a:buClr>
+                <a:srgbClr val="000000"/>
+              </a:buClr>
+              <a:buSzPts val="1100"/>
+              <a:buFont typeface="Arial"/>
+              <a:buNone/>
+              <a:defRPr sz="1200" b="0" i="0" u="none" strike="noStrike" cap="none">
+                <a:solidFill>
+                  <a:schemeClr val="dk1"/>
+                </a:solidFill>
+                <a:latin typeface="Arial"/>
+                <a:ea typeface="Arial"/>
+                <a:cs typeface="Arial"/>
+                <a:sym typeface="Arial"/>
+              </a:defRPr>
+            </a:lvl9pPr>
+          </a:lstStyle>
+          <a:p>
+            <a:pPr algn="ctr"/>
+            <a:endParaRPr lang="en-US" b="1" dirty="0"/>
+          </a:p>
+          <a:p>
+            <a:pPr marL="196850" indent="0" algn="ctr">
+              <a:buNone/>
+            </a:pPr>
+            <a:r>
+              <a:rPr lang="en-US" b="1" dirty="0"/>
+              <a:t>Model Versioning: </a:t>
+            </a:r>
+            <a:r>
+              <a:rPr lang="en-US" dirty="0"/>
+              <a:t>Managed by DVC</a:t>
+            </a:r>
+          </a:p>
+          <a:p>
+            <a:pPr marL="196850" indent="0" algn="ctr">
+              <a:buNone/>
+            </a:pPr>
+            <a:endParaRPr lang="en-US" dirty="0"/>
+          </a:p>
+          <a:p>
+            <a:pPr marL="196850" indent="0" algn="ctr">
+              <a:buNone/>
+            </a:pPr>
+            <a:r>
+              <a:rPr lang="en-US" b="1" dirty="0"/>
+              <a:t>Metadata Tracking: </a:t>
+            </a:r>
+            <a:r>
+              <a:rPr lang="en-US" dirty="0"/>
+              <a:t>Performance metrics, hyperparameters, dataset versions</a:t>
+            </a:r>
+          </a:p>
+          <a:p>
+            <a:pPr marL="196850" indent="0" algn="ctr">
+              <a:buNone/>
+            </a:pPr>
+            <a:endParaRPr lang="en-US" dirty="0"/>
+          </a:p>
+          <a:p>
+            <a:pPr marL="196850" indent="0" algn="ctr">
+              <a:buNone/>
+            </a:pPr>
+            <a:r>
+              <a:rPr lang="en-US" b="1" dirty="0"/>
+              <a:t>Benefits: </a:t>
+            </a:r>
+            <a:r>
+              <a:rPr lang="en-US" dirty="0"/>
+              <a:t>Traceability, reproducibility, compliance</a:t>
+            </a:r>
+          </a:p>
+          <a:p>
+            <a:pPr algn="ctr"/>
+            <a:endParaRPr lang="en-US" dirty="0"/>
           </a:p>
         </p:txBody>
       </p:sp>
       <p:sp>
         <p:nvSpPr>
-          <p:cNvPr id="3" name="Text Placeholder 2">
+          <p:cNvPr id="8" name="Title 3">
             <a:extLst>
               <a:ext uri="{FF2B5EF4-FFF2-40B4-BE49-F238E27FC236}">
-                <a16:creationId xmlns:a16="http://schemas.microsoft.com/office/drawing/2014/main" id="{51F9583A-D52A-1100-FD7B-99154E7A9B7E}"/>
-              </a:ext>
-            </a:extLst>
-          </p:cNvPr>
-          <p:cNvSpPr>
-            <a:spLocks noGrp="1"/>
-          </p:cNvSpPr>
-          <p:nvPr>
-            <p:ph type="body" idx="2"/>
-          </p:nvPr>
-        </p:nvSpPr>
-        <p:spPr/>
-        <p:txBody>
-          <a:bodyPr/>
-          <a:lstStyle/>
-          <a:p>
-            <a:endParaRPr lang="en-US"/>
-          </a:p>
-        </p:txBody>
-      </p:sp>
-      <p:sp>
-        <p:nvSpPr>
-          <p:cNvPr id="4" name="Title 3">
-            <a:extLst>
-              <a:ext uri="{FF2B5EF4-FFF2-40B4-BE49-F238E27FC236}">
-                <a16:creationId xmlns:a16="http://schemas.microsoft.com/office/drawing/2014/main" id="{2C9EA1C9-7FEE-BB42-28F7-F93A83AB1B30}"/>
+                <a16:creationId xmlns:a16="http://schemas.microsoft.com/office/drawing/2014/main" id="{5879536C-47C4-714A-5DBB-51D2DED8738F}"/>
               </a:ext>
             </a:extLst>
           </p:cNvPr>
@@ -12952,62 +14254,25 @@
             <p:ph type="title"/>
           </p:nvPr>
         </p:nvSpPr>
-        <p:spPr/>
+        <p:spPr>
+          <a:xfrm>
+            <a:off x="685800" y="514350"/>
+            <a:ext cx="7772400" cy="857250"/>
+          </a:xfrm>
+        </p:spPr>
         <p:txBody>
           <a:bodyPr/>
           <a:lstStyle/>
           <a:p>
-            <a:endParaRPr lang="en-US"/>
-          </a:p>
-        </p:txBody>
-      </p:sp>
-      <p:sp>
-        <p:nvSpPr>
-          <p:cNvPr id="5" name="Text Placeholder 4">
-            <a:extLst>
-              <a:ext uri="{FF2B5EF4-FFF2-40B4-BE49-F238E27FC236}">
-                <a16:creationId xmlns:a16="http://schemas.microsoft.com/office/drawing/2014/main" id="{0AAB73FA-D17F-95B3-1EDC-AD3DA36ED95D}"/>
-              </a:ext>
-            </a:extLst>
-          </p:cNvPr>
-          <p:cNvSpPr>
-            <a:spLocks noGrp="1"/>
-          </p:cNvSpPr>
-          <p:nvPr>
-            <p:ph type="body" idx="3"/>
-          </p:nvPr>
-        </p:nvSpPr>
-        <p:spPr/>
-        <p:txBody>
-          <a:bodyPr/>
-          <a:lstStyle/>
-          <a:p>
-            <a:endParaRPr lang="en-US"/>
-          </a:p>
-        </p:txBody>
-      </p:sp>
-      <p:sp>
-        <p:nvSpPr>
-          <p:cNvPr id="6" name="Text Placeholder 5">
-            <a:extLst>
-              <a:ext uri="{FF2B5EF4-FFF2-40B4-BE49-F238E27FC236}">
-                <a16:creationId xmlns:a16="http://schemas.microsoft.com/office/drawing/2014/main" id="{3516C9E6-2E21-3263-4E00-CC008BB0531B}"/>
-              </a:ext>
-            </a:extLst>
-          </p:cNvPr>
-          <p:cNvSpPr>
-            <a:spLocks noGrp="1"/>
-          </p:cNvSpPr>
-          <p:nvPr>
-            <p:ph type="body" idx="4"/>
-          </p:nvPr>
-        </p:nvSpPr>
-        <p:spPr/>
-        <p:txBody>
-          <a:bodyPr/>
-          <a:lstStyle/>
-          <a:p>
-            <a:endParaRPr lang="en-US"/>
+            <a:pPr algn="ctr">
+              <a:lnSpc>
+                <a:spcPct val="0"/>
+              </a:lnSpc>
+            </a:pPr>
+            <a:r>
+              <a:rPr lang="en-US" dirty="0"/>
+              <a:t>Model Registry with DVC</a:t>
+            </a:r>
           </a:p>
         </p:txBody>
       </p:sp>
@@ -13043,60 +14308,371 @@
       </p:grpSpPr>
       <p:sp>
         <p:nvSpPr>
-          <p:cNvPr id="2" name="Text Placeholder 1">
+          <p:cNvPr id="7" name="Text Placeholder 2">
             <a:extLst>
               <a:ext uri="{FF2B5EF4-FFF2-40B4-BE49-F238E27FC236}">
-                <a16:creationId xmlns:a16="http://schemas.microsoft.com/office/drawing/2014/main" id="{1E11E73F-EA61-8D36-EFA6-1CACB2013B46}"/>
+                <a16:creationId xmlns:a16="http://schemas.microsoft.com/office/drawing/2014/main" id="{29B490A7-1EAE-9112-3673-45BDCA59F2C6}"/>
               </a:ext>
             </a:extLst>
           </p:cNvPr>
-          <p:cNvSpPr>
-            <a:spLocks noGrp="1"/>
+          <p:cNvSpPr txBox="1">
+            <a:spLocks/>
           </p:cNvSpPr>
-          <p:nvPr>
-            <p:ph type="body" idx="1"/>
-          </p:nvPr>
+          <p:nvPr/>
         </p:nvSpPr>
-        <p:spPr/>
+        <p:spPr>
+          <a:xfrm>
+            <a:off x="261594" y="1900238"/>
+            <a:ext cx="8620812" cy="2457450"/>
+          </a:xfrm>
+          <a:prstGeom prst="rect">
+            <a:avLst/>
+          </a:prstGeom>
+          <a:noFill/>
+          <a:ln>
+            <a:noFill/>
+          </a:ln>
+        </p:spPr>
         <p:txBody>
-          <a:bodyPr/>
-          <a:lstStyle/>
-          <a:p>
-            <a:endParaRPr lang="en-US"/>
+          <a:bodyPr spcFirstLastPara="1" wrap="square" lIns="0" tIns="0" rIns="0" bIns="0" anchor="t" anchorCtr="0">
+            <a:noAutofit/>
+          </a:bodyPr>
+          <a:lstStyle>
+            <a:defPPr marR="0" lvl="0" algn="l" rtl="0">
+              <a:lnSpc>
+                <a:spcPct val="100000"/>
+              </a:lnSpc>
+              <a:spcBef>
+                <a:spcPts val="0"/>
+              </a:spcBef>
+              <a:spcAft>
+                <a:spcPts val="0"/>
+              </a:spcAft>
+            </a:defPPr>
+            <a:lvl1pPr marL="457200" marR="0" lvl="0" indent="-260350" algn="l" rtl="0">
+              <a:lnSpc>
+                <a:spcPct val="116666"/>
+              </a:lnSpc>
+              <a:spcBef>
+                <a:spcPts val="0"/>
+              </a:spcBef>
+              <a:spcAft>
+                <a:spcPts val="0"/>
+              </a:spcAft>
+              <a:buClr>
+                <a:srgbClr val="173063"/>
+              </a:buClr>
+              <a:buSzPts val="500"/>
+              <a:buFont typeface="Merriweather Sans"/>
+              <a:buChar char=" "/>
+              <a:defRPr sz="1800" b="0" i="0" u="none" strike="noStrike" cap="none">
+                <a:solidFill>
+                  <a:srgbClr val="003B70"/>
+                </a:solidFill>
+                <a:latin typeface="Arial"/>
+                <a:ea typeface="Arial"/>
+                <a:cs typeface="Arial"/>
+                <a:sym typeface="Arial"/>
+              </a:defRPr>
+            </a:lvl1pPr>
+            <a:lvl2pPr marL="914400" marR="0" lvl="1" indent="-342900" algn="l" rtl="0">
+              <a:lnSpc>
+                <a:spcPct val="116666"/>
+              </a:lnSpc>
+              <a:spcBef>
+                <a:spcPts val="500"/>
+              </a:spcBef>
+              <a:spcAft>
+                <a:spcPts val="0"/>
+              </a:spcAft>
+              <a:buClr>
+                <a:srgbClr val="173063"/>
+              </a:buClr>
+              <a:buSzPts val="1800"/>
+              <a:buFont typeface="Arial"/>
+              <a:buChar char="•"/>
+              <a:defRPr sz="1800" b="0" i="0" u="none" strike="noStrike" cap="none">
+                <a:solidFill>
+                  <a:srgbClr val="003B70"/>
+                </a:solidFill>
+                <a:latin typeface="Arial"/>
+                <a:ea typeface="Arial"/>
+                <a:cs typeface="Arial"/>
+                <a:sym typeface="Arial"/>
+              </a:defRPr>
+            </a:lvl2pPr>
+            <a:lvl3pPr marL="1371600" marR="0" lvl="2" indent="-342900" algn="l" rtl="0">
+              <a:lnSpc>
+                <a:spcPct val="116666"/>
+              </a:lnSpc>
+              <a:spcBef>
+                <a:spcPts val="500"/>
+              </a:spcBef>
+              <a:spcAft>
+                <a:spcPts val="0"/>
+              </a:spcAft>
+              <a:buClr>
+                <a:srgbClr val="003B70"/>
+              </a:buClr>
+              <a:buSzPts val="1800"/>
+              <a:buFont typeface="Merriweather Sans"/>
+              <a:buChar char="-"/>
+              <a:defRPr sz="1800" b="0" i="0" u="none" strike="noStrike" cap="none">
+                <a:solidFill>
+                  <a:srgbClr val="003B70"/>
+                </a:solidFill>
+                <a:latin typeface="Arial"/>
+                <a:ea typeface="Arial"/>
+                <a:cs typeface="Arial"/>
+                <a:sym typeface="Arial"/>
+              </a:defRPr>
+            </a:lvl3pPr>
+            <a:lvl4pPr marL="1828800" marR="0" lvl="3" indent="-342900" algn="l" rtl="0">
+              <a:lnSpc>
+                <a:spcPct val="116666"/>
+              </a:lnSpc>
+              <a:spcBef>
+                <a:spcPts val="500"/>
+              </a:spcBef>
+              <a:spcAft>
+                <a:spcPts val="0"/>
+              </a:spcAft>
+              <a:buClr>
+                <a:srgbClr val="003B70"/>
+              </a:buClr>
+              <a:buSzPts val="1800"/>
+              <a:buFont typeface="Merriweather Sans"/>
+              <a:buChar char="-"/>
+              <a:defRPr sz="1800" b="0" i="0" u="none" strike="noStrike" cap="none">
+                <a:solidFill>
+                  <a:srgbClr val="003B70"/>
+                </a:solidFill>
+                <a:latin typeface="Arial"/>
+                <a:ea typeface="Arial"/>
+                <a:cs typeface="Arial"/>
+                <a:sym typeface="Arial"/>
+              </a:defRPr>
+            </a:lvl4pPr>
+            <a:lvl5pPr marL="2286000" marR="0" lvl="4" indent="-342900" algn="l" rtl="0">
+              <a:lnSpc>
+                <a:spcPct val="116666"/>
+              </a:lnSpc>
+              <a:spcBef>
+                <a:spcPts val="500"/>
+              </a:spcBef>
+              <a:spcAft>
+                <a:spcPts val="0"/>
+              </a:spcAft>
+              <a:buClr>
+                <a:srgbClr val="003B70"/>
+              </a:buClr>
+              <a:buSzPts val="1800"/>
+              <a:buFont typeface="Merriweather Sans"/>
+              <a:buChar char="-"/>
+              <a:defRPr sz="1800" b="0" i="0" u="none" strike="noStrike" cap="none">
+                <a:solidFill>
+                  <a:srgbClr val="003B70"/>
+                </a:solidFill>
+                <a:latin typeface="Arial"/>
+                <a:ea typeface="Arial"/>
+                <a:cs typeface="Arial"/>
+                <a:sym typeface="Arial"/>
+              </a:defRPr>
+            </a:lvl5pPr>
+            <a:lvl6pPr marL="2743200" marR="0" lvl="5" indent="-228600" algn="l" rtl="0">
+              <a:lnSpc>
+                <a:spcPct val="100000"/>
+              </a:lnSpc>
+              <a:spcBef>
+                <a:spcPts val="500"/>
+              </a:spcBef>
+              <a:spcAft>
+                <a:spcPts val="0"/>
+              </a:spcAft>
+              <a:buClr>
+                <a:srgbClr val="000000"/>
+              </a:buClr>
+              <a:buSzPts val="1100"/>
+              <a:buFont typeface="Arial"/>
+              <a:buNone/>
+              <a:defRPr sz="1200" b="0" i="0" u="none" strike="noStrike" cap="none">
+                <a:solidFill>
+                  <a:schemeClr val="dk1"/>
+                </a:solidFill>
+                <a:latin typeface="Arial"/>
+                <a:ea typeface="Arial"/>
+                <a:cs typeface="Arial"/>
+                <a:sym typeface="Arial"/>
+              </a:defRPr>
+            </a:lvl6pPr>
+            <a:lvl7pPr marL="3200400" marR="0" lvl="6" indent="-228600" algn="l" rtl="0">
+              <a:lnSpc>
+                <a:spcPct val="100000"/>
+              </a:lnSpc>
+              <a:spcBef>
+                <a:spcPts val="200"/>
+              </a:spcBef>
+              <a:spcAft>
+                <a:spcPts val="0"/>
+              </a:spcAft>
+              <a:buClr>
+                <a:srgbClr val="000000"/>
+              </a:buClr>
+              <a:buSzPts val="1100"/>
+              <a:buFont typeface="Arial"/>
+              <a:buNone/>
+              <a:defRPr sz="1200" b="0" i="0" u="none" strike="noStrike" cap="none">
+                <a:solidFill>
+                  <a:schemeClr val="dk1"/>
+                </a:solidFill>
+                <a:latin typeface="Arial"/>
+                <a:ea typeface="Arial"/>
+                <a:cs typeface="Arial"/>
+                <a:sym typeface="Arial"/>
+              </a:defRPr>
+            </a:lvl7pPr>
+            <a:lvl8pPr marL="3657600" marR="0" lvl="7" indent="-228600" algn="l" rtl="0">
+              <a:lnSpc>
+                <a:spcPct val="100000"/>
+              </a:lnSpc>
+              <a:spcBef>
+                <a:spcPts val="200"/>
+              </a:spcBef>
+              <a:spcAft>
+                <a:spcPts val="0"/>
+              </a:spcAft>
+              <a:buClr>
+                <a:srgbClr val="000000"/>
+              </a:buClr>
+              <a:buSzPts val="1100"/>
+              <a:buFont typeface="Arial"/>
+              <a:buNone/>
+              <a:defRPr sz="1200" b="0" i="0" u="none" strike="noStrike" cap="none">
+                <a:solidFill>
+                  <a:schemeClr val="dk1"/>
+                </a:solidFill>
+                <a:latin typeface="Arial"/>
+                <a:ea typeface="Arial"/>
+                <a:cs typeface="Arial"/>
+                <a:sym typeface="Arial"/>
+              </a:defRPr>
+            </a:lvl8pPr>
+            <a:lvl9pPr marL="4114800" marR="0" lvl="8" indent="-228600" algn="l" rtl="0">
+              <a:lnSpc>
+                <a:spcPct val="100000"/>
+              </a:lnSpc>
+              <a:spcBef>
+                <a:spcPts val="200"/>
+              </a:spcBef>
+              <a:spcAft>
+                <a:spcPts val="0"/>
+              </a:spcAft>
+              <a:buClr>
+                <a:srgbClr val="000000"/>
+              </a:buClr>
+              <a:buSzPts val="1100"/>
+              <a:buFont typeface="Arial"/>
+              <a:buNone/>
+              <a:defRPr sz="1200" b="0" i="0" u="none" strike="noStrike" cap="none">
+                <a:solidFill>
+                  <a:schemeClr val="dk1"/>
+                </a:solidFill>
+                <a:latin typeface="Arial"/>
+                <a:ea typeface="Arial"/>
+                <a:cs typeface="Arial"/>
+                <a:sym typeface="Arial"/>
+              </a:defRPr>
+            </a:lvl9pPr>
+          </a:lstStyle>
+          <a:p>
+            <a:pPr marL="196850" indent="0" algn="ctr">
+              <a:buNone/>
+            </a:pPr>
+            <a:r>
+              <a:rPr lang="en-US" b="1" dirty="0"/>
+              <a:t>Use Case: </a:t>
+            </a:r>
+            <a:r>
+              <a:rPr lang="en-US" dirty="0"/>
+              <a:t>Predicting readmission risk for a batch of patients</a:t>
+            </a:r>
+            <a:br>
+              <a:rPr lang="en-US" b="1" dirty="0"/>
+            </a:br>
+            <a:endParaRPr lang="en-US" b="1" dirty="0"/>
+          </a:p>
+          <a:p>
+            <a:pPr marL="196850" indent="0" algn="ctr">
+              <a:buNone/>
+            </a:pPr>
+            <a:r>
+              <a:rPr lang="en-US" b="1" dirty="0"/>
+              <a:t>Process:</a:t>
+            </a:r>
+          </a:p>
+          <a:p>
+            <a:pPr marL="196850" indent="0" algn="ctr">
+              <a:buNone/>
+            </a:pPr>
+            <a:r>
+              <a:rPr lang="en-US" b="1" dirty="0"/>
+              <a:t>  Input:</a:t>
+            </a:r>
+            <a:r>
+              <a:rPr lang="en-US" dirty="0"/>
+              <a:t> Batch of patient data</a:t>
+            </a:r>
+          </a:p>
+          <a:p>
+            <a:pPr marL="196850" indent="0" algn="ctr">
+              <a:buNone/>
+            </a:pPr>
+            <a:r>
+              <a:rPr lang="en-US" b="1" dirty="0"/>
+              <a:t>  Output: </a:t>
+            </a:r>
+            <a:r>
+              <a:rPr lang="en-US" dirty="0"/>
+              <a:t>Risk scores and categories</a:t>
+            </a:r>
+          </a:p>
+          <a:p>
+            <a:pPr marL="196850" indent="0" algn="ctr">
+              <a:buNone/>
+            </a:pPr>
+            <a:endParaRPr lang="en-US" b="1" dirty="0"/>
+          </a:p>
+          <a:p>
+            <a:pPr marL="196850" indent="0" algn="ctr">
+              <a:buNone/>
+            </a:pPr>
+            <a:r>
+              <a:rPr lang="en-US" b="1" dirty="0"/>
+              <a:t>Result: </a:t>
+            </a:r>
+            <a:r>
+              <a:rPr lang="en-US" dirty="0"/>
+              <a:t>Identification of high-risk patients</a:t>
+            </a:r>
+          </a:p>
+          <a:p>
+            <a:pPr marL="196850" indent="0" algn="ctr">
+              <a:buNone/>
+            </a:pPr>
+            <a:endParaRPr lang="en-US" b="1" dirty="0"/>
+          </a:p>
+          <a:p>
+            <a:pPr algn="ctr"/>
+            <a:endParaRPr lang="en-US" dirty="0"/>
           </a:p>
         </p:txBody>
       </p:sp>
       <p:sp>
         <p:nvSpPr>
-          <p:cNvPr id="3" name="Text Placeholder 2">
+          <p:cNvPr id="8" name="Title 3">
             <a:extLst>
               <a:ext uri="{FF2B5EF4-FFF2-40B4-BE49-F238E27FC236}">
-                <a16:creationId xmlns:a16="http://schemas.microsoft.com/office/drawing/2014/main" id="{3E5CCE6B-FD09-FB6E-8CB7-281CC300D565}"/>
-              </a:ext>
-            </a:extLst>
-          </p:cNvPr>
-          <p:cNvSpPr>
-            <a:spLocks noGrp="1"/>
-          </p:cNvSpPr>
-          <p:nvPr>
-            <p:ph type="body" idx="2"/>
-          </p:nvPr>
-        </p:nvSpPr>
-        <p:spPr/>
-        <p:txBody>
-          <a:bodyPr/>
-          <a:lstStyle/>
-          <a:p>
-            <a:endParaRPr lang="en-US"/>
-          </a:p>
-        </p:txBody>
-      </p:sp>
-      <p:sp>
-        <p:nvSpPr>
-          <p:cNvPr id="4" name="Title 3">
-            <a:extLst>
-              <a:ext uri="{FF2B5EF4-FFF2-40B4-BE49-F238E27FC236}">
-                <a16:creationId xmlns:a16="http://schemas.microsoft.com/office/drawing/2014/main" id="{31617519-A39A-5144-963B-9BA545D7FE06}"/>
+                <a16:creationId xmlns:a16="http://schemas.microsoft.com/office/drawing/2014/main" id="{05F96902-1F7F-D79A-054B-E4712C060259}"/>
               </a:ext>
             </a:extLst>
           </p:cNvPr>
@@ -13107,62 +14683,25 @@
             <p:ph type="title"/>
           </p:nvPr>
         </p:nvSpPr>
-        <p:spPr/>
+        <p:spPr>
+          <a:xfrm>
+            <a:off x="685800" y="514350"/>
+            <a:ext cx="7772400" cy="857250"/>
+          </a:xfrm>
+        </p:spPr>
         <p:txBody>
           <a:bodyPr/>
           <a:lstStyle/>
           <a:p>
-            <a:endParaRPr lang="en-US"/>
-          </a:p>
-        </p:txBody>
-      </p:sp>
-      <p:sp>
-        <p:nvSpPr>
-          <p:cNvPr id="5" name="Text Placeholder 4">
-            <a:extLst>
-              <a:ext uri="{FF2B5EF4-FFF2-40B4-BE49-F238E27FC236}">
-                <a16:creationId xmlns:a16="http://schemas.microsoft.com/office/drawing/2014/main" id="{0FDDD500-2D95-644C-EF5D-AF0434BB81E7}"/>
-              </a:ext>
-            </a:extLst>
-          </p:cNvPr>
-          <p:cNvSpPr>
-            <a:spLocks noGrp="1"/>
-          </p:cNvSpPr>
-          <p:nvPr>
-            <p:ph type="body" idx="3"/>
-          </p:nvPr>
-        </p:nvSpPr>
-        <p:spPr/>
-        <p:txBody>
-          <a:bodyPr/>
-          <a:lstStyle/>
-          <a:p>
-            <a:endParaRPr lang="en-US"/>
-          </a:p>
-        </p:txBody>
-      </p:sp>
-      <p:sp>
-        <p:nvSpPr>
-          <p:cNvPr id="6" name="Text Placeholder 5">
-            <a:extLst>
-              <a:ext uri="{FF2B5EF4-FFF2-40B4-BE49-F238E27FC236}">
-                <a16:creationId xmlns:a16="http://schemas.microsoft.com/office/drawing/2014/main" id="{A69473AA-75F7-C649-CAFE-BC2170834F2A}"/>
-              </a:ext>
-            </a:extLst>
-          </p:cNvPr>
-          <p:cNvSpPr>
-            <a:spLocks noGrp="1"/>
-          </p:cNvSpPr>
-          <p:nvPr>
-            <p:ph type="body" idx="4"/>
-          </p:nvPr>
-        </p:nvSpPr>
-        <p:spPr/>
-        <p:txBody>
-          <a:bodyPr/>
-          <a:lstStyle/>
-          <a:p>
-            <a:endParaRPr lang="en-US"/>
+            <a:pPr algn="ctr">
+              <a:lnSpc>
+                <a:spcPct val="0"/>
+              </a:lnSpc>
+            </a:pPr>
+            <a:r>
+              <a:rPr lang="en-US" dirty="0"/>
+              <a:t>Batch Inferencing</a:t>
+            </a:r>
           </a:p>
         </p:txBody>
       </p:sp>
@@ -13198,10 +14737,10 @@
       </p:grpSpPr>
       <p:sp>
         <p:nvSpPr>
-          <p:cNvPr id="2" name="Text Placeholder 1">
+          <p:cNvPr id="7" name="Title 3">
             <a:extLst>
               <a:ext uri="{FF2B5EF4-FFF2-40B4-BE49-F238E27FC236}">
-                <a16:creationId xmlns:a16="http://schemas.microsoft.com/office/drawing/2014/main" id="{DE67B7C2-1B23-D3A4-A297-F48AC3CABD33}"/>
+                <a16:creationId xmlns:a16="http://schemas.microsoft.com/office/drawing/2014/main" id="{808F823C-0FE7-7772-3E3E-C558DEAB7625}"/>
               </a:ext>
             </a:extLst>
           </p:cNvPr>
@@ -13209,24 +14748,37 @@
             <a:spLocks noGrp="1"/>
           </p:cNvSpPr>
           <p:nvPr>
-            <p:ph type="body" idx="1"/>
+            <p:ph type="title"/>
           </p:nvPr>
         </p:nvSpPr>
-        <p:spPr/>
+        <p:spPr>
+          <a:xfrm>
+            <a:off x="685800" y="514350"/>
+            <a:ext cx="7772400" cy="857250"/>
+          </a:xfrm>
+        </p:spPr>
         <p:txBody>
           <a:bodyPr/>
           <a:lstStyle/>
           <a:p>
-            <a:endParaRPr lang="en-US"/>
+            <a:pPr algn="ctr">
+              <a:lnSpc>
+                <a:spcPct val="0"/>
+              </a:lnSpc>
+            </a:pPr>
+            <a:r>
+              <a:rPr lang="en-US" dirty="0"/>
+              <a:t>Infrastructure Monitoring</a:t>
+            </a:r>
           </a:p>
         </p:txBody>
       </p:sp>
       <p:sp>
         <p:nvSpPr>
-          <p:cNvPr id="3" name="Text Placeholder 2">
+          <p:cNvPr id="9" name="Text Placeholder 2">
             <a:extLst>
               <a:ext uri="{FF2B5EF4-FFF2-40B4-BE49-F238E27FC236}">
-                <a16:creationId xmlns:a16="http://schemas.microsoft.com/office/drawing/2014/main" id="{A2176F20-D91B-1D4D-0804-7AE741B97E25}"/>
+                <a16:creationId xmlns:a16="http://schemas.microsoft.com/office/drawing/2014/main" id="{7AC5438F-50B7-A328-734B-1FD5AAD33E61}"/>
               </a:ext>
             </a:extLst>
           </p:cNvPr>
@@ -13237,90 +14789,101 @@
             <p:ph type="body" idx="2"/>
           </p:nvPr>
         </p:nvSpPr>
-        <p:spPr/>
+        <p:spPr>
+          <a:xfrm>
+            <a:off x="685799" y="1206631"/>
+            <a:ext cx="3810002" cy="3151057"/>
+          </a:xfrm>
+        </p:spPr>
         <p:txBody>
           <a:bodyPr/>
           <a:lstStyle/>
           <a:p>
-            <a:endParaRPr lang="en-US"/>
+            <a:pPr marL="196850" indent="0" algn="ctr">
+              <a:buNone/>
+            </a:pPr>
+            <a:r>
+              <a:rPr lang="en-US" b="1" dirty="0"/>
+              <a:t>Monitoring Tools:</a:t>
+            </a:r>
+            <a:br>
+              <a:rPr lang="en-US" b="1" dirty="0"/>
+            </a:br>
+            <a:r>
+              <a:rPr lang="en-US" dirty="0"/>
+              <a:t>GitHub Actions for pipeline monitoring  </a:t>
+            </a:r>
+            <a:br>
+              <a:rPr lang="en-US" dirty="0"/>
+            </a:br>
+            <a:r>
+              <a:rPr lang="en-US" dirty="0"/>
+              <a:t>DVC Live for real-time metrics logging</a:t>
+            </a:r>
+            <a:br>
+              <a:rPr lang="en-US" dirty="0"/>
+            </a:br>
+            <a:br>
+              <a:rPr lang="en-US" b="1" dirty="0"/>
+            </a:br>
+            <a:r>
+              <a:rPr lang="en-US" b="1" dirty="0"/>
+              <a:t>Key Metrics:</a:t>
+            </a:r>
+            <a:br>
+              <a:rPr lang="en-US" b="1" dirty="0"/>
+            </a:br>
+            <a:r>
+              <a:rPr lang="en-US" dirty="0"/>
+              <a:t>Pipeline execution status  </a:t>
+            </a:r>
+            <a:br>
+              <a:rPr lang="en-US" dirty="0"/>
+            </a:br>
+            <a:r>
+              <a:rPr lang="en-US" dirty="0"/>
+              <a:t>Stage runtimes and logs</a:t>
+            </a:r>
+            <a:br>
+              <a:rPr lang="en-US" dirty="0"/>
+            </a:br>
+            <a:r>
+              <a:rPr lang="en-US" dirty="0"/>
+              <a:t>Data and model version tracking</a:t>
+            </a:r>
           </a:p>
         </p:txBody>
       </p:sp>
-      <p:sp>
-        <p:nvSpPr>
-          <p:cNvPr id="4" name="Title 3">
+      <p:pic>
+        <p:nvPicPr>
+          <p:cNvPr id="19" name="Picture 18">
             <a:extLst>
               <a:ext uri="{FF2B5EF4-FFF2-40B4-BE49-F238E27FC236}">
-                <a16:creationId xmlns:a16="http://schemas.microsoft.com/office/drawing/2014/main" id="{E3105DC1-9EB3-F750-DAC8-9B2AED00593F}"/>
+                <a16:creationId xmlns:a16="http://schemas.microsoft.com/office/drawing/2014/main" id="{4B756A66-B107-EF08-3217-0215E6D26517}"/>
               </a:ext>
             </a:extLst>
           </p:cNvPr>
-          <p:cNvSpPr>
-            <a:spLocks noGrp="1"/>
-          </p:cNvSpPr>
-          <p:nvPr>
-            <p:ph type="title"/>
-          </p:nvPr>
-        </p:nvSpPr>
-        <p:spPr/>
-        <p:txBody>
-          <a:bodyPr/>
-          <a:lstStyle/>
-          <a:p>
-            <a:endParaRPr lang="en-US"/>
-          </a:p>
-        </p:txBody>
-      </p:sp>
-      <p:sp>
-        <p:nvSpPr>
-          <p:cNvPr id="5" name="Text Placeholder 4">
-            <a:extLst>
-              <a:ext uri="{FF2B5EF4-FFF2-40B4-BE49-F238E27FC236}">
-                <a16:creationId xmlns:a16="http://schemas.microsoft.com/office/drawing/2014/main" id="{1C607ADC-EF7A-AB65-313B-F55886B50EE9}"/>
-              </a:ext>
-            </a:extLst>
-          </p:cNvPr>
-          <p:cNvSpPr>
-            <a:spLocks noGrp="1"/>
-          </p:cNvSpPr>
-          <p:nvPr>
-            <p:ph type="body" idx="3"/>
-          </p:nvPr>
-        </p:nvSpPr>
-        <p:spPr/>
-        <p:txBody>
-          <a:bodyPr/>
-          <a:lstStyle/>
-          <a:p>
-            <a:endParaRPr lang="en-US"/>
-          </a:p>
-        </p:txBody>
-      </p:sp>
-      <p:sp>
-        <p:nvSpPr>
-          <p:cNvPr id="6" name="Text Placeholder 5">
-            <a:extLst>
-              <a:ext uri="{FF2B5EF4-FFF2-40B4-BE49-F238E27FC236}">
-                <a16:creationId xmlns:a16="http://schemas.microsoft.com/office/drawing/2014/main" id="{22AF7AE5-B5FD-FC2D-EAD2-2783E69F9954}"/>
-              </a:ext>
-            </a:extLst>
-          </p:cNvPr>
-          <p:cNvSpPr>
-            <a:spLocks noGrp="1"/>
-          </p:cNvSpPr>
-          <p:nvPr>
-            <p:ph type="body" idx="4"/>
-          </p:nvPr>
-        </p:nvSpPr>
-        <p:spPr/>
-        <p:txBody>
-          <a:bodyPr/>
-          <a:lstStyle/>
-          <a:p>
-            <a:endParaRPr lang="en-US"/>
-          </a:p>
-        </p:txBody>
-      </p:sp>
+          <p:cNvPicPr>
+            <a:picLocks noChangeAspect="1"/>
+          </p:cNvPicPr>
+          <p:nvPr/>
+        </p:nvPicPr>
+        <p:blipFill>
+          <a:blip r:embed="rId3"/>
+          <a:stretch>
+            <a:fillRect/>
+          </a:stretch>
+        </p:blipFill>
+        <p:spPr>
+          <a:xfrm>
+            <a:off x="5127766" y="1206631"/>
+            <a:ext cx="3896311" cy="3233065"/>
+          </a:xfrm>
+          <a:prstGeom prst="rect">
+            <a:avLst/>
+          </a:prstGeom>
+        </p:spPr>
+      </p:pic>
     </p:spTree>
     <p:extLst>
       <p:ext uri="{BB962C8B-B14F-4D97-AF65-F5344CB8AC3E}">
@@ -13353,10 +14916,48 @@
       </p:grpSpPr>
       <p:sp>
         <p:nvSpPr>
-          <p:cNvPr id="2" name="Text Placeholder 1">
+          <p:cNvPr id="8" name="Title 3">
             <a:extLst>
               <a:ext uri="{FF2B5EF4-FFF2-40B4-BE49-F238E27FC236}">
-                <a16:creationId xmlns:a16="http://schemas.microsoft.com/office/drawing/2014/main" id="{377A28CA-E8F3-A18E-B498-65494DA2E8F4}"/>
+                <a16:creationId xmlns:a16="http://schemas.microsoft.com/office/drawing/2014/main" id="{BFEAE422-25B5-80A6-7BCA-DCD28F48AAEC}"/>
+              </a:ext>
+            </a:extLst>
+          </p:cNvPr>
+          <p:cNvSpPr>
+            <a:spLocks noGrp="1"/>
+          </p:cNvSpPr>
+          <p:nvPr>
+            <p:ph type="title"/>
+          </p:nvPr>
+        </p:nvSpPr>
+        <p:spPr>
+          <a:xfrm>
+            <a:off x="685800" y="514350"/>
+            <a:ext cx="7772400" cy="857250"/>
+          </a:xfrm>
+        </p:spPr>
+        <p:txBody>
+          <a:bodyPr/>
+          <a:lstStyle/>
+          <a:p>
+            <a:pPr algn="ctr">
+              <a:lnSpc>
+                <a:spcPct val="0"/>
+              </a:lnSpc>
+            </a:pPr>
+            <a:r>
+              <a:rPr lang="en-US" dirty="0"/>
+              <a:t>Challenges and Future Improvements</a:t>
+            </a:r>
+          </a:p>
+        </p:txBody>
+      </p:sp>
+      <p:sp>
+        <p:nvSpPr>
+          <p:cNvPr id="9" name="Text Placeholder 1">
+            <a:extLst>
+              <a:ext uri="{FF2B5EF4-FFF2-40B4-BE49-F238E27FC236}">
+                <a16:creationId xmlns:a16="http://schemas.microsoft.com/office/drawing/2014/main" id="{E87B3DE3-E017-F6C0-0C20-FF9F919FB4DD}"/>
               </a:ext>
             </a:extLst>
           </p:cNvPr>
@@ -13367,21 +14968,30 @@
             <p:ph type="body" idx="1"/>
           </p:nvPr>
         </p:nvSpPr>
-        <p:spPr/>
+        <p:spPr>
+          <a:xfrm>
+            <a:off x="685800" y="1371600"/>
+            <a:ext cx="3810000" cy="479822"/>
+          </a:xfrm>
+        </p:spPr>
         <p:txBody>
-          <a:bodyPr/>
+          <a:bodyPr anchor="b" anchorCtr="0"/>
           <a:lstStyle/>
           <a:p>
-            <a:endParaRPr lang="en-US"/>
+            <a:pPr algn="ctr"/>
+            <a:r>
+              <a:rPr lang="en-US" dirty="0"/>
+              <a:t>Challenges Faced</a:t>
+            </a:r>
           </a:p>
         </p:txBody>
       </p:sp>
       <p:sp>
         <p:nvSpPr>
-          <p:cNvPr id="3" name="Text Placeholder 2">
+          <p:cNvPr id="10" name="Text Placeholder 2">
             <a:extLst>
               <a:ext uri="{FF2B5EF4-FFF2-40B4-BE49-F238E27FC236}">
-                <a16:creationId xmlns:a16="http://schemas.microsoft.com/office/drawing/2014/main" id="{13200426-52A6-23A6-07B9-AB000176B804}"/>
+                <a16:creationId xmlns:a16="http://schemas.microsoft.com/office/drawing/2014/main" id="{ACF19083-770A-13A7-336C-03C0A0AAD4C1}"/>
               </a:ext>
             </a:extLst>
           </p:cNvPr>
@@ -13392,46 +15002,56 @@
             <p:ph type="body" idx="2"/>
           </p:nvPr>
         </p:nvSpPr>
-        <p:spPr/>
+        <p:spPr>
+          <a:xfrm>
+            <a:off x="685799" y="1900238"/>
+            <a:ext cx="3810002" cy="2457450"/>
+          </a:xfrm>
+        </p:spPr>
         <p:txBody>
           <a:bodyPr/>
           <a:lstStyle/>
           <a:p>
-            <a:endParaRPr lang="en-US"/>
+            <a:pPr marL="196850" indent="0" algn="ctr">
+              <a:buNone/>
+            </a:pPr>
+            <a:endParaRPr lang="en-US" dirty="0"/>
+          </a:p>
+          <a:p>
+            <a:pPr marL="196850" indent="0" algn="ctr">
+              <a:buNone/>
+            </a:pPr>
+            <a:r>
+              <a:rPr lang="en-US" dirty="0"/>
+              <a:t>Data Imbalance</a:t>
+            </a:r>
+          </a:p>
+          <a:p>
+            <a:pPr marL="196850" indent="0" algn="ctr">
+              <a:buNone/>
+            </a:pPr>
+            <a:r>
+              <a:rPr lang="en-US" dirty="0"/>
+              <a:t>Ensuring Data Privacy</a:t>
+            </a:r>
+          </a:p>
+          <a:p>
+            <a:pPr marL="196850" indent="0" algn="ctr">
+              <a:buNone/>
+            </a:pPr>
+            <a:r>
+              <a:rPr lang="en-US" dirty="0"/>
+              <a:t>Scalability Concerns</a:t>
+            </a:r>
           </a:p>
         </p:txBody>
       </p:sp>
       <p:sp>
         <p:nvSpPr>
-          <p:cNvPr id="4" name="Title 3">
+          <p:cNvPr id="11" name="Text Placeholder 4">
             <a:extLst>
               <a:ext uri="{FF2B5EF4-FFF2-40B4-BE49-F238E27FC236}">
-                <a16:creationId xmlns:a16="http://schemas.microsoft.com/office/drawing/2014/main" id="{43B7B2EC-3083-E97A-29DF-C872DF65542D}"/>
-              </a:ext>
-            </a:extLst>
-          </p:cNvPr>
-          <p:cNvSpPr>
-            <a:spLocks noGrp="1"/>
-          </p:cNvSpPr>
-          <p:nvPr>
-            <p:ph type="title"/>
-          </p:nvPr>
-        </p:nvSpPr>
-        <p:spPr/>
-        <p:txBody>
-          <a:bodyPr/>
-          <a:lstStyle/>
-          <a:p>
-            <a:endParaRPr lang="en-US"/>
-          </a:p>
-        </p:txBody>
-      </p:sp>
-      <p:sp>
-        <p:nvSpPr>
-          <p:cNvPr id="5" name="Text Placeholder 4">
-            <a:extLst>
-              <a:ext uri="{FF2B5EF4-FFF2-40B4-BE49-F238E27FC236}">
-                <a16:creationId xmlns:a16="http://schemas.microsoft.com/office/drawing/2014/main" id="{5F624B42-30F5-0733-A68F-055F2538B507}"/>
+                <a16:creationId xmlns:a16="http://schemas.microsoft.com/office/drawing/2014/main" id="{BA2F6531-6D6A-8D82-43F1-9AB572AB757D}"/>
               </a:ext>
             </a:extLst>
           </p:cNvPr>
@@ -13442,21 +15062,30 @@
             <p:ph type="body" idx="3"/>
           </p:nvPr>
         </p:nvSpPr>
-        <p:spPr/>
+        <p:spPr>
+          <a:xfrm>
+            <a:off x="4648200" y="1371600"/>
+            <a:ext cx="3810000" cy="479822"/>
+          </a:xfrm>
+        </p:spPr>
         <p:txBody>
-          <a:bodyPr/>
+          <a:bodyPr anchor="b" anchorCtr="0"/>
           <a:lstStyle/>
           <a:p>
-            <a:endParaRPr lang="en-US"/>
+            <a:pPr algn="ctr"/>
+            <a:r>
+              <a:rPr lang="en-US" dirty="0"/>
+              <a:t>Future Work</a:t>
+            </a:r>
           </a:p>
         </p:txBody>
       </p:sp>
       <p:sp>
         <p:nvSpPr>
-          <p:cNvPr id="6" name="Text Placeholder 5">
+          <p:cNvPr id="12" name="Text Placeholder 5">
             <a:extLst>
               <a:ext uri="{FF2B5EF4-FFF2-40B4-BE49-F238E27FC236}">
-                <a16:creationId xmlns:a16="http://schemas.microsoft.com/office/drawing/2014/main" id="{073F78AB-7A1A-FC57-8BA5-DCDDE0D69B91}"/>
+                <a16:creationId xmlns:a16="http://schemas.microsoft.com/office/drawing/2014/main" id="{88E673EE-2942-DFC0-16F5-27849B713675}"/>
               </a:ext>
             </a:extLst>
           </p:cNvPr>
@@ -13467,12 +15096,48 @@
             <p:ph type="body" idx="4"/>
           </p:nvPr>
         </p:nvSpPr>
-        <p:spPr/>
+        <p:spPr>
+          <a:xfrm>
+            <a:off x="4570413" y="1900238"/>
+            <a:ext cx="3887788" cy="2457450"/>
+          </a:xfrm>
+        </p:spPr>
         <p:txBody>
           <a:bodyPr/>
           <a:lstStyle/>
           <a:p>
-            <a:endParaRPr lang="en-US"/>
+            <a:pPr marL="196850" indent="0" algn="ctr">
+              <a:buNone/>
+            </a:pPr>
+            <a:br>
+              <a:rPr lang="en-US" dirty="0"/>
+            </a:br>
+            <a:r>
+              <a:rPr lang="en-US" dirty="0"/>
+              <a:t>Implementing Explainable AI techniques</a:t>
+            </a:r>
+          </a:p>
+          <a:p>
+            <a:pPr marL="196850" indent="0" algn="ctr">
+              <a:buNone/>
+            </a:pPr>
+            <a:r>
+              <a:rPr lang="en-US" dirty="0"/>
+              <a:t>Integrating real-time data sources</a:t>
+            </a:r>
+          </a:p>
+          <a:p>
+            <a:pPr marL="196850" indent="0" algn="ctr">
+              <a:buNone/>
+            </a:pPr>
+            <a:r>
+              <a:rPr lang="en-US" dirty="0"/>
+              <a:t>Expanding to other chronic conditions</a:t>
+            </a:r>
+          </a:p>
+          <a:p>
+            <a:pPr algn="ctr"/>
+            <a:endParaRPr lang="en-US" dirty="0"/>
           </a:p>
         </p:txBody>
       </p:sp>
@@ -13508,60 +15173,339 @@
       </p:grpSpPr>
       <p:sp>
         <p:nvSpPr>
-          <p:cNvPr id="2" name="Text Placeholder 1">
+          <p:cNvPr id="7" name="Text Placeholder 2">
             <a:extLst>
               <a:ext uri="{FF2B5EF4-FFF2-40B4-BE49-F238E27FC236}">
-                <a16:creationId xmlns:a16="http://schemas.microsoft.com/office/drawing/2014/main" id="{E396E3F5-6F5E-3C79-5E4E-05752E284914}"/>
+                <a16:creationId xmlns:a16="http://schemas.microsoft.com/office/drawing/2014/main" id="{F91A56AF-8DC7-BDFF-B8A8-37976692F4E7}"/>
               </a:ext>
             </a:extLst>
           </p:cNvPr>
-          <p:cNvSpPr>
-            <a:spLocks noGrp="1"/>
+          <p:cNvSpPr txBox="1">
+            <a:spLocks/>
           </p:cNvSpPr>
-          <p:nvPr>
-            <p:ph type="body" idx="1"/>
-          </p:nvPr>
+          <p:nvPr/>
         </p:nvSpPr>
-        <p:spPr/>
+        <p:spPr>
+          <a:xfrm>
+            <a:off x="261594" y="1900238"/>
+            <a:ext cx="8620812" cy="2457450"/>
+          </a:xfrm>
+          <a:prstGeom prst="rect">
+            <a:avLst/>
+          </a:prstGeom>
+          <a:noFill/>
+          <a:ln>
+            <a:noFill/>
+          </a:ln>
+        </p:spPr>
         <p:txBody>
-          <a:bodyPr/>
-          <a:lstStyle/>
-          <a:p>
-            <a:endParaRPr lang="en-US"/>
+          <a:bodyPr spcFirstLastPara="1" wrap="square" lIns="0" tIns="0" rIns="0" bIns="0" anchor="t" anchorCtr="0">
+            <a:noAutofit/>
+          </a:bodyPr>
+          <a:lstStyle>
+            <a:defPPr marR="0" lvl="0" algn="l" rtl="0">
+              <a:lnSpc>
+                <a:spcPct val="100000"/>
+              </a:lnSpc>
+              <a:spcBef>
+                <a:spcPts val="0"/>
+              </a:spcBef>
+              <a:spcAft>
+                <a:spcPts val="0"/>
+              </a:spcAft>
+            </a:defPPr>
+            <a:lvl1pPr marL="457200" marR="0" lvl="0" indent="-260350" algn="l" rtl="0">
+              <a:lnSpc>
+                <a:spcPct val="116666"/>
+              </a:lnSpc>
+              <a:spcBef>
+                <a:spcPts val="0"/>
+              </a:spcBef>
+              <a:spcAft>
+                <a:spcPts val="0"/>
+              </a:spcAft>
+              <a:buClr>
+                <a:srgbClr val="173063"/>
+              </a:buClr>
+              <a:buSzPts val="500"/>
+              <a:buFont typeface="Merriweather Sans"/>
+              <a:buChar char=" "/>
+              <a:defRPr sz="1800" b="0" i="0" u="none" strike="noStrike" cap="none">
+                <a:solidFill>
+                  <a:srgbClr val="003B70"/>
+                </a:solidFill>
+                <a:latin typeface="Arial"/>
+                <a:ea typeface="Arial"/>
+                <a:cs typeface="Arial"/>
+                <a:sym typeface="Arial"/>
+              </a:defRPr>
+            </a:lvl1pPr>
+            <a:lvl2pPr marL="914400" marR="0" lvl="1" indent="-342900" algn="l" rtl="0">
+              <a:lnSpc>
+                <a:spcPct val="116666"/>
+              </a:lnSpc>
+              <a:spcBef>
+                <a:spcPts val="500"/>
+              </a:spcBef>
+              <a:spcAft>
+                <a:spcPts val="0"/>
+              </a:spcAft>
+              <a:buClr>
+                <a:srgbClr val="173063"/>
+              </a:buClr>
+              <a:buSzPts val="1800"/>
+              <a:buFont typeface="Arial"/>
+              <a:buChar char="•"/>
+              <a:defRPr sz="1800" b="0" i="0" u="none" strike="noStrike" cap="none">
+                <a:solidFill>
+                  <a:srgbClr val="003B70"/>
+                </a:solidFill>
+                <a:latin typeface="Arial"/>
+                <a:ea typeface="Arial"/>
+                <a:cs typeface="Arial"/>
+                <a:sym typeface="Arial"/>
+              </a:defRPr>
+            </a:lvl2pPr>
+            <a:lvl3pPr marL="1371600" marR="0" lvl="2" indent="-342900" algn="l" rtl="0">
+              <a:lnSpc>
+                <a:spcPct val="116666"/>
+              </a:lnSpc>
+              <a:spcBef>
+                <a:spcPts val="500"/>
+              </a:spcBef>
+              <a:spcAft>
+                <a:spcPts val="0"/>
+              </a:spcAft>
+              <a:buClr>
+                <a:srgbClr val="003B70"/>
+              </a:buClr>
+              <a:buSzPts val="1800"/>
+              <a:buFont typeface="Merriweather Sans"/>
+              <a:buChar char="-"/>
+              <a:defRPr sz="1800" b="0" i="0" u="none" strike="noStrike" cap="none">
+                <a:solidFill>
+                  <a:srgbClr val="003B70"/>
+                </a:solidFill>
+                <a:latin typeface="Arial"/>
+                <a:ea typeface="Arial"/>
+                <a:cs typeface="Arial"/>
+                <a:sym typeface="Arial"/>
+              </a:defRPr>
+            </a:lvl3pPr>
+            <a:lvl4pPr marL="1828800" marR="0" lvl="3" indent="-342900" algn="l" rtl="0">
+              <a:lnSpc>
+                <a:spcPct val="116666"/>
+              </a:lnSpc>
+              <a:spcBef>
+                <a:spcPts val="500"/>
+              </a:spcBef>
+              <a:spcAft>
+                <a:spcPts val="0"/>
+              </a:spcAft>
+              <a:buClr>
+                <a:srgbClr val="003B70"/>
+              </a:buClr>
+              <a:buSzPts val="1800"/>
+              <a:buFont typeface="Merriweather Sans"/>
+              <a:buChar char="-"/>
+              <a:defRPr sz="1800" b="0" i="0" u="none" strike="noStrike" cap="none">
+                <a:solidFill>
+                  <a:srgbClr val="003B70"/>
+                </a:solidFill>
+                <a:latin typeface="Arial"/>
+                <a:ea typeface="Arial"/>
+                <a:cs typeface="Arial"/>
+                <a:sym typeface="Arial"/>
+              </a:defRPr>
+            </a:lvl4pPr>
+            <a:lvl5pPr marL="2286000" marR="0" lvl="4" indent="-342900" algn="l" rtl="0">
+              <a:lnSpc>
+                <a:spcPct val="116666"/>
+              </a:lnSpc>
+              <a:spcBef>
+                <a:spcPts val="500"/>
+              </a:spcBef>
+              <a:spcAft>
+                <a:spcPts val="0"/>
+              </a:spcAft>
+              <a:buClr>
+                <a:srgbClr val="003B70"/>
+              </a:buClr>
+              <a:buSzPts val="1800"/>
+              <a:buFont typeface="Merriweather Sans"/>
+              <a:buChar char="-"/>
+              <a:defRPr sz="1800" b="0" i="0" u="none" strike="noStrike" cap="none">
+                <a:solidFill>
+                  <a:srgbClr val="003B70"/>
+                </a:solidFill>
+                <a:latin typeface="Arial"/>
+                <a:ea typeface="Arial"/>
+                <a:cs typeface="Arial"/>
+                <a:sym typeface="Arial"/>
+              </a:defRPr>
+            </a:lvl5pPr>
+            <a:lvl6pPr marL="2743200" marR="0" lvl="5" indent="-228600" algn="l" rtl="0">
+              <a:lnSpc>
+                <a:spcPct val="100000"/>
+              </a:lnSpc>
+              <a:spcBef>
+                <a:spcPts val="500"/>
+              </a:spcBef>
+              <a:spcAft>
+                <a:spcPts val="0"/>
+              </a:spcAft>
+              <a:buClr>
+                <a:srgbClr val="000000"/>
+              </a:buClr>
+              <a:buSzPts val="1100"/>
+              <a:buFont typeface="Arial"/>
+              <a:buNone/>
+              <a:defRPr sz="1200" b="0" i="0" u="none" strike="noStrike" cap="none">
+                <a:solidFill>
+                  <a:schemeClr val="dk1"/>
+                </a:solidFill>
+                <a:latin typeface="Arial"/>
+                <a:ea typeface="Arial"/>
+                <a:cs typeface="Arial"/>
+                <a:sym typeface="Arial"/>
+              </a:defRPr>
+            </a:lvl6pPr>
+            <a:lvl7pPr marL="3200400" marR="0" lvl="6" indent="-228600" algn="l" rtl="0">
+              <a:lnSpc>
+                <a:spcPct val="100000"/>
+              </a:lnSpc>
+              <a:spcBef>
+                <a:spcPts val="200"/>
+              </a:spcBef>
+              <a:spcAft>
+                <a:spcPts val="0"/>
+              </a:spcAft>
+              <a:buClr>
+                <a:srgbClr val="000000"/>
+              </a:buClr>
+              <a:buSzPts val="1100"/>
+              <a:buFont typeface="Arial"/>
+              <a:buNone/>
+              <a:defRPr sz="1200" b="0" i="0" u="none" strike="noStrike" cap="none">
+                <a:solidFill>
+                  <a:schemeClr val="dk1"/>
+                </a:solidFill>
+                <a:latin typeface="Arial"/>
+                <a:ea typeface="Arial"/>
+                <a:cs typeface="Arial"/>
+                <a:sym typeface="Arial"/>
+              </a:defRPr>
+            </a:lvl7pPr>
+            <a:lvl8pPr marL="3657600" marR="0" lvl="7" indent="-228600" algn="l" rtl="0">
+              <a:lnSpc>
+                <a:spcPct val="100000"/>
+              </a:lnSpc>
+              <a:spcBef>
+                <a:spcPts val="200"/>
+              </a:spcBef>
+              <a:spcAft>
+                <a:spcPts val="0"/>
+              </a:spcAft>
+              <a:buClr>
+                <a:srgbClr val="000000"/>
+              </a:buClr>
+              <a:buSzPts val="1100"/>
+              <a:buFont typeface="Arial"/>
+              <a:buNone/>
+              <a:defRPr sz="1200" b="0" i="0" u="none" strike="noStrike" cap="none">
+                <a:solidFill>
+                  <a:schemeClr val="dk1"/>
+                </a:solidFill>
+                <a:latin typeface="Arial"/>
+                <a:ea typeface="Arial"/>
+                <a:cs typeface="Arial"/>
+                <a:sym typeface="Arial"/>
+              </a:defRPr>
+            </a:lvl8pPr>
+            <a:lvl9pPr marL="4114800" marR="0" lvl="8" indent="-228600" algn="l" rtl="0">
+              <a:lnSpc>
+                <a:spcPct val="100000"/>
+              </a:lnSpc>
+              <a:spcBef>
+                <a:spcPts val="200"/>
+              </a:spcBef>
+              <a:spcAft>
+                <a:spcPts val="0"/>
+              </a:spcAft>
+              <a:buClr>
+                <a:srgbClr val="000000"/>
+              </a:buClr>
+              <a:buSzPts val="1100"/>
+              <a:buFont typeface="Arial"/>
+              <a:buNone/>
+              <a:defRPr sz="1200" b="0" i="0" u="none" strike="noStrike" cap="none">
+                <a:solidFill>
+                  <a:schemeClr val="dk1"/>
+                </a:solidFill>
+                <a:latin typeface="Arial"/>
+                <a:ea typeface="Arial"/>
+                <a:cs typeface="Arial"/>
+                <a:sym typeface="Arial"/>
+              </a:defRPr>
+            </a:lvl9pPr>
+          </a:lstStyle>
+          <a:p>
+            <a:pPr algn="ctr"/>
+            <a:endParaRPr lang="en-US" b="1" dirty="0"/>
+          </a:p>
+          <a:p>
+            <a:pPr algn="ctr"/>
+            <a:r>
+              <a:rPr lang="en-US" b="1" dirty="0"/>
+              <a:t>Data Privacy Compliance: </a:t>
+            </a:r>
+            <a:r>
+              <a:rPr lang="en-US" dirty="0"/>
+              <a:t>Adhering to HIPAA regulations</a:t>
+            </a:r>
+          </a:p>
+          <a:p>
+            <a:pPr algn="ctr"/>
+            <a:endParaRPr lang="en-US" dirty="0"/>
+          </a:p>
+          <a:p>
+            <a:pPr algn="ctr"/>
+            <a:r>
+              <a:rPr lang="en-US" b="1" dirty="0"/>
+              <a:t>Bias Mitigation: </a:t>
+            </a:r>
+            <a:r>
+              <a:rPr lang="en-US" dirty="0"/>
+              <a:t>Regular audits for fairness across demographics</a:t>
+            </a:r>
+          </a:p>
+          <a:p>
+            <a:pPr algn="ctr"/>
+            <a:endParaRPr lang="en-US" dirty="0"/>
+          </a:p>
+          <a:p>
+            <a:pPr algn="ctr"/>
+            <a:r>
+              <a:rPr lang="en-US" b="1" dirty="0"/>
+              <a:t>Transparency: </a:t>
+            </a:r>
+            <a:r>
+              <a:rPr lang="en-US" dirty="0"/>
+              <a:t>Providing insights into model decision-making</a:t>
+            </a:r>
+          </a:p>
+          <a:p>
+            <a:pPr algn="ctr"/>
+            <a:endParaRPr lang="en-US" dirty="0"/>
           </a:p>
         </p:txBody>
       </p:sp>
       <p:sp>
         <p:nvSpPr>
-          <p:cNvPr id="3" name="Text Placeholder 2">
+          <p:cNvPr id="8" name="Title 3">
             <a:extLst>
               <a:ext uri="{FF2B5EF4-FFF2-40B4-BE49-F238E27FC236}">
-                <a16:creationId xmlns:a16="http://schemas.microsoft.com/office/drawing/2014/main" id="{81059424-44D0-4584-FF2A-28657328A706}"/>
-              </a:ext>
-            </a:extLst>
-          </p:cNvPr>
-          <p:cNvSpPr>
-            <a:spLocks noGrp="1"/>
-          </p:cNvSpPr>
-          <p:nvPr>
-            <p:ph type="body" idx="2"/>
-          </p:nvPr>
-        </p:nvSpPr>
-        <p:spPr/>
-        <p:txBody>
-          <a:bodyPr/>
-          <a:lstStyle/>
-          <a:p>
-            <a:endParaRPr lang="en-US"/>
-          </a:p>
-        </p:txBody>
-      </p:sp>
-      <p:sp>
-        <p:nvSpPr>
-          <p:cNvPr id="4" name="Title 3">
-            <a:extLst>
-              <a:ext uri="{FF2B5EF4-FFF2-40B4-BE49-F238E27FC236}">
-                <a16:creationId xmlns:a16="http://schemas.microsoft.com/office/drawing/2014/main" id="{E8141034-84C5-5CF6-9E97-4BA355197E31}"/>
+                <a16:creationId xmlns:a16="http://schemas.microsoft.com/office/drawing/2014/main" id="{6764061A-3B0E-2479-8CA3-7BB9F8E511B4}"/>
               </a:ext>
             </a:extLst>
           </p:cNvPr>
@@ -13572,62 +15516,25 @@
             <p:ph type="title"/>
           </p:nvPr>
         </p:nvSpPr>
-        <p:spPr/>
+        <p:spPr>
+          <a:xfrm>
+            <a:off x="685800" y="514350"/>
+            <a:ext cx="7772400" cy="857250"/>
+          </a:xfrm>
+        </p:spPr>
         <p:txBody>
           <a:bodyPr/>
           <a:lstStyle/>
           <a:p>
-            <a:endParaRPr lang="en-US"/>
-          </a:p>
-        </p:txBody>
-      </p:sp>
-      <p:sp>
-        <p:nvSpPr>
-          <p:cNvPr id="5" name="Text Placeholder 4">
-            <a:extLst>
-              <a:ext uri="{FF2B5EF4-FFF2-40B4-BE49-F238E27FC236}">
-                <a16:creationId xmlns:a16="http://schemas.microsoft.com/office/drawing/2014/main" id="{009D661F-6339-5248-0D40-CFA344A1CAFE}"/>
-              </a:ext>
-            </a:extLst>
-          </p:cNvPr>
-          <p:cNvSpPr>
-            <a:spLocks noGrp="1"/>
-          </p:cNvSpPr>
-          <p:nvPr>
-            <p:ph type="body" idx="3"/>
-          </p:nvPr>
-        </p:nvSpPr>
-        <p:spPr/>
-        <p:txBody>
-          <a:bodyPr/>
-          <a:lstStyle/>
-          <a:p>
-            <a:endParaRPr lang="en-US"/>
-          </a:p>
-        </p:txBody>
-      </p:sp>
-      <p:sp>
-        <p:nvSpPr>
-          <p:cNvPr id="6" name="Text Placeholder 5">
-            <a:extLst>
-              <a:ext uri="{FF2B5EF4-FFF2-40B4-BE49-F238E27FC236}">
-                <a16:creationId xmlns:a16="http://schemas.microsoft.com/office/drawing/2014/main" id="{BAC21FAB-D91D-CEA8-98DA-217A42389A5A}"/>
-              </a:ext>
-            </a:extLst>
-          </p:cNvPr>
-          <p:cNvSpPr>
-            <a:spLocks noGrp="1"/>
-          </p:cNvSpPr>
-          <p:nvPr>
-            <p:ph type="body" idx="4"/>
-          </p:nvPr>
-        </p:nvSpPr>
-        <p:spPr/>
-        <p:txBody>
-          <a:bodyPr/>
-          <a:lstStyle/>
-          <a:p>
-            <a:endParaRPr lang="en-US"/>
+            <a:pPr algn="ctr">
+              <a:lnSpc>
+                <a:spcPct val="0"/>
+              </a:lnSpc>
+            </a:pPr>
+            <a:r>
+              <a:rPr lang="en-US" dirty="0"/>
+              <a:t>Ethical and Regulatory Considerations</a:t>
+            </a:r>
           </a:p>
         </p:txBody>
       </p:sp>
@@ -13663,31 +15570,6 @@
       </p:grpSpPr>
       <p:sp>
         <p:nvSpPr>
-          <p:cNvPr id="2" name="Text Placeholder 1">
-            <a:extLst>
-              <a:ext uri="{FF2B5EF4-FFF2-40B4-BE49-F238E27FC236}">
-                <a16:creationId xmlns:a16="http://schemas.microsoft.com/office/drawing/2014/main" id="{457DCFE2-5F0F-4CE7-34DE-497F83AF7F1E}"/>
-              </a:ext>
-            </a:extLst>
-          </p:cNvPr>
-          <p:cNvSpPr>
-            <a:spLocks noGrp="1"/>
-          </p:cNvSpPr>
-          <p:nvPr>
-            <p:ph type="body" idx="1"/>
-          </p:nvPr>
-        </p:nvSpPr>
-        <p:spPr/>
-        <p:txBody>
-          <a:bodyPr/>
-          <a:lstStyle/>
-          <a:p>
-            <a:endParaRPr lang="en-US"/>
-          </a:p>
-        </p:txBody>
-      </p:sp>
-      <p:sp>
-        <p:nvSpPr>
           <p:cNvPr id="3" name="Text Placeholder 2">
             <a:extLst>
               <a:ext uri="{FF2B5EF4-FFF2-40B4-BE49-F238E27FC236}">
@@ -13702,12 +15584,63 @@
             <p:ph type="body" idx="2"/>
           </p:nvPr>
         </p:nvSpPr>
-        <p:spPr/>
+        <p:spPr>
+          <a:xfrm>
+            <a:off x="261594" y="1900238"/>
+            <a:ext cx="8620812" cy="2457450"/>
+          </a:xfrm>
+        </p:spPr>
         <p:txBody>
           <a:bodyPr/>
           <a:lstStyle/>
           <a:p>
-            <a:endParaRPr lang="en-US"/>
+            <a:pPr algn="ctr"/>
+            <a:endParaRPr lang="en-US" b="1" dirty="0"/>
+          </a:p>
+          <a:p>
+            <a:pPr algn="ctr"/>
+            <a:r>
+              <a:rPr lang="en-US" b="1" dirty="0"/>
+              <a:t>Healthcare Challenge:</a:t>
+            </a:r>
+            <a:r>
+              <a:rPr lang="en-US" dirty="0"/>
+              <a:t> High Readmission Rates in Diabetic Patients</a:t>
+            </a:r>
+          </a:p>
+          <a:p>
+            <a:pPr algn="ctr"/>
+            <a:endParaRPr lang="en-US" dirty="0"/>
+          </a:p>
+          <a:p>
+            <a:pPr algn="ctr"/>
+            <a:r>
+              <a:rPr lang="en-US" b="1" dirty="0"/>
+              <a:t>Objective: </a:t>
+            </a:r>
+            <a:r>
+              <a:rPr lang="en-US" dirty="0"/>
+              <a:t>Predict 30-day readmission risk to enable proactive interventions</a:t>
+            </a:r>
+          </a:p>
+          <a:p>
+            <a:pPr algn="ctr"/>
+            <a:endParaRPr lang="en-US" dirty="0"/>
+          </a:p>
+          <a:p>
+            <a:pPr algn="ctr"/>
+            <a:r>
+              <a:rPr lang="en-US" b="1" dirty="0"/>
+              <a:t>Goal: </a:t>
+            </a:r>
+            <a:r>
+              <a:rPr lang="en-US" dirty="0"/>
+              <a:t>Reduce readmission rates and improve patient outcomes</a:t>
+            </a:r>
+          </a:p>
+          <a:p>
+            <a:pPr algn="ctr"/>
+            <a:endParaRPr lang="en-US" dirty="0"/>
           </a:p>
         </p:txBody>
       </p:sp>
@@ -13732,57 +15665,15 @@
           <a:bodyPr/>
           <a:lstStyle/>
           <a:p>
-            <a:endParaRPr lang="en-US"/>
-          </a:p>
-        </p:txBody>
-      </p:sp>
-      <p:sp>
-        <p:nvSpPr>
-          <p:cNvPr id="5" name="Text Placeholder 4">
-            <a:extLst>
-              <a:ext uri="{FF2B5EF4-FFF2-40B4-BE49-F238E27FC236}">
-                <a16:creationId xmlns:a16="http://schemas.microsoft.com/office/drawing/2014/main" id="{799F053A-9383-2DA1-5688-99524AABAE67}"/>
-              </a:ext>
-            </a:extLst>
-          </p:cNvPr>
-          <p:cNvSpPr>
-            <a:spLocks noGrp="1"/>
-          </p:cNvSpPr>
-          <p:nvPr>
-            <p:ph type="body" idx="3"/>
-          </p:nvPr>
-        </p:nvSpPr>
-        <p:spPr/>
-        <p:txBody>
-          <a:bodyPr/>
-          <a:lstStyle/>
-          <a:p>
-            <a:endParaRPr lang="en-US"/>
-          </a:p>
-        </p:txBody>
-      </p:sp>
-      <p:sp>
-        <p:nvSpPr>
-          <p:cNvPr id="6" name="Text Placeholder 5">
-            <a:extLst>
-              <a:ext uri="{FF2B5EF4-FFF2-40B4-BE49-F238E27FC236}">
-                <a16:creationId xmlns:a16="http://schemas.microsoft.com/office/drawing/2014/main" id="{43986A0E-B568-35F0-BAC1-ED37A4D982CC}"/>
-              </a:ext>
-            </a:extLst>
-          </p:cNvPr>
-          <p:cNvSpPr>
-            <a:spLocks noGrp="1"/>
-          </p:cNvSpPr>
-          <p:nvPr>
-            <p:ph type="body" idx="4"/>
-          </p:nvPr>
-        </p:nvSpPr>
-        <p:spPr/>
-        <p:txBody>
-          <a:bodyPr/>
-          <a:lstStyle/>
-          <a:p>
-            <a:endParaRPr lang="en-US"/>
+            <a:pPr algn="ctr">
+              <a:lnSpc>
+                <a:spcPct val="0"/>
+              </a:lnSpc>
+            </a:pPr>
+            <a:r>
+              <a:rPr lang="en-US" dirty="0"/>
+              <a:t>Introduction</a:t>
+            </a:r>
           </a:p>
         </p:txBody>
       </p:sp>
@@ -13818,60 +15709,338 @@
       </p:grpSpPr>
       <p:sp>
         <p:nvSpPr>
-          <p:cNvPr id="2" name="Text Placeholder 1">
+          <p:cNvPr id="7" name="Text Placeholder 2">
             <a:extLst>
               <a:ext uri="{FF2B5EF4-FFF2-40B4-BE49-F238E27FC236}">
-                <a16:creationId xmlns:a16="http://schemas.microsoft.com/office/drawing/2014/main" id="{AE807C4F-E4E1-A39D-5978-0A8DEF25B4A8}"/>
+                <a16:creationId xmlns:a16="http://schemas.microsoft.com/office/drawing/2014/main" id="{CFDD57C6-3BD8-7465-F12F-EF6DF0EAA896}"/>
               </a:ext>
             </a:extLst>
           </p:cNvPr>
-          <p:cNvSpPr>
-            <a:spLocks noGrp="1"/>
+          <p:cNvSpPr txBox="1">
+            <a:spLocks/>
           </p:cNvSpPr>
-          <p:nvPr>
-            <p:ph type="body" idx="1"/>
-          </p:nvPr>
+          <p:nvPr/>
         </p:nvSpPr>
-        <p:spPr/>
+        <p:spPr>
+          <a:xfrm>
+            <a:off x="261594" y="1900238"/>
+            <a:ext cx="8620812" cy="2457450"/>
+          </a:xfrm>
+          <a:prstGeom prst="rect">
+            <a:avLst/>
+          </a:prstGeom>
+          <a:noFill/>
+          <a:ln>
+            <a:noFill/>
+          </a:ln>
+        </p:spPr>
         <p:txBody>
-          <a:bodyPr/>
-          <a:lstStyle/>
-          <a:p>
-            <a:endParaRPr lang="en-US"/>
+          <a:bodyPr spcFirstLastPara="1" wrap="square" lIns="0" tIns="0" rIns="0" bIns="0" anchor="t" anchorCtr="0">
+            <a:noAutofit/>
+          </a:bodyPr>
+          <a:lstStyle>
+            <a:defPPr marR="0" lvl="0" algn="l" rtl="0">
+              <a:lnSpc>
+                <a:spcPct val="100000"/>
+              </a:lnSpc>
+              <a:spcBef>
+                <a:spcPts val="0"/>
+              </a:spcBef>
+              <a:spcAft>
+                <a:spcPts val="0"/>
+              </a:spcAft>
+            </a:defPPr>
+            <a:lvl1pPr marL="457200" marR="0" lvl="0" indent="-260350" algn="l" rtl="0">
+              <a:lnSpc>
+                <a:spcPct val="116666"/>
+              </a:lnSpc>
+              <a:spcBef>
+                <a:spcPts val="0"/>
+              </a:spcBef>
+              <a:spcAft>
+                <a:spcPts val="0"/>
+              </a:spcAft>
+              <a:buClr>
+                <a:srgbClr val="173063"/>
+              </a:buClr>
+              <a:buSzPts val="500"/>
+              <a:buFont typeface="Merriweather Sans"/>
+              <a:buChar char=" "/>
+              <a:defRPr sz="1800" b="0" i="0" u="none" strike="noStrike" cap="none">
+                <a:solidFill>
+                  <a:srgbClr val="003B70"/>
+                </a:solidFill>
+                <a:latin typeface="Arial"/>
+                <a:ea typeface="Arial"/>
+                <a:cs typeface="Arial"/>
+                <a:sym typeface="Arial"/>
+              </a:defRPr>
+            </a:lvl1pPr>
+            <a:lvl2pPr marL="914400" marR="0" lvl="1" indent="-342900" algn="l" rtl="0">
+              <a:lnSpc>
+                <a:spcPct val="116666"/>
+              </a:lnSpc>
+              <a:spcBef>
+                <a:spcPts val="500"/>
+              </a:spcBef>
+              <a:spcAft>
+                <a:spcPts val="0"/>
+              </a:spcAft>
+              <a:buClr>
+                <a:srgbClr val="173063"/>
+              </a:buClr>
+              <a:buSzPts val="1800"/>
+              <a:buFont typeface="Arial"/>
+              <a:buChar char="•"/>
+              <a:defRPr sz="1800" b="0" i="0" u="none" strike="noStrike" cap="none">
+                <a:solidFill>
+                  <a:srgbClr val="003B70"/>
+                </a:solidFill>
+                <a:latin typeface="Arial"/>
+                <a:ea typeface="Arial"/>
+                <a:cs typeface="Arial"/>
+                <a:sym typeface="Arial"/>
+              </a:defRPr>
+            </a:lvl2pPr>
+            <a:lvl3pPr marL="1371600" marR="0" lvl="2" indent="-342900" algn="l" rtl="0">
+              <a:lnSpc>
+                <a:spcPct val="116666"/>
+              </a:lnSpc>
+              <a:spcBef>
+                <a:spcPts val="500"/>
+              </a:spcBef>
+              <a:spcAft>
+                <a:spcPts val="0"/>
+              </a:spcAft>
+              <a:buClr>
+                <a:srgbClr val="003B70"/>
+              </a:buClr>
+              <a:buSzPts val="1800"/>
+              <a:buFont typeface="Merriweather Sans"/>
+              <a:buChar char="-"/>
+              <a:defRPr sz="1800" b="0" i="0" u="none" strike="noStrike" cap="none">
+                <a:solidFill>
+                  <a:srgbClr val="003B70"/>
+                </a:solidFill>
+                <a:latin typeface="Arial"/>
+                <a:ea typeface="Arial"/>
+                <a:cs typeface="Arial"/>
+                <a:sym typeface="Arial"/>
+              </a:defRPr>
+            </a:lvl3pPr>
+            <a:lvl4pPr marL="1828800" marR="0" lvl="3" indent="-342900" algn="l" rtl="0">
+              <a:lnSpc>
+                <a:spcPct val="116666"/>
+              </a:lnSpc>
+              <a:spcBef>
+                <a:spcPts val="500"/>
+              </a:spcBef>
+              <a:spcAft>
+                <a:spcPts val="0"/>
+              </a:spcAft>
+              <a:buClr>
+                <a:srgbClr val="003B70"/>
+              </a:buClr>
+              <a:buSzPts val="1800"/>
+              <a:buFont typeface="Merriweather Sans"/>
+              <a:buChar char="-"/>
+              <a:defRPr sz="1800" b="0" i="0" u="none" strike="noStrike" cap="none">
+                <a:solidFill>
+                  <a:srgbClr val="003B70"/>
+                </a:solidFill>
+                <a:latin typeface="Arial"/>
+                <a:ea typeface="Arial"/>
+                <a:cs typeface="Arial"/>
+                <a:sym typeface="Arial"/>
+              </a:defRPr>
+            </a:lvl4pPr>
+            <a:lvl5pPr marL="2286000" marR="0" lvl="4" indent="-342900" algn="l" rtl="0">
+              <a:lnSpc>
+                <a:spcPct val="116666"/>
+              </a:lnSpc>
+              <a:spcBef>
+                <a:spcPts val="500"/>
+              </a:spcBef>
+              <a:spcAft>
+                <a:spcPts val="0"/>
+              </a:spcAft>
+              <a:buClr>
+                <a:srgbClr val="003B70"/>
+              </a:buClr>
+              <a:buSzPts val="1800"/>
+              <a:buFont typeface="Merriweather Sans"/>
+              <a:buChar char="-"/>
+              <a:defRPr sz="1800" b="0" i="0" u="none" strike="noStrike" cap="none">
+                <a:solidFill>
+                  <a:srgbClr val="003B70"/>
+                </a:solidFill>
+                <a:latin typeface="Arial"/>
+                <a:ea typeface="Arial"/>
+                <a:cs typeface="Arial"/>
+                <a:sym typeface="Arial"/>
+              </a:defRPr>
+            </a:lvl5pPr>
+            <a:lvl6pPr marL="2743200" marR="0" lvl="5" indent="-228600" algn="l" rtl="0">
+              <a:lnSpc>
+                <a:spcPct val="100000"/>
+              </a:lnSpc>
+              <a:spcBef>
+                <a:spcPts val="500"/>
+              </a:spcBef>
+              <a:spcAft>
+                <a:spcPts val="0"/>
+              </a:spcAft>
+              <a:buClr>
+                <a:srgbClr val="000000"/>
+              </a:buClr>
+              <a:buSzPts val="1100"/>
+              <a:buFont typeface="Arial"/>
+              <a:buNone/>
+              <a:defRPr sz="1200" b="0" i="0" u="none" strike="noStrike" cap="none">
+                <a:solidFill>
+                  <a:schemeClr val="dk1"/>
+                </a:solidFill>
+                <a:latin typeface="Arial"/>
+                <a:ea typeface="Arial"/>
+                <a:cs typeface="Arial"/>
+                <a:sym typeface="Arial"/>
+              </a:defRPr>
+            </a:lvl6pPr>
+            <a:lvl7pPr marL="3200400" marR="0" lvl="6" indent="-228600" algn="l" rtl="0">
+              <a:lnSpc>
+                <a:spcPct val="100000"/>
+              </a:lnSpc>
+              <a:spcBef>
+                <a:spcPts val="200"/>
+              </a:spcBef>
+              <a:spcAft>
+                <a:spcPts val="0"/>
+              </a:spcAft>
+              <a:buClr>
+                <a:srgbClr val="000000"/>
+              </a:buClr>
+              <a:buSzPts val="1100"/>
+              <a:buFont typeface="Arial"/>
+              <a:buNone/>
+              <a:defRPr sz="1200" b="0" i="0" u="none" strike="noStrike" cap="none">
+                <a:solidFill>
+                  <a:schemeClr val="dk1"/>
+                </a:solidFill>
+                <a:latin typeface="Arial"/>
+                <a:ea typeface="Arial"/>
+                <a:cs typeface="Arial"/>
+                <a:sym typeface="Arial"/>
+              </a:defRPr>
+            </a:lvl7pPr>
+            <a:lvl8pPr marL="3657600" marR="0" lvl="7" indent="-228600" algn="l" rtl="0">
+              <a:lnSpc>
+                <a:spcPct val="100000"/>
+              </a:lnSpc>
+              <a:spcBef>
+                <a:spcPts val="200"/>
+              </a:spcBef>
+              <a:spcAft>
+                <a:spcPts val="0"/>
+              </a:spcAft>
+              <a:buClr>
+                <a:srgbClr val="000000"/>
+              </a:buClr>
+              <a:buSzPts val="1100"/>
+              <a:buFont typeface="Arial"/>
+              <a:buNone/>
+              <a:defRPr sz="1200" b="0" i="0" u="none" strike="noStrike" cap="none">
+                <a:solidFill>
+                  <a:schemeClr val="dk1"/>
+                </a:solidFill>
+                <a:latin typeface="Arial"/>
+                <a:ea typeface="Arial"/>
+                <a:cs typeface="Arial"/>
+                <a:sym typeface="Arial"/>
+              </a:defRPr>
+            </a:lvl8pPr>
+            <a:lvl9pPr marL="4114800" marR="0" lvl="8" indent="-228600" algn="l" rtl="0">
+              <a:lnSpc>
+                <a:spcPct val="100000"/>
+              </a:lnSpc>
+              <a:spcBef>
+                <a:spcPts val="200"/>
+              </a:spcBef>
+              <a:spcAft>
+                <a:spcPts val="0"/>
+              </a:spcAft>
+              <a:buClr>
+                <a:srgbClr val="000000"/>
+              </a:buClr>
+              <a:buSzPts val="1100"/>
+              <a:buFont typeface="Arial"/>
+              <a:buNone/>
+              <a:defRPr sz="1200" b="0" i="0" u="none" strike="noStrike" cap="none">
+                <a:solidFill>
+                  <a:schemeClr val="dk1"/>
+                </a:solidFill>
+                <a:latin typeface="Arial"/>
+                <a:ea typeface="Arial"/>
+                <a:cs typeface="Arial"/>
+                <a:sym typeface="Arial"/>
+              </a:defRPr>
+            </a:lvl9pPr>
+          </a:lstStyle>
+          <a:p>
+            <a:pPr algn="ctr"/>
+            <a:endParaRPr lang="en-US" b="1" dirty="0"/>
+          </a:p>
+          <a:p>
+            <a:pPr algn="ctr"/>
+            <a:r>
+              <a:rPr lang="en-US" b="1" dirty="0"/>
+              <a:t>Impact: </a:t>
+            </a:r>
+            <a:r>
+              <a:rPr lang="en-US" dirty="0"/>
+              <a:t>Enhancing healthcare through predictive analytics</a:t>
+            </a:r>
+          </a:p>
+          <a:p>
+            <a:endParaRPr lang="en-US" dirty="0"/>
+          </a:p>
+          <a:p>
+            <a:pPr algn="ctr"/>
+            <a:r>
+              <a:rPr lang="en-US" b="1" dirty="0"/>
+              <a:t>Scalability: </a:t>
+            </a:r>
+            <a:r>
+              <a:rPr lang="en-US" dirty="0"/>
+              <a:t>Architecture designed for growth</a:t>
+            </a:r>
+            <a:br>
+              <a:rPr lang="en-US" dirty="0"/>
+            </a:br>
+            <a:endParaRPr lang="en-US" dirty="0"/>
+          </a:p>
+          <a:p>
+            <a:pPr algn="ctr"/>
+            <a:r>
+              <a:rPr lang="en-US" b="1" dirty="0"/>
+              <a:t>Collaboration: </a:t>
+            </a:r>
+            <a:r>
+              <a:rPr lang="en-US" dirty="0"/>
+              <a:t>Emphasis on teamwork and continuous improvement</a:t>
+            </a:r>
+          </a:p>
+          <a:p>
+            <a:pPr algn="ctr"/>
+            <a:endParaRPr lang="en-US" dirty="0"/>
           </a:p>
         </p:txBody>
       </p:sp>
       <p:sp>
         <p:nvSpPr>
-          <p:cNvPr id="3" name="Text Placeholder 2">
+          <p:cNvPr id="8" name="Title 3">
             <a:extLst>
               <a:ext uri="{FF2B5EF4-FFF2-40B4-BE49-F238E27FC236}">
-                <a16:creationId xmlns:a16="http://schemas.microsoft.com/office/drawing/2014/main" id="{6E3C6661-F903-5195-CAB7-CA4B944E40FF}"/>
-              </a:ext>
-            </a:extLst>
-          </p:cNvPr>
-          <p:cNvSpPr>
-            <a:spLocks noGrp="1"/>
-          </p:cNvSpPr>
-          <p:nvPr>
-            <p:ph type="body" idx="2"/>
-          </p:nvPr>
-        </p:nvSpPr>
-        <p:spPr/>
-        <p:txBody>
-          <a:bodyPr/>
-          <a:lstStyle/>
-          <a:p>
-            <a:endParaRPr lang="en-US"/>
-          </a:p>
-        </p:txBody>
-      </p:sp>
-      <p:sp>
-        <p:nvSpPr>
-          <p:cNvPr id="4" name="Title 3">
-            <a:extLst>
-              <a:ext uri="{FF2B5EF4-FFF2-40B4-BE49-F238E27FC236}">
-                <a16:creationId xmlns:a16="http://schemas.microsoft.com/office/drawing/2014/main" id="{AAA26277-F515-83C4-5CAE-73F1E93FE1FB}"/>
+                <a16:creationId xmlns:a16="http://schemas.microsoft.com/office/drawing/2014/main" id="{DA05B84E-5506-14A0-2D20-4E17F864A17B}"/>
               </a:ext>
             </a:extLst>
           </p:cNvPr>
@@ -13882,62 +16051,25 @@
             <p:ph type="title"/>
           </p:nvPr>
         </p:nvSpPr>
-        <p:spPr/>
+        <p:spPr>
+          <a:xfrm>
+            <a:off x="685800" y="514350"/>
+            <a:ext cx="7772400" cy="857250"/>
+          </a:xfrm>
+        </p:spPr>
         <p:txBody>
           <a:bodyPr/>
           <a:lstStyle/>
           <a:p>
-            <a:endParaRPr lang="en-US"/>
-          </a:p>
-        </p:txBody>
-      </p:sp>
-      <p:sp>
-        <p:nvSpPr>
-          <p:cNvPr id="5" name="Text Placeholder 4">
-            <a:extLst>
-              <a:ext uri="{FF2B5EF4-FFF2-40B4-BE49-F238E27FC236}">
-                <a16:creationId xmlns:a16="http://schemas.microsoft.com/office/drawing/2014/main" id="{9D7932D3-8E1C-7318-64CB-BF39471F9243}"/>
-              </a:ext>
-            </a:extLst>
-          </p:cNvPr>
-          <p:cNvSpPr>
-            <a:spLocks noGrp="1"/>
-          </p:cNvSpPr>
-          <p:nvPr>
-            <p:ph type="body" idx="3"/>
-          </p:nvPr>
-        </p:nvSpPr>
-        <p:spPr/>
-        <p:txBody>
-          <a:bodyPr/>
-          <a:lstStyle/>
-          <a:p>
-            <a:endParaRPr lang="en-US"/>
-          </a:p>
-        </p:txBody>
-      </p:sp>
-      <p:sp>
-        <p:nvSpPr>
-          <p:cNvPr id="6" name="Text Placeholder 5">
-            <a:extLst>
-              <a:ext uri="{FF2B5EF4-FFF2-40B4-BE49-F238E27FC236}">
-                <a16:creationId xmlns:a16="http://schemas.microsoft.com/office/drawing/2014/main" id="{8D4343EC-844C-583B-83FD-26321A6ECCCC}"/>
-              </a:ext>
-            </a:extLst>
-          </p:cNvPr>
-          <p:cNvSpPr>
-            <a:spLocks noGrp="1"/>
-          </p:cNvSpPr>
-          <p:nvPr>
-            <p:ph type="body" idx="4"/>
-          </p:nvPr>
-        </p:nvSpPr>
-        <p:spPr/>
-        <p:txBody>
-          <a:bodyPr/>
-          <a:lstStyle/>
-          <a:p>
-            <a:endParaRPr lang="en-US"/>
+            <a:pPr algn="ctr">
+              <a:lnSpc>
+                <a:spcPct val="0"/>
+              </a:lnSpc>
+            </a:pPr>
+            <a:r>
+              <a:rPr lang="en-US" dirty="0"/>
+              <a:t>Conclusion</a:t>
+            </a:r>
           </a:p>
         </p:txBody>
       </p:sp>
@@ -13959,7 +16091,13 @@
   <p:cSld>
     <p:spTree>
       <p:nvGrpSpPr>
-        <p:cNvPr id="1" name=""/>
+        <p:cNvPr id="1" name="">
+          <a:extLst>
+            <a:ext uri="{FF2B5EF4-FFF2-40B4-BE49-F238E27FC236}">
+              <a16:creationId xmlns:a16="http://schemas.microsoft.com/office/drawing/2014/main" id="{9CFC7F22-7415-FDA4-49DE-11733E5AA8D2}"/>
+            </a:ext>
+          </a:extLst>
+        </p:cNvPr>
         <p:cNvGrpSpPr/>
         <p:nvPr/>
       </p:nvGrpSpPr>
@@ -13973,10 +16111,336 @@
       </p:grpSpPr>
       <p:sp>
         <p:nvSpPr>
-          <p:cNvPr id="2" name="Text Placeholder 1">
+          <p:cNvPr id="7" name="Text Placeholder 2">
             <a:extLst>
               <a:ext uri="{FF2B5EF4-FFF2-40B4-BE49-F238E27FC236}">
-                <a16:creationId xmlns:a16="http://schemas.microsoft.com/office/drawing/2014/main" id="{45622A1C-8B83-F37F-B0AD-101810B377B7}"/>
+                <a16:creationId xmlns:a16="http://schemas.microsoft.com/office/drawing/2014/main" id="{D4283FCB-6E4A-5F84-71D5-B5E858BE33AA}"/>
+              </a:ext>
+            </a:extLst>
+          </p:cNvPr>
+          <p:cNvSpPr txBox="1">
+            <a:spLocks/>
+          </p:cNvSpPr>
+          <p:nvPr/>
+        </p:nvSpPr>
+        <p:spPr>
+          <a:xfrm>
+            <a:off x="261594" y="1900238"/>
+            <a:ext cx="8620812" cy="2457450"/>
+          </a:xfrm>
+          <a:prstGeom prst="rect">
+            <a:avLst/>
+          </a:prstGeom>
+          <a:noFill/>
+          <a:ln>
+            <a:noFill/>
+          </a:ln>
+        </p:spPr>
+        <p:txBody>
+          <a:bodyPr spcFirstLastPara="1" wrap="square" lIns="0" tIns="0" rIns="0" bIns="0" anchor="t" anchorCtr="0">
+            <a:noAutofit/>
+          </a:bodyPr>
+          <a:lstStyle>
+            <a:defPPr marR="0" lvl="0" algn="l" rtl="0">
+              <a:lnSpc>
+                <a:spcPct val="100000"/>
+              </a:lnSpc>
+              <a:spcBef>
+                <a:spcPts val="0"/>
+              </a:spcBef>
+              <a:spcAft>
+                <a:spcPts val="0"/>
+              </a:spcAft>
+            </a:defPPr>
+            <a:lvl1pPr marL="457200" marR="0" lvl="0" indent="-260350" algn="l" rtl="0">
+              <a:lnSpc>
+                <a:spcPct val="116666"/>
+              </a:lnSpc>
+              <a:spcBef>
+                <a:spcPts val="0"/>
+              </a:spcBef>
+              <a:spcAft>
+                <a:spcPts val="0"/>
+              </a:spcAft>
+              <a:buClr>
+                <a:srgbClr val="173063"/>
+              </a:buClr>
+              <a:buSzPts val="500"/>
+              <a:buFont typeface="Merriweather Sans"/>
+              <a:buChar char=" "/>
+              <a:defRPr sz="1800" b="0" i="0" u="none" strike="noStrike" cap="none">
+                <a:solidFill>
+                  <a:srgbClr val="003B70"/>
+                </a:solidFill>
+                <a:latin typeface="Arial"/>
+                <a:ea typeface="Arial"/>
+                <a:cs typeface="Arial"/>
+                <a:sym typeface="Arial"/>
+              </a:defRPr>
+            </a:lvl1pPr>
+            <a:lvl2pPr marL="914400" marR="0" lvl="1" indent="-342900" algn="l" rtl="0">
+              <a:lnSpc>
+                <a:spcPct val="116666"/>
+              </a:lnSpc>
+              <a:spcBef>
+                <a:spcPts val="500"/>
+              </a:spcBef>
+              <a:spcAft>
+                <a:spcPts val="0"/>
+              </a:spcAft>
+              <a:buClr>
+                <a:srgbClr val="173063"/>
+              </a:buClr>
+              <a:buSzPts val="1800"/>
+              <a:buFont typeface="Arial"/>
+              <a:buChar char="•"/>
+              <a:defRPr sz="1800" b="0" i="0" u="none" strike="noStrike" cap="none">
+                <a:solidFill>
+                  <a:srgbClr val="003B70"/>
+                </a:solidFill>
+                <a:latin typeface="Arial"/>
+                <a:ea typeface="Arial"/>
+                <a:cs typeface="Arial"/>
+                <a:sym typeface="Arial"/>
+              </a:defRPr>
+            </a:lvl2pPr>
+            <a:lvl3pPr marL="1371600" marR="0" lvl="2" indent="-342900" algn="l" rtl="0">
+              <a:lnSpc>
+                <a:spcPct val="116666"/>
+              </a:lnSpc>
+              <a:spcBef>
+                <a:spcPts val="500"/>
+              </a:spcBef>
+              <a:spcAft>
+                <a:spcPts val="0"/>
+              </a:spcAft>
+              <a:buClr>
+                <a:srgbClr val="003B70"/>
+              </a:buClr>
+              <a:buSzPts val="1800"/>
+              <a:buFont typeface="Merriweather Sans"/>
+              <a:buChar char="-"/>
+              <a:defRPr sz="1800" b="0" i="0" u="none" strike="noStrike" cap="none">
+                <a:solidFill>
+                  <a:srgbClr val="003B70"/>
+                </a:solidFill>
+                <a:latin typeface="Arial"/>
+                <a:ea typeface="Arial"/>
+                <a:cs typeface="Arial"/>
+                <a:sym typeface="Arial"/>
+              </a:defRPr>
+            </a:lvl3pPr>
+            <a:lvl4pPr marL="1828800" marR="0" lvl="3" indent="-342900" algn="l" rtl="0">
+              <a:lnSpc>
+                <a:spcPct val="116666"/>
+              </a:lnSpc>
+              <a:spcBef>
+                <a:spcPts val="500"/>
+              </a:spcBef>
+              <a:spcAft>
+                <a:spcPts val="0"/>
+              </a:spcAft>
+              <a:buClr>
+                <a:srgbClr val="003B70"/>
+              </a:buClr>
+              <a:buSzPts val="1800"/>
+              <a:buFont typeface="Merriweather Sans"/>
+              <a:buChar char="-"/>
+              <a:defRPr sz="1800" b="0" i="0" u="none" strike="noStrike" cap="none">
+                <a:solidFill>
+                  <a:srgbClr val="003B70"/>
+                </a:solidFill>
+                <a:latin typeface="Arial"/>
+                <a:ea typeface="Arial"/>
+                <a:cs typeface="Arial"/>
+                <a:sym typeface="Arial"/>
+              </a:defRPr>
+            </a:lvl4pPr>
+            <a:lvl5pPr marL="2286000" marR="0" lvl="4" indent="-342900" algn="l" rtl="0">
+              <a:lnSpc>
+                <a:spcPct val="116666"/>
+              </a:lnSpc>
+              <a:spcBef>
+                <a:spcPts val="500"/>
+              </a:spcBef>
+              <a:spcAft>
+                <a:spcPts val="0"/>
+              </a:spcAft>
+              <a:buClr>
+                <a:srgbClr val="003B70"/>
+              </a:buClr>
+              <a:buSzPts val="1800"/>
+              <a:buFont typeface="Merriweather Sans"/>
+              <a:buChar char="-"/>
+              <a:defRPr sz="1800" b="0" i="0" u="none" strike="noStrike" cap="none">
+                <a:solidFill>
+                  <a:srgbClr val="003B70"/>
+                </a:solidFill>
+                <a:latin typeface="Arial"/>
+                <a:ea typeface="Arial"/>
+                <a:cs typeface="Arial"/>
+                <a:sym typeface="Arial"/>
+              </a:defRPr>
+            </a:lvl5pPr>
+            <a:lvl6pPr marL="2743200" marR="0" lvl="5" indent="-228600" algn="l" rtl="0">
+              <a:lnSpc>
+                <a:spcPct val="100000"/>
+              </a:lnSpc>
+              <a:spcBef>
+                <a:spcPts val="500"/>
+              </a:spcBef>
+              <a:spcAft>
+                <a:spcPts val="0"/>
+              </a:spcAft>
+              <a:buClr>
+                <a:srgbClr val="000000"/>
+              </a:buClr>
+              <a:buSzPts val="1100"/>
+              <a:buFont typeface="Arial"/>
+              <a:buNone/>
+              <a:defRPr sz="1200" b="0" i="0" u="none" strike="noStrike" cap="none">
+                <a:solidFill>
+                  <a:schemeClr val="dk1"/>
+                </a:solidFill>
+                <a:latin typeface="Arial"/>
+                <a:ea typeface="Arial"/>
+                <a:cs typeface="Arial"/>
+                <a:sym typeface="Arial"/>
+              </a:defRPr>
+            </a:lvl6pPr>
+            <a:lvl7pPr marL="3200400" marR="0" lvl="6" indent="-228600" algn="l" rtl="0">
+              <a:lnSpc>
+                <a:spcPct val="100000"/>
+              </a:lnSpc>
+              <a:spcBef>
+                <a:spcPts val="200"/>
+              </a:spcBef>
+              <a:spcAft>
+                <a:spcPts val="0"/>
+              </a:spcAft>
+              <a:buClr>
+                <a:srgbClr val="000000"/>
+              </a:buClr>
+              <a:buSzPts val="1100"/>
+              <a:buFont typeface="Arial"/>
+              <a:buNone/>
+              <a:defRPr sz="1200" b="0" i="0" u="none" strike="noStrike" cap="none">
+                <a:solidFill>
+                  <a:schemeClr val="dk1"/>
+                </a:solidFill>
+                <a:latin typeface="Arial"/>
+                <a:ea typeface="Arial"/>
+                <a:cs typeface="Arial"/>
+                <a:sym typeface="Arial"/>
+              </a:defRPr>
+            </a:lvl7pPr>
+            <a:lvl8pPr marL="3657600" marR="0" lvl="7" indent="-228600" algn="l" rtl="0">
+              <a:lnSpc>
+                <a:spcPct val="100000"/>
+              </a:lnSpc>
+              <a:spcBef>
+                <a:spcPts val="200"/>
+              </a:spcBef>
+              <a:spcAft>
+                <a:spcPts val="0"/>
+              </a:spcAft>
+              <a:buClr>
+                <a:srgbClr val="000000"/>
+              </a:buClr>
+              <a:buSzPts val="1100"/>
+              <a:buFont typeface="Arial"/>
+              <a:buNone/>
+              <a:defRPr sz="1200" b="0" i="0" u="none" strike="noStrike" cap="none">
+                <a:solidFill>
+                  <a:schemeClr val="dk1"/>
+                </a:solidFill>
+                <a:latin typeface="Arial"/>
+                <a:ea typeface="Arial"/>
+                <a:cs typeface="Arial"/>
+                <a:sym typeface="Arial"/>
+              </a:defRPr>
+            </a:lvl8pPr>
+            <a:lvl9pPr marL="4114800" marR="0" lvl="8" indent="-228600" algn="l" rtl="0">
+              <a:lnSpc>
+                <a:spcPct val="100000"/>
+              </a:lnSpc>
+              <a:spcBef>
+                <a:spcPts val="200"/>
+              </a:spcBef>
+              <a:spcAft>
+                <a:spcPts val="0"/>
+              </a:spcAft>
+              <a:buClr>
+                <a:srgbClr val="000000"/>
+              </a:buClr>
+              <a:buSzPts val="1100"/>
+              <a:buFont typeface="Arial"/>
+              <a:buNone/>
+              <a:defRPr sz="1200" b="0" i="0" u="none" strike="noStrike" cap="none">
+                <a:solidFill>
+                  <a:schemeClr val="dk1"/>
+                </a:solidFill>
+                <a:latin typeface="Arial"/>
+                <a:ea typeface="Arial"/>
+                <a:cs typeface="Arial"/>
+                <a:sym typeface="Arial"/>
+              </a:defRPr>
+            </a:lvl9pPr>
+          </a:lstStyle>
+          <a:p>
+            <a:pPr marL="196850" indent="0" algn="ctr">
+              <a:buNone/>
+            </a:pPr>
+            <a:br>
+              <a:rPr lang="en-US" b="1" dirty="0"/>
+            </a:br>
+            <a:r>
+              <a:rPr lang="en-US" b="1" dirty="0"/>
+              <a:t>Questions and Discussion</a:t>
+            </a:r>
+            <a:br>
+              <a:rPr lang="en-US" b="1" dirty="0"/>
+            </a:br>
+            <a:endParaRPr lang="en-US" b="1" dirty="0"/>
+          </a:p>
+          <a:p>
+            <a:pPr marL="196850" indent="0" algn="ctr">
+              <a:buNone/>
+            </a:pPr>
+            <a:r>
+              <a:rPr lang="en-US" dirty="0"/>
+              <a:t>File an Issue at our GitHub Repository:</a:t>
+            </a:r>
+            <a:br>
+              <a:rPr lang="en-US" dirty="0"/>
+            </a:br>
+            <a:r>
+              <a:rPr lang="en-US" dirty="0"/>
+              <a:t> </a:t>
+            </a:r>
+            <a:r>
+              <a:rPr lang="en-US" dirty="0">
+                <a:hlinkClick r:id="rId3"/>
+              </a:rPr>
+              <a:t>https://github.com/aai540-group3/project</a:t>
+            </a:r>
+            <a:r>
+              <a:rPr lang="en-US" dirty="0"/>
+              <a:t> </a:t>
+            </a:r>
+            <a:br>
+              <a:rPr lang="en-US" dirty="0"/>
+            </a:br>
+            <a:endParaRPr lang="en-US" dirty="0"/>
+          </a:p>
+        </p:txBody>
+      </p:sp>
+      <p:sp>
+        <p:nvSpPr>
+          <p:cNvPr id="8" name="Title 3">
+            <a:extLst>
+              <a:ext uri="{FF2B5EF4-FFF2-40B4-BE49-F238E27FC236}">
+                <a16:creationId xmlns:a16="http://schemas.microsoft.com/office/drawing/2014/main" id="{4EF1F6AC-E973-8879-957B-080ECEFBCE7A}"/>
               </a:ext>
             </a:extLst>
           </p:cNvPr>
@@ -13984,24 +16448,73 @@
             <a:spLocks noGrp="1"/>
           </p:cNvSpPr>
           <p:nvPr>
-            <p:ph type="body" idx="1"/>
+            <p:ph type="title"/>
           </p:nvPr>
         </p:nvSpPr>
-        <p:spPr/>
+        <p:spPr>
+          <a:xfrm>
+            <a:off x="685800" y="514350"/>
+            <a:ext cx="7772400" cy="857250"/>
+          </a:xfrm>
+        </p:spPr>
         <p:txBody>
           <a:bodyPr/>
           <a:lstStyle/>
           <a:p>
-            <a:endParaRPr lang="en-US"/>
+            <a:pPr algn="ctr">
+              <a:lnSpc>
+                <a:spcPct val="0"/>
+              </a:lnSpc>
+            </a:pPr>
+            <a:r>
+              <a:rPr lang="en-US" dirty="0"/>
+              <a:t>Thank You</a:t>
+            </a:r>
           </a:p>
         </p:txBody>
       </p:sp>
+    </p:spTree>
+    <p:extLst>
+      <p:ext uri="{BB962C8B-B14F-4D97-AF65-F5344CB8AC3E}">
+        <p14:creationId xmlns:p14="http://schemas.microsoft.com/office/powerpoint/2010/main" val="3405942255"/>
+      </p:ext>
+    </p:extLst>
+  </p:cSld>
+  <p:clrMapOvr>
+    <a:masterClrMapping/>
+  </p:clrMapOvr>
+</p:sld>
+</file>
+
+<file path=ppt/slides/slide3.xml><?xml version="1.0" encoding="utf-8"?>
+<p:sld xmlns:a="http://schemas.openxmlformats.org/drawingml/2006/main" xmlns:r="http://schemas.openxmlformats.org/officeDocument/2006/relationships" xmlns:p="http://schemas.openxmlformats.org/presentationml/2006/main">
+  <p:cSld>
+    <p:spTree>
+      <p:nvGrpSpPr>
+        <p:cNvPr id="1" name="">
+          <a:extLst>
+            <a:ext uri="{FF2B5EF4-FFF2-40B4-BE49-F238E27FC236}">
+              <a16:creationId xmlns:a16="http://schemas.microsoft.com/office/drawing/2014/main" id="{43091365-B5C9-854C-4446-C8D9D3646E35}"/>
+            </a:ext>
+          </a:extLst>
+        </p:cNvPr>
+        <p:cNvGrpSpPr/>
+        <p:nvPr/>
+      </p:nvGrpSpPr>
+      <p:grpSpPr>
+        <a:xfrm>
+          <a:off x="0" y="0"/>
+          <a:ext cx="0" cy="0"/>
+          <a:chOff x="0" y="0"/>
+          <a:chExt cx="0" cy="0"/>
+        </a:xfrm>
+      </p:grpSpPr>
       <p:sp>
         <p:nvSpPr>
           <p:cNvPr id="3" name="Text Placeholder 2">
             <a:extLst>
               <a:ext uri="{FF2B5EF4-FFF2-40B4-BE49-F238E27FC236}">
-                <a16:creationId xmlns:a16="http://schemas.microsoft.com/office/drawing/2014/main" id="{6A61CDEC-BD3F-66AA-AD6D-09DF046DFA34}"/>
+                <a16:creationId xmlns:a16="http://schemas.microsoft.com/office/drawing/2014/main" id="{2F0EE6CD-7D56-8810-CC79-89BE48DC8995}"/>
               </a:ext>
             </a:extLst>
           </p:cNvPr>
@@ -14012,12 +16525,61 @@
             <p:ph type="body" idx="2"/>
           </p:nvPr>
         </p:nvSpPr>
-        <p:spPr/>
+        <p:spPr>
+          <a:xfrm>
+            <a:off x="261594" y="1900238"/>
+            <a:ext cx="8620812" cy="2457450"/>
+          </a:xfrm>
+        </p:spPr>
         <p:txBody>
           <a:bodyPr/>
           <a:lstStyle/>
           <a:p>
-            <a:endParaRPr lang="en-US"/>
+            <a:pPr algn="ctr"/>
+            <a:endParaRPr lang="en-US" b="1" dirty="0"/>
+          </a:p>
+          <a:p>
+            <a:pPr algn="ctr"/>
+            <a:r>
+              <a:rPr lang="en-US" b="1" dirty="0"/>
+              <a:t>Financial Impact: </a:t>
+            </a:r>
+            <a:r>
+              <a:rPr lang="en-US" dirty="0"/>
+              <a:t>High costs associated with readmissions</a:t>
+            </a:r>
+          </a:p>
+          <a:p>
+            <a:endParaRPr lang="en-US" dirty="0"/>
+          </a:p>
+          <a:p>
+            <a:pPr algn="ctr"/>
+            <a:r>
+              <a:rPr lang="en-US" b="1" dirty="0"/>
+              <a:t>Patient Impact: </a:t>
+            </a:r>
+            <a:r>
+              <a:rPr lang="en-US" dirty="0"/>
+              <a:t>Negative effects on health and quality of life</a:t>
+            </a:r>
+          </a:p>
+          <a:p>
+            <a:endParaRPr lang="en-US" dirty="0"/>
+          </a:p>
+          <a:p>
+            <a:pPr algn="ctr"/>
+            <a:r>
+              <a:rPr lang="en-US" b="1" dirty="0"/>
+              <a:t>Solution: </a:t>
+            </a:r>
+            <a:r>
+              <a:rPr lang="en-US" dirty="0"/>
+              <a:t>Machine learning system to identify high-risk patients</a:t>
+            </a:r>
+          </a:p>
+          <a:p>
+            <a:pPr algn="ctr"/>
+            <a:endParaRPr lang="en-US" dirty="0"/>
           </a:p>
         </p:txBody>
       </p:sp>
@@ -14026,7 +16588,7 @@
           <p:cNvPr id="4" name="Title 3">
             <a:extLst>
               <a:ext uri="{FF2B5EF4-FFF2-40B4-BE49-F238E27FC236}">
-                <a16:creationId xmlns:a16="http://schemas.microsoft.com/office/drawing/2014/main" id="{C0575282-385F-CBC6-F435-7313C3D683F2}"/>
+                <a16:creationId xmlns:a16="http://schemas.microsoft.com/office/drawing/2014/main" id="{0A6322C6-7BFF-9A72-78E1-24062B8C26AE}"/>
               </a:ext>
             </a:extLst>
           </p:cNvPr>
@@ -14042,219 +16604,22 @@
           <a:bodyPr/>
           <a:lstStyle/>
           <a:p>
-            <a:endParaRPr lang="en-US"/>
-          </a:p>
-        </p:txBody>
-      </p:sp>
-      <p:sp>
-        <p:nvSpPr>
-          <p:cNvPr id="5" name="Text Placeholder 4">
-            <a:extLst>
-              <a:ext uri="{FF2B5EF4-FFF2-40B4-BE49-F238E27FC236}">
-                <a16:creationId xmlns:a16="http://schemas.microsoft.com/office/drawing/2014/main" id="{95A78686-9DDF-5D95-4E34-30222EAFE668}"/>
-              </a:ext>
-            </a:extLst>
-          </p:cNvPr>
-          <p:cNvSpPr>
-            <a:spLocks noGrp="1"/>
-          </p:cNvSpPr>
-          <p:nvPr>
-            <p:ph type="body" idx="3"/>
-          </p:nvPr>
-        </p:nvSpPr>
-        <p:spPr/>
-        <p:txBody>
-          <a:bodyPr/>
-          <a:lstStyle/>
-          <a:p>
-            <a:endParaRPr lang="en-US"/>
-          </a:p>
-        </p:txBody>
-      </p:sp>
-      <p:sp>
-        <p:nvSpPr>
-          <p:cNvPr id="6" name="Text Placeholder 5">
-            <a:extLst>
-              <a:ext uri="{FF2B5EF4-FFF2-40B4-BE49-F238E27FC236}">
-                <a16:creationId xmlns:a16="http://schemas.microsoft.com/office/drawing/2014/main" id="{330C9B3C-072F-FC89-A222-A9C4C7605727}"/>
-              </a:ext>
-            </a:extLst>
-          </p:cNvPr>
-          <p:cNvSpPr>
-            <a:spLocks noGrp="1"/>
-          </p:cNvSpPr>
-          <p:nvPr>
-            <p:ph type="body" idx="4"/>
-          </p:nvPr>
-        </p:nvSpPr>
-        <p:spPr/>
-        <p:txBody>
-          <a:bodyPr/>
-          <a:lstStyle/>
-          <a:p>
-            <a:endParaRPr lang="en-US"/>
+            <a:pPr algn="ctr">
+              <a:lnSpc>
+                <a:spcPct val="0"/>
+              </a:lnSpc>
+            </a:pPr>
+            <a:r>
+              <a:rPr lang="en-US" dirty="0"/>
+              <a:t>Business Use Case</a:t>
+            </a:r>
           </a:p>
         </p:txBody>
       </p:sp>
     </p:spTree>
     <p:extLst>
       <p:ext uri="{BB962C8B-B14F-4D97-AF65-F5344CB8AC3E}">
-        <p14:creationId xmlns:p14="http://schemas.microsoft.com/office/powerpoint/2010/main" val="1312971581"/>
-      </p:ext>
-    </p:extLst>
-  </p:cSld>
-  <p:clrMapOvr>
-    <a:masterClrMapping/>
-  </p:clrMapOvr>
-</p:sld>
-</file>
-
-<file path=ppt/slides/slide3.xml><?xml version="1.0" encoding="utf-8"?>
-<p:sld xmlns:a="http://schemas.openxmlformats.org/drawingml/2006/main" xmlns:r="http://schemas.openxmlformats.org/officeDocument/2006/relationships" xmlns:p="http://schemas.openxmlformats.org/presentationml/2006/main">
-  <p:cSld>
-    <p:spTree>
-      <p:nvGrpSpPr>
-        <p:cNvPr id="1" name=""/>
-        <p:cNvGrpSpPr/>
-        <p:nvPr/>
-      </p:nvGrpSpPr>
-      <p:grpSpPr>
-        <a:xfrm>
-          <a:off x="0" y="0"/>
-          <a:ext cx="0" cy="0"/>
-          <a:chOff x="0" y="0"/>
-          <a:chExt cx="0" cy="0"/>
-        </a:xfrm>
-      </p:grpSpPr>
-      <p:sp>
-        <p:nvSpPr>
-          <p:cNvPr id="2" name="Text Placeholder 1">
-            <a:extLst>
-              <a:ext uri="{FF2B5EF4-FFF2-40B4-BE49-F238E27FC236}">
-                <a16:creationId xmlns:a16="http://schemas.microsoft.com/office/drawing/2014/main" id="{E62F25CF-62C4-3372-DA2A-66FF8DB9B399}"/>
-              </a:ext>
-            </a:extLst>
-          </p:cNvPr>
-          <p:cNvSpPr>
-            <a:spLocks noGrp="1"/>
-          </p:cNvSpPr>
-          <p:nvPr>
-            <p:ph type="body" idx="1"/>
-          </p:nvPr>
-        </p:nvSpPr>
-        <p:spPr/>
-        <p:txBody>
-          <a:bodyPr/>
-          <a:lstStyle/>
-          <a:p>
-            <a:endParaRPr lang="en-US"/>
-          </a:p>
-        </p:txBody>
-      </p:sp>
-      <p:sp>
-        <p:nvSpPr>
-          <p:cNvPr id="3" name="Text Placeholder 2">
-            <a:extLst>
-              <a:ext uri="{FF2B5EF4-FFF2-40B4-BE49-F238E27FC236}">
-                <a16:creationId xmlns:a16="http://schemas.microsoft.com/office/drawing/2014/main" id="{FA32A195-B836-6097-7815-A3C0350C664F}"/>
-              </a:ext>
-            </a:extLst>
-          </p:cNvPr>
-          <p:cNvSpPr>
-            <a:spLocks noGrp="1"/>
-          </p:cNvSpPr>
-          <p:nvPr>
-            <p:ph type="body" idx="2"/>
-          </p:nvPr>
-        </p:nvSpPr>
-        <p:spPr/>
-        <p:txBody>
-          <a:bodyPr/>
-          <a:lstStyle/>
-          <a:p>
-            <a:endParaRPr lang="en-US"/>
-          </a:p>
-        </p:txBody>
-      </p:sp>
-      <p:sp>
-        <p:nvSpPr>
-          <p:cNvPr id="4" name="Title 3">
-            <a:extLst>
-              <a:ext uri="{FF2B5EF4-FFF2-40B4-BE49-F238E27FC236}">
-                <a16:creationId xmlns:a16="http://schemas.microsoft.com/office/drawing/2014/main" id="{704C7A08-A75D-9996-80CB-232BD498C98D}"/>
-              </a:ext>
-            </a:extLst>
-          </p:cNvPr>
-          <p:cNvSpPr>
-            <a:spLocks noGrp="1"/>
-          </p:cNvSpPr>
-          <p:nvPr>
-            <p:ph type="title"/>
-          </p:nvPr>
-        </p:nvSpPr>
-        <p:spPr/>
-        <p:txBody>
-          <a:bodyPr/>
-          <a:lstStyle/>
-          <a:p>
-            <a:endParaRPr lang="en-US"/>
-          </a:p>
-        </p:txBody>
-      </p:sp>
-      <p:sp>
-        <p:nvSpPr>
-          <p:cNvPr id="5" name="Text Placeholder 4">
-            <a:extLst>
-              <a:ext uri="{FF2B5EF4-FFF2-40B4-BE49-F238E27FC236}">
-                <a16:creationId xmlns:a16="http://schemas.microsoft.com/office/drawing/2014/main" id="{1EB51178-2260-0776-1CDB-B0D76169B074}"/>
-              </a:ext>
-            </a:extLst>
-          </p:cNvPr>
-          <p:cNvSpPr>
-            <a:spLocks noGrp="1"/>
-          </p:cNvSpPr>
-          <p:nvPr>
-            <p:ph type="body" idx="3"/>
-          </p:nvPr>
-        </p:nvSpPr>
-        <p:spPr/>
-        <p:txBody>
-          <a:bodyPr/>
-          <a:lstStyle/>
-          <a:p>
-            <a:endParaRPr lang="en-US"/>
-          </a:p>
-        </p:txBody>
-      </p:sp>
-      <p:sp>
-        <p:nvSpPr>
-          <p:cNvPr id="6" name="Text Placeholder 5">
-            <a:extLst>
-              <a:ext uri="{FF2B5EF4-FFF2-40B4-BE49-F238E27FC236}">
-                <a16:creationId xmlns:a16="http://schemas.microsoft.com/office/drawing/2014/main" id="{0CCA2579-B05E-7179-D4FE-6F0A18582110}"/>
-              </a:ext>
-            </a:extLst>
-          </p:cNvPr>
-          <p:cNvSpPr>
-            <a:spLocks noGrp="1"/>
-          </p:cNvSpPr>
-          <p:nvPr>
-            <p:ph type="body" idx="4"/>
-          </p:nvPr>
-        </p:nvSpPr>
-        <p:spPr/>
-        <p:txBody>
-          <a:bodyPr/>
-          <a:lstStyle/>
-          <a:p>
-            <a:endParaRPr lang="en-US"/>
-          </a:p>
-        </p:txBody>
-      </p:sp>
-    </p:spTree>
-    <p:extLst>
-      <p:ext uri="{BB962C8B-B14F-4D97-AF65-F5344CB8AC3E}">
-        <p14:creationId xmlns:p14="http://schemas.microsoft.com/office/powerpoint/2010/main" val="3301315763"/>
+        <p14:creationId xmlns:p14="http://schemas.microsoft.com/office/powerpoint/2010/main" val="3877510076"/>
       </p:ext>
     </p:extLst>
   </p:cSld>
@@ -14286,7 +16651,7 @@
           <p:cNvPr id="2" name="Text Placeholder 1">
             <a:extLst>
               <a:ext uri="{FF2B5EF4-FFF2-40B4-BE49-F238E27FC236}">
-                <a16:creationId xmlns:a16="http://schemas.microsoft.com/office/drawing/2014/main" id="{472CFA2E-5E8B-81DE-7D26-429A28F76B87}"/>
+                <a16:creationId xmlns:a16="http://schemas.microsoft.com/office/drawing/2014/main" id="{5CAA8DE2-78EC-2180-36DF-6517B71775FC}"/>
               </a:ext>
             </a:extLst>
           </p:cNvPr>
@@ -14299,10 +16664,14 @@
         </p:nvSpPr>
         <p:spPr/>
         <p:txBody>
-          <a:bodyPr/>
+          <a:bodyPr anchor="b" anchorCtr="0"/>
           <a:lstStyle/>
           <a:p>
-            <a:endParaRPr lang="en-US"/>
+            <a:pPr algn="ctr"/>
+            <a:r>
+              <a:rPr lang="en-US" dirty="0"/>
+              <a:t>Components</a:t>
+            </a:r>
           </a:p>
         </p:txBody>
       </p:sp>
@@ -14311,7 +16680,7 @@
           <p:cNvPr id="3" name="Text Placeholder 2">
             <a:extLst>
               <a:ext uri="{FF2B5EF4-FFF2-40B4-BE49-F238E27FC236}">
-                <a16:creationId xmlns:a16="http://schemas.microsoft.com/office/drawing/2014/main" id="{65B1D528-57F6-17FB-AF4F-E77955EBBBF5}"/>
+                <a16:creationId xmlns:a16="http://schemas.microsoft.com/office/drawing/2014/main" id="{49325793-3ACD-D0B1-C386-77E235A20EB6}"/>
               </a:ext>
             </a:extLst>
           </p:cNvPr>
@@ -14322,12 +16691,71 @@
             <p:ph type="body" idx="2"/>
           </p:nvPr>
         </p:nvSpPr>
-        <p:spPr/>
+        <p:spPr>
+          <a:xfrm>
+            <a:off x="685799" y="1900238"/>
+            <a:ext cx="3810002" cy="2457450"/>
+          </a:xfrm>
+        </p:spPr>
         <p:txBody>
           <a:bodyPr/>
           <a:lstStyle/>
           <a:p>
-            <a:endParaRPr lang="en-US"/>
+            <a:pPr marL="196850" indent="0" algn="ctr">
+              <a:buNone/>
+            </a:pPr>
+            <a:endParaRPr lang="en-US" dirty="0"/>
+          </a:p>
+          <a:p>
+            <a:pPr marL="196850" indent="0" algn="ctr">
+              <a:buNone/>
+            </a:pPr>
+            <a:r>
+              <a:rPr lang="en-US" dirty="0"/>
+              <a:t>Data Ingestion</a:t>
+            </a:r>
+          </a:p>
+          <a:p>
+            <a:pPr marL="196850" indent="0" algn="ctr">
+              <a:buNone/>
+            </a:pPr>
+            <a:r>
+              <a:rPr lang="en-US" dirty="0"/>
+              <a:t>Data Engineering</a:t>
+            </a:r>
+          </a:p>
+          <a:p>
+            <a:pPr marL="196850" indent="0" algn="ctr">
+              <a:buNone/>
+            </a:pPr>
+            <a:r>
+              <a:rPr lang="en-US" dirty="0"/>
+              <a:t>Feature Engineering</a:t>
+            </a:r>
+          </a:p>
+          <a:p>
+            <a:pPr marL="196850" indent="0" algn="ctr">
+              <a:buNone/>
+            </a:pPr>
+            <a:r>
+              <a:rPr lang="en-US" dirty="0"/>
+              <a:t>Model Training</a:t>
+            </a:r>
+          </a:p>
+          <a:p>
+            <a:pPr marL="196850" indent="0" algn="ctr">
+              <a:buNone/>
+            </a:pPr>
+            <a:r>
+              <a:rPr lang="en-US" dirty="0"/>
+              <a:t>Deployment</a:t>
+            </a:r>
+          </a:p>
+          <a:p>
+            <a:pPr marL="196850" indent="0">
+              <a:buNone/>
+            </a:pPr>
+            <a:endParaRPr lang="en-US" dirty="0"/>
           </a:p>
         </p:txBody>
       </p:sp>
@@ -14336,7 +16764,7 @@
           <p:cNvPr id="4" name="Title 3">
             <a:extLst>
               <a:ext uri="{FF2B5EF4-FFF2-40B4-BE49-F238E27FC236}">
-                <a16:creationId xmlns:a16="http://schemas.microsoft.com/office/drawing/2014/main" id="{C9BAA643-E145-19C3-4AC8-A0E4412CDC0F}"/>
+                <a16:creationId xmlns:a16="http://schemas.microsoft.com/office/drawing/2014/main" id="{0BF7CC8F-A1AE-5FEE-1609-FE9F4A209DBC}"/>
               </a:ext>
             </a:extLst>
           </p:cNvPr>
@@ -14349,10 +16777,18 @@
         </p:nvSpPr>
         <p:spPr/>
         <p:txBody>
-          <a:bodyPr/>
+          <a:bodyPr anchor="ctr" anchorCtr="0"/>
           <a:lstStyle/>
           <a:p>
-            <a:endParaRPr lang="en-US"/>
+            <a:pPr algn="ctr">
+              <a:lnSpc>
+                <a:spcPct val="0"/>
+              </a:lnSpc>
+            </a:pPr>
+            <a:r>
+              <a:rPr lang="en-US" dirty="0"/>
+              <a:t>System Architecture</a:t>
+            </a:r>
           </a:p>
         </p:txBody>
       </p:sp>
@@ -14361,7 +16797,7 @@
           <p:cNvPr id="5" name="Text Placeholder 4">
             <a:extLst>
               <a:ext uri="{FF2B5EF4-FFF2-40B4-BE49-F238E27FC236}">
-                <a16:creationId xmlns:a16="http://schemas.microsoft.com/office/drawing/2014/main" id="{7AA83739-3F27-EAAB-DCD2-F146A6FC9307}"/>
+                <a16:creationId xmlns:a16="http://schemas.microsoft.com/office/drawing/2014/main" id="{33170580-47D9-6A2B-506E-16A6A046FF18}"/>
               </a:ext>
             </a:extLst>
           </p:cNvPr>
@@ -14374,10 +16810,14 @@
         </p:nvSpPr>
         <p:spPr/>
         <p:txBody>
-          <a:bodyPr/>
+          <a:bodyPr anchor="b" anchorCtr="0"/>
           <a:lstStyle/>
           <a:p>
-            <a:endParaRPr lang="en-US"/>
+            <a:pPr algn="ctr"/>
+            <a:r>
+              <a:rPr lang="en-US" dirty="0"/>
+              <a:t>Technologies</a:t>
+            </a:r>
           </a:p>
         </p:txBody>
       </p:sp>
@@ -14386,7 +16826,7 @@
           <p:cNvPr id="6" name="Text Placeholder 5">
             <a:extLst>
               <a:ext uri="{FF2B5EF4-FFF2-40B4-BE49-F238E27FC236}">
-                <a16:creationId xmlns:a16="http://schemas.microsoft.com/office/drawing/2014/main" id="{305994D8-3A6B-CCBB-6C72-D46EC8053111}"/>
+                <a16:creationId xmlns:a16="http://schemas.microsoft.com/office/drawing/2014/main" id="{3AC6C90B-F322-1BD5-CD3F-F6DB73476E3A}"/>
               </a:ext>
             </a:extLst>
           </p:cNvPr>
@@ -14402,14 +16842,48 @@
           <a:bodyPr/>
           <a:lstStyle/>
           <a:p>
-            <a:endParaRPr lang="en-US"/>
+            <a:pPr marL="196850" indent="0" algn="ctr">
+              <a:buNone/>
+            </a:pPr>
+            <a:endParaRPr lang="en-US" dirty="0"/>
+          </a:p>
+          <a:p>
+            <a:pPr marL="196850" indent="0" algn="ctr">
+              <a:buNone/>
+            </a:pPr>
+            <a:r>
+              <a:rPr lang="en-US" dirty="0"/>
+              <a:t>DVC (Data Version Control)</a:t>
+            </a:r>
+          </a:p>
+          <a:p>
+            <a:pPr marL="196850" indent="0" algn="ctr">
+              <a:buNone/>
+            </a:pPr>
+            <a:r>
+              <a:rPr lang="en-US" dirty="0"/>
+              <a:t>Feast (Feature Store)</a:t>
+            </a:r>
+          </a:p>
+          <a:p>
+            <a:pPr marL="196850" indent="0" algn="ctr">
+              <a:buNone/>
+            </a:pPr>
+            <a:r>
+              <a:rPr lang="en-US" dirty="0"/>
+              <a:t>AutoGluon (Automated ML)</a:t>
+            </a:r>
+          </a:p>
+          <a:p>
+            <a:pPr algn="ctr"/>
+            <a:endParaRPr lang="en-US" dirty="0"/>
           </a:p>
         </p:txBody>
       </p:sp>
     </p:spTree>
     <p:extLst>
       <p:ext uri="{BB962C8B-B14F-4D97-AF65-F5344CB8AC3E}">
-        <p14:creationId xmlns:p14="http://schemas.microsoft.com/office/powerpoint/2010/main" val="864252310"/>
+        <p14:creationId xmlns:p14="http://schemas.microsoft.com/office/powerpoint/2010/main" val="1406630441"/>
       </p:ext>
     </p:extLst>
   </p:cSld>
@@ -14438,60 +16912,342 @@
       </p:grpSpPr>
       <p:sp>
         <p:nvSpPr>
-          <p:cNvPr id="2" name="Text Placeholder 1">
+          <p:cNvPr id="7" name="Text Placeholder 2">
             <a:extLst>
               <a:ext uri="{FF2B5EF4-FFF2-40B4-BE49-F238E27FC236}">
-                <a16:creationId xmlns:a16="http://schemas.microsoft.com/office/drawing/2014/main" id="{55D43CFD-48CB-D055-06E0-D2C3EA2234E1}"/>
+                <a16:creationId xmlns:a16="http://schemas.microsoft.com/office/drawing/2014/main" id="{8F6CFA12-17C2-AB8E-C37B-867067014C86}"/>
               </a:ext>
             </a:extLst>
           </p:cNvPr>
-          <p:cNvSpPr>
-            <a:spLocks noGrp="1"/>
+          <p:cNvSpPr txBox="1">
+            <a:spLocks/>
           </p:cNvSpPr>
-          <p:nvPr>
-            <p:ph type="body" idx="1"/>
-          </p:nvPr>
+          <p:nvPr/>
         </p:nvSpPr>
-        <p:spPr/>
+        <p:spPr>
+          <a:xfrm>
+            <a:off x="261594" y="1484722"/>
+            <a:ext cx="8620812" cy="2872966"/>
+          </a:xfrm>
+          <a:prstGeom prst="rect">
+            <a:avLst/>
+          </a:prstGeom>
+          <a:noFill/>
+          <a:ln>
+            <a:noFill/>
+          </a:ln>
+        </p:spPr>
         <p:txBody>
-          <a:bodyPr/>
-          <a:lstStyle/>
-          <a:p>
-            <a:endParaRPr lang="en-US"/>
+          <a:bodyPr spcFirstLastPara="1" wrap="square" lIns="0" tIns="0" rIns="0" bIns="0" anchor="t" anchorCtr="0">
+            <a:noAutofit/>
+          </a:bodyPr>
+          <a:lstStyle>
+            <a:defPPr marR="0" lvl="0" algn="l" rtl="0">
+              <a:lnSpc>
+                <a:spcPct val="100000"/>
+              </a:lnSpc>
+              <a:spcBef>
+                <a:spcPts val="0"/>
+              </a:spcBef>
+              <a:spcAft>
+                <a:spcPts val="0"/>
+              </a:spcAft>
+            </a:defPPr>
+            <a:lvl1pPr marL="457200" marR="0" lvl="0" indent="-260350" algn="l" rtl="0">
+              <a:lnSpc>
+                <a:spcPct val="116666"/>
+              </a:lnSpc>
+              <a:spcBef>
+                <a:spcPts val="0"/>
+              </a:spcBef>
+              <a:spcAft>
+                <a:spcPts val="0"/>
+              </a:spcAft>
+              <a:buClr>
+                <a:srgbClr val="173063"/>
+              </a:buClr>
+              <a:buSzPts val="500"/>
+              <a:buFont typeface="Merriweather Sans"/>
+              <a:buChar char=" "/>
+              <a:defRPr sz="1800" b="0" i="0" u="none" strike="noStrike" cap="none">
+                <a:solidFill>
+                  <a:srgbClr val="003B70"/>
+                </a:solidFill>
+                <a:latin typeface="Arial"/>
+                <a:ea typeface="Arial"/>
+                <a:cs typeface="Arial"/>
+                <a:sym typeface="Arial"/>
+              </a:defRPr>
+            </a:lvl1pPr>
+            <a:lvl2pPr marL="914400" marR="0" lvl="1" indent="-342900" algn="l" rtl="0">
+              <a:lnSpc>
+                <a:spcPct val="116666"/>
+              </a:lnSpc>
+              <a:spcBef>
+                <a:spcPts val="500"/>
+              </a:spcBef>
+              <a:spcAft>
+                <a:spcPts val="0"/>
+              </a:spcAft>
+              <a:buClr>
+                <a:srgbClr val="173063"/>
+              </a:buClr>
+              <a:buSzPts val="1800"/>
+              <a:buFont typeface="Arial"/>
+              <a:buChar char="•"/>
+              <a:defRPr sz="1800" b="0" i="0" u="none" strike="noStrike" cap="none">
+                <a:solidFill>
+                  <a:srgbClr val="003B70"/>
+                </a:solidFill>
+                <a:latin typeface="Arial"/>
+                <a:ea typeface="Arial"/>
+                <a:cs typeface="Arial"/>
+                <a:sym typeface="Arial"/>
+              </a:defRPr>
+            </a:lvl2pPr>
+            <a:lvl3pPr marL="1371600" marR="0" lvl="2" indent="-342900" algn="l" rtl="0">
+              <a:lnSpc>
+                <a:spcPct val="116666"/>
+              </a:lnSpc>
+              <a:spcBef>
+                <a:spcPts val="500"/>
+              </a:spcBef>
+              <a:spcAft>
+                <a:spcPts val="0"/>
+              </a:spcAft>
+              <a:buClr>
+                <a:srgbClr val="003B70"/>
+              </a:buClr>
+              <a:buSzPts val="1800"/>
+              <a:buFont typeface="Merriweather Sans"/>
+              <a:buChar char="-"/>
+              <a:defRPr sz="1800" b="0" i="0" u="none" strike="noStrike" cap="none">
+                <a:solidFill>
+                  <a:srgbClr val="003B70"/>
+                </a:solidFill>
+                <a:latin typeface="Arial"/>
+                <a:ea typeface="Arial"/>
+                <a:cs typeface="Arial"/>
+                <a:sym typeface="Arial"/>
+              </a:defRPr>
+            </a:lvl3pPr>
+            <a:lvl4pPr marL="1828800" marR="0" lvl="3" indent="-342900" algn="l" rtl="0">
+              <a:lnSpc>
+                <a:spcPct val="116666"/>
+              </a:lnSpc>
+              <a:spcBef>
+                <a:spcPts val="500"/>
+              </a:spcBef>
+              <a:spcAft>
+                <a:spcPts val="0"/>
+              </a:spcAft>
+              <a:buClr>
+                <a:srgbClr val="003B70"/>
+              </a:buClr>
+              <a:buSzPts val="1800"/>
+              <a:buFont typeface="Merriweather Sans"/>
+              <a:buChar char="-"/>
+              <a:defRPr sz="1800" b="0" i="0" u="none" strike="noStrike" cap="none">
+                <a:solidFill>
+                  <a:srgbClr val="003B70"/>
+                </a:solidFill>
+                <a:latin typeface="Arial"/>
+                <a:ea typeface="Arial"/>
+                <a:cs typeface="Arial"/>
+                <a:sym typeface="Arial"/>
+              </a:defRPr>
+            </a:lvl4pPr>
+            <a:lvl5pPr marL="2286000" marR="0" lvl="4" indent="-342900" algn="l" rtl="0">
+              <a:lnSpc>
+                <a:spcPct val="116666"/>
+              </a:lnSpc>
+              <a:spcBef>
+                <a:spcPts val="500"/>
+              </a:spcBef>
+              <a:spcAft>
+                <a:spcPts val="0"/>
+              </a:spcAft>
+              <a:buClr>
+                <a:srgbClr val="003B70"/>
+              </a:buClr>
+              <a:buSzPts val="1800"/>
+              <a:buFont typeface="Merriweather Sans"/>
+              <a:buChar char="-"/>
+              <a:defRPr sz="1800" b="0" i="0" u="none" strike="noStrike" cap="none">
+                <a:solidFill>
+                  <a:srgbClr val="003B70"/>
+                </a:solidFill>
+                <a:latin typeface="Arial"/>
+                <a:ea typeface="Arial"/>
+                <a:cs typeface="Arial"/>
+                <a:sym typeface="Arial"/>
+              </a:defRPr>
+            </a:lvl5pPr>
+            <a:lvl6pPr marL="2743200" marR="0" lvl="5" indent="-228600" algn="l" rtl="0">
+              <a:lnSpc>
+                <a:spcPct val="100000"/>
+              </a:lnSpc>
+              <a:spcBef>
+                <a:spcPts val="500"/>
+              </a:spcBef>
+              <a:spcAft>
+                <a:spcPts val="0"/>
+              </a:spcAft>
+              <a:buClr>
+                <a:srgbClr val="000000"/>
+              </a:buClr>
+              <a:buSzPts val="1100"/>
+              <a:buFont typeface="Arial"/>
+              <a:buNone/>
+              <a:defRPr sz="1200" b="0" i="0" u="none" strike="noStrike" cap="none">
+                <a:solidFill>
+                  <a:schemeClr val="dk1"/>
+                </a:solidFill>
+                <a:latin typeface="Arial"/>
+                <a:ea typeface="Arial"/>
+                <a:cs typeface="Arial"/>
+                <a:sym typeface="Arial"/>
+              </a:defRPr>
+            </a:lvl6pPr>
+            <a:lvl7pPr marL="3200400" marR="0" lvl="6" indent="-228600" algn="l" rtl="0">
+              <a:lnSpc>
+                <a:spcPct val="100000"/>
+              </a:lnSpc>
+              <a:spcBef>
+                <a:spcPts val="200"/>
+              </a:spcBef>
+              <a:spcAft>
+                <a:spcPts val="0"/>
+              </a:spcAft>
+              <a:buClr>
+                <a:srgbClr val="000000"/>
+              </a:buClr>
+              <a:buSzPts val="1100"/>
+              <a:buFont typeface="Arial"/>
+              <a:buNone/>
+              <a:defRPr sz="1200" b="0" i="0" u="none" strike="noStrike" cap="none">
+                <a:solidFill>
+                  <a:schemeClr val="dk1"/>
+                </a:solidFill>
+                <a:latin typeface="Arial"/>
+                <a:ea typeface="Arial"/>
+                <a:cs typeface="Arial"/>
+                <a:sym typeface="Arial"/>
+              </a:defRPr>
+            </a:lvl7pPr>
+            <a:lvl8pPr marL="3657600" marR="0" lvl="7" indent="-228600" algn="l" rtl="0">
+              <a:lnSpc>
+                <a:spcPct val="100000"/>
+              </a:lnSpc>
+              <a:spcBef>
+                <a:spcPts val="200"/>
+              </a:spcBef>
+              <a:spcAft>
+                <a:spcPts val="0"/>
+              </a:spcAft>
+              <a:buClr>
+                <a:srgbClr val="000000"/>
+              </a:buClr>
+              <a:buSzPts val="1100"/>
+              <a:buFont typeface="Arial"/>
+              <a:buNone/>
+              <a:defRPr sz="1200" b="0" i="0" u="none" strike="noStrike" cap="none">
+                <a:solidFill>
+                  <a:schemeClr val="dk1"/>
+                </a:solidFill>
+                <a:latin typeface="Arial"/>
+                <a:ea typeface="Arial"/>
+                <a:cs typeface="Arial"/>
+                <a:sym typeface="Arial"/>
+              </a:defRPr>
+            </a:lvl8pPr>
+            <a:lvl9pPr marL="4114800" marR="0" lvl="8" indent="-228600" algn="l" rtl="0">
+              <a:lnSpc>
+                <a:spcPct val="100000"/>
+              </a:lnSpc>
+              <a:spcBef>
+                <a:spcPts val="200"/>
+              </a:spcBef>
+              <a:spcAft>
+                <a:spcPts val="0"/>
+              </a:spcAft>
+              <a:buClr>
+                <a:srgbClr val="000000"/>
+              </a:buClr>
+              <a:buSzPts val="1100"/>
+              <a:buFont typeface="Arial"/>
+              <a:buNone/>
+              <a:defRPr sz="1200" b="0" i="0" u="none" strike="noStrike" cap="none">
+                <a:solidFill>
+                  <a:schemeClr val="dk1"/>
+                </a:solidFill>
+                <a:latin typeface="Arial"/>
+                <a:ea typeface="Arial"/>
+                <a:cs typeface="Arial"/>
+                <a:sym typeface="Arial"/>
+              </a:defRPr>
+            </a:lvl9pPr>
+          </a:lstStyle>
+          <a:p>
+            <a:pPr marL="196850" indent="0" algn="ctr">
+              <a:buNone/>
+            </a:pPr>
+            <a:br>
+              <a:rPr lang="en-US" dirty="0"/>
+            </a:br>
+            <a:r>
+              <a:rPr lang="en-US" b="1" dirty="0"/>
+              <a:t>Dataset: </a:t>
+            </a:r>
+            <a:r>
+              <a:rPr lang="en-US" dirty="0"/>
+              <a:t>Diabetes 130-US hospitals for years 1999-2008</a:t>
+            </a:r>
+          </a:p>
+          <a:p>
+            <a:pPr marL="196850" indent="0" algn="ctr">
+              <a:buNone/>
+            </a:pPr>
+            <a:br>
+              <a:rPr lang="en-US" dirty="0"/>
+            </a:br>
+            <a:r>
+              <a:rPr lang="en-US" b="1" dirty="0"/>
+              <a:t>Size: </a:t>
+            </a:r>
+            <a:r>
+              <a:rPr lang="en-US" dirty="0"/>
+              <a:t>Over 100,000 patient records</a:t>
+            </a:r>
+          </a:p>
+          <a:p>
+            <a:pPr marL="196850" indent="0" algn="ctr">
+              <a:buNone/>
+            </a:pPr>
+            <a:br>
+              <a:rPr lang="en-US" dirty="0"/>
+            </a:br>
+            <a:r>
+              <a:rPr lang="en-US" b="1" dirty="0"/>
+              <a:t>Features: </a:t>
+            </a:r>
+            <a:r>
+              <a:rPr lang="en-US" dirty="0"/>
+              <a:t>Demographics, medical history, lab results, medications, hospitalization details</a:t>
+            </a:r>
+          </a:p>
+          <a:p>
+            <a:pPr algn="ctr"/>
+            <a:endParaRPr lang="en-US" dirty="0"/>
           </a:p>
         </p:txBody>
       </p:sp>
       <p:sp>
         <p:nvSpPr>
-          <p:cNvPr id="3" name="Text Placeholder 2">
+          <p:cNvPr id="8" name="Title 3">
             <a:extLst>
               <a:ext uri="{FF2B5EF4-FFF2-40B4-BE49-F238E27FC236}">
-                <a16:creationId xmlns:a16="http://schemas.microsoft.com/office/drawing/2014/main" id="{D3979F96-F673-B239-8C01-069DD90A912B}"/>
-              </a:ext>
-            </a:extLst>
-          </p:cNvPr>
-          <p:cNvSpPr>
-            <a:spLocks noGrp="1"/>
-          </p:cNvSpPr>
-          <p:nvPr>
-            <p:ph type="body" idx="2"/>
-          </p:nvPr>
-        </p:nvSpPr>
-        <p:spPr/>
-        <p:txBody>
-          <a:bodyPr/>
-          <a:lstStyle/>
-          <a:p>
-            <a:endParaRPr lang="en-US"/>
-          </a:p>
-        </p:txBody>
-      </p:sp>
-      <p:sp>
-        <p:nvSpPr>
-          <p:cNvPr id="4" name="Title 3">
-            <a:extLst>
-              <a:ext uri="{FF2B5EF4-FFF2-40B4-BE49-F238E27FC236}">
-                <a16:creationId xmlns:a16="http://schemas.microsoft.com/office/drawing/2014/main" id="{37B00922-5633-3756-BD20-79BAF1A57521}"/>
+                <a16:creationId xmlns:a16="http://schemas.microsoft.com/office/drawing/2014/main" id="{EBADBEA9-3A49-BD3D-98D7-F51EE20D9DA5}"/>
               </a:ext>
             </a:extLst>
           </p:cNvPr>
@@ -14502,69 +17258,32 @@
             <p:ph type="title"/>
           </p:nvPr>
         </p:nvSpPr>
-        <p:spPr/>
+        <p:spPr>
+          <a:xfrm>
+            <a:off x="685800" y="514350"/>
+            <a:ext cx="7772400" cy="857250"/>
+          </a:xfrm>
+        </p:spPr>
         <p:txBody>
           <a:bodyPr/>
           <a:lstStyle/>
           <a:p>
-            <a:endParaRPr lang="en-US"/>
-          </a:p>
-        </p:txBody>
-      </p:sp>
-      <p:sp>
-        <p:nvSpPr>
-          <p:cNvPr id="5" name="Text Placeholder 4">
-            <a:extLst>
-              <a:ext uri="{FF2B5EF4-FFF2-40B4-BE49-F238E27FC236}">
-                <a16:creationId xmlns:a16="http://schemas.microsoft.com/office/drawing/2014/main" id="{49C19666-2F81-48E4-CF8E-73B3B4E66406}"/>
-              </a:ext>
-            </a:extLst>
-          </p:cNvPr>
-          <p:cNvSpPr>
-            <a:spLocks noGrp="1"/>
-          </p:cNvSpPr>
-          <p:nvPr>
-            <p:ph type="body" idx="3"/>
-          </p:nvPr>
-        </p:nvSpPr>
-        <p:spPr/>
-        <p:txBody>
-          <a:bodyPr/>
-          <a:lstStyle/>
-          <a:p>
-            <a:endParaRPr lang="en-US"/>
-          </a:p>
-        </p:txBody>
-      </p:sp>
-      <p:sp>
-        <p:nvSpPr>
-          <p:cNvPr id="6" name="Text Placeholder 5">
-            <a:extLst>
-              <a:ext uri="{FF2B5EF4-FFF2-40B4-BE49-F238E27FC236}">
-                <a16:creationId xmlns:a16="http://schemas.microsoft.com/office/drawing/2014/main" id="{3842732E-8992-DCE9-2C86-49D5586A8E61}"/>
-              </a:ext>
-            </a:extLst>
-          </p:cNvPr>
-          <p:cNvSpPr>
-            <a:spLocks noGrp="1"/>
-          </p:cNvSpPr>
-          <p:nvPr>
-            <p:ph type="body" idx="4"/>
-          </p:nvPr>
-        </p:nvSpPr>
-        <p:spPr/>
-        <p:txBody>
-          <a:bodyPr/>
-          <a:lstStyle/>
-          <a:p>
-            <a:endParaRPr lang="en-US"/>
+            <a:pPr algn="ctr">
+              <a:lnSpc>
+                <a:spcPct val="0"/>
+              </a:lnSpc>
+            </a:pPr>
+            <a:r>
+              <a:rPr lang="en-US" dirty="0"/>
+              <a:t>Data Sources</a:t>
+            </a:r>
           </a:p>
         </p:txBody>
       </p:sp>
     </p:spTree>
     <p:extLst>
       <p:ext uri="{BB962C8B-B14F-4D97-AF65-F5344CB8AC3E}">
-        <p14:creationId xmlns:p14="http://schemas.microsoft.com/office/powerpoint/2010/main" val="3430922966"/>
+        <p14:creationId xmlns:p14="http://schemas.microsoft.com/office/powerpoint/2010/main" val="1462361591"/>
       </p:ext>
     </p:extLst>
   </p:cSld>
@@ -14579,7 +17298,13 @@
   <p:cSld>
     <p:spTree>
       <p:nvGrpSpPr>
-        <p:cNvPr id="1" name=""/>
+        <p:cNvPr id="1" name="">
+          <a:extLst>
+            <a:ext uri="{FF2B5EF4-FFF2-40B4-BE49-F238E27FC236}">
+              <a16:creationId xmlns:a16="http://schemas.microsoft.com/office/drawing/2014/main" id="{2F1DF951-6E46-154C-6FD1-99117044DA48}"/>
+            </a:ext>
+          </a:extLst>
+        </p:cNvPr>
         <p:cNvGrpSpPr/>
         <p:nvPr/>
       </p:nvGrpSpPr>
@@ -14593,60 +17318,344 @@
       </p:grpSpPr>
       <p:sp>
         <p:nvSpPr>
-          <p:cNvPr id="2" name="Text Placeholder 1">
+          <p:cNvPr id="7" name="Text Placeholder 2">
             <a:extLst>
               <a:ext uri="{FF2B5EF4-FFF2-40B4-BE49-F238E27FC236}">
-                <a16:creationId xmlns:a16="http://schemas.microsoft.com/office/drawing/2014/main" id="{3A88E795-E216-32C7-BECE-198C9FF1CCA0}"/>
+                <a16:creationId xmlns:a16="http://schemas.microsoft.com/office/drawing/2014/main" id="{DA907F2C-C1BD-11CB-3C33-8272EB8BEC8A}"/>
               </a:ext>
             </a:extLst>
           </p:cNvPr>
-          <p:cNvSpPr>
-            <a:spLocks noGrp="1"/>
+          <p:cNvSpPr txBox="1">
+            <a:spLocks/>
           </p:cNvSpPr>
-          <p:nvPr>
-            <p:ph type="body" idx="1"/>
-          </p:nvPr>
+          <p:nvPr/>
         </p:nvSpPr>
-        <p:spPr/>
+        <p:spPr>
+          <a:xfrm>
+            <a:off x="261594" y="1484722"/>
+            <a:ext cx="8620812" cy="2872966"/>
+          </a:xfrm>
+          <a:prstGeom prst="rect">
+            <a:avLst/>
+          </a:prstGeom>
+          <a:noFill/>
+          <a:ln>
+            <a:noFill/>
+          </a:ln>
+        </p:spPr>
         <p:txBody>
-          <a:bodyPr/>
-          <a:lstStyle/>
-          <a:p>
-            <a:endParaRPr lang="en-US"/>
+          <a:bodyPr spcFirstLastPara="1" wrap="square" lIns="0" tIns="0" rIns="0" bIns="0" anchor="t" anchorCtr="0">
+            <a:noAutofit/>
+          </a:bodyPr>
+          <a:lstStyle>
+            <a:defPPr marR="0" lvl="0" algn="l" rtl="0">
+              <a:lnSpc>
+                <a:spcPct val="100000"/>
+              </a:lnSpc>
+              <a:spcBef>
+                <a:spcPts val="0"/>
+              </a:spcBef>
+              <a:spcAft>
+                <a:spcPts val="0"/>
+              </a:spcAft>
+            </a:defPPr>
+            <a:lvl1pPr marL="457200" marR="0" lvl="0" indent="-260350" algn="l" rtl="0">
+              <a:lnSpc>
+                <a:spcPct val="116666"/>
+              </a:lnSpc>
+              <a:spcBef>
+                <a:spcPts val="0"/>
+              </a:spcBef>
+              <a:spcAft>
+                <a:spcPts val="0"/>
+              </a:spcAft>
+              <a:buClr>
+                <a:srgbClr val="173063"/>
+              </a:buClr>
+              <a:buSzPts val="500"/>
+              <a:buFont typeface="Merriweather Sans"/>
+              <a:buChar char=" "/>
+              <a:defRPr sz="1800" b="0" i="0" u="none" strike="noStrike" cap="none">
+                <a:solidFill>
+                  <a:srgbClr val="003B70"/>
+                </a:solidFill>
+                <a:latin typeface="Arial"/>
+                <a:ea typeface="Arial"/>
+                <a:cs typeface="Arial"/>
+                <a:sym typeface="Arial"/>
+              </a:defRPr>
+            </a:lvl1pPr>
+            <a:lvl2pPr marL="914400" marR="0" lvl="1" indent="-342900" algn="l" rtl="0">
+              <a:lnSpc>
+                <a:spcPct val="116666"/>
+              </a:lnSpc>
+              <a:spcBef>
+                <a:spcPts val="500"/>
+              </a:spcBef>
+              <a:spcAft>
+                <a:spcPts val="0"/>
+              </a:spcAft>
+              <a:buClr>
+                <a:srgbClr val="173063"/>
+              </a:buClr>
+              <a:buSzPts val="1800"/>
+              <a:buFont typeface="Arial"/>
+              <a:buChar char="•"/>
+              <a:defRPr sz="1800" b="0" i="0" u="none" strike="noStrike" cap="none">
+                <a:solidFill>
+                  <a:srgbClr val="003B70"/>
+                </a:solidFill>
+                <a:latin typeface="Arial"/>
+                <a:ea typeface="Arial"/>
+                <a:cs typeface="Arial"/>
+                <a:sym typeface="Arial"/>
+              </a:defRPr>
+            </a:lvl2pPr>
+            <a:lvl3pPr marL="1371600" marR="0" lvl="2" indent="-342900" algn="l" rtl="0">
+              <a:lnSpc>
+                <a:spcPct val="116666"/>
+              </a:lnSpc>
+              <a:spcBef>
+                <a:spcPts val="500"/>
+              </a:spcBef>
+              <a:spcAft>
+                <a:spcPts val="0"/>
+              </a:spcAft>
+              <a:buClr>
+                <a:srgbClr val="003B70"/>
+              </a:buClr>
+              <a:buSzPts val="1800"/>
+              <a:buFont typeface="Merriweather Sans"/>
+              <a:buChar char="-"/>
+              <a:defRPr sz="1800" b="0" i="0" u="none" strike="noStrike" cap="none">
+                <a:solidFill>
+                  <a:srgbClr val="003B70"/>
+                </a:solidFill>
+                <a:latin typeface="Arial"/>
+                <a:ea typeface="Arial"/>
+                <a:cs typeface="Arial"/>
+                <a:sym typeface="Arial"/>
+              </a:defRPr>
+            </a:lvl3pPr>
+            <a:lvl4pPr marL="1828800" marR="0" lvl="3" indent="-342900" algn="l" rtl="0">
+              <a:lnSpc>
+                <a:spcPct val="116666"/>
+              </a:lnSpc>
+              <a:spcBef>
+                <a:spcPts val="500"/>
+              </a:spcBef>
+              <a:spcAft>
+                <a:spcPts val="0"/>
+              </a:spcAft>
+              <a:buClr>
+                <a:srgbClr val="003B70"/>
+              </a:buClr>
+              <a:buSzPts val="1800"/>
+              <a:buFont typeface="Merriweather Sans"/>
+              <a:buChar char="-"/>
+              <a:defRPr sz="1800" b="0" i="0" u="none" strike="noStrike" cap="none">
+                <a:solidFill>
+                  <a:srgbClr val="003B70"/>
+                </a:solidFill>
+                <a:latin typeface="Arial"/>
+                <a:ea typeface="Arial"/>
+                <a:cs typeface="Arial"/>
+                <a:sym typeface="Arial"/>
+              </a:defRPr>
+            </a:lvl4pPr>
+            <a:lvl5pPr marL="2286000" marR="0" lvl="4" indent="-342900" algn="l" rtl="0">
+              <a:lnSpc>
+                <a:spcPct val="116666"/>
+              </a:lnSpc>
+              <a:spcBef>
+                <a:spcPts val="500"/>
+              </a:spcBef>
+              <a:spcAft>
+                <a:spcPts val="0"/>
+              </a:spcAft>
+              <a:buClr>
+                <a:srgbClr val="003B70"/>
+              </a:buClr>
+              <a:buSzPts val="1800"/>
+              <a:buFont typeface="Merriweather Sans"/>
+              <a:buChar char="-"/>
+              <a:defRPr sz="1800" b="0" i="0" u="none" strike="noStrike" cap="none">
+                <a:solidFill>
+                  <a:srgbClr val="003B70"/>
+                </a:solidFill>
+                <a:latin typeface="Arial"/>
+                <a:ea typeface="Arial"/>
+                <a:cs typeface="Arial"/>
+                <a:sym typeface="Arial"/>
+              </a:defRPr>
+            </a:lvl5pPr>
+            <a:lvl6pPr marL="2743200" marR="0" lvl="5" indent="-228600" algn="l" rtl="0">
+              <a:lnSpc>
+                <a:spcPct val="100000"/>
+              </a:lnSpc>
+              <a:spcBef>
+                <a:spcPts val="500"/>
+              </a:spcBef>
+              <a:spcAft>
+                <a:spcPts val="0"/>
+              </a:spcAft>
+              <a:buClr>
+                <a:srgbClr val="000000"/>
+              </a:buClr>
+              <a:buSzPts val="1100"/>
+              <a:buFont typeface="Arial"/>
+              <a:buNone/>
+              <a:defRPr sz="1200" b="0" i="0" u="none" strike="noStrike" cap="none">
+                <a:solidFill>
+                  <a:schemeClr val="dk1"/>
+                </a:solidFill>
+                <a:latin typeface="Arial"/>
+                <a:ea typeface="Arial"/>
+                <a:cs typeface="Arial"/>
+                <a:sym typeface="Arial"/>
+              </a:defRPr>
+            </a:lvl6pPr>
+            <a:lvl7pPr marL="3200400" marR="0" lvl="6" indent="-228600" algn="l" rtl="0">
+              <a:lnSpc>
+                <a:spcPct val="100000"/>
+              </a:lnSpc>
+              <a:spcBef>
+                <a:spcPts val="200"/>
+              </a:spcBef>
+              <a:spcAft>
+                <a:spcPts val="0"/>
+              </a:spcAft>
+              <a:buClr>
+                <a:srgbClr val="000000"/>
+              </a:buClr>
+              <a:buSzPts val="1100"/>
+              <a:buFont typeface="Arial"/>
+              <a:buNone/>
+              <a:defRPr sz="1200" b="0" i="0" u="none" strike="noStrike" cap="none">
+                <a:solidFill>
+                  <a:schemeClr val="dk1"/>
+                </a:solidFill>
+                <a:latin typeface="Arial"/>
+                <a:ea typeface="Arial"/>
+                <a:cs typeface="Arial"/>
+                <a:sym typeface="Arial"/>
+              </a:defRPr>
+            </a:lvl7pPr>
+            <a:lvl8pPr marL="3657600" marR="0" lvl="7" indent="-228600" algn="l" rtl="0">
+              <a:lnSpc>
+                <a:spcPct val="100000"/>
+              </a:lnSpc>
+              <a:spcBef>
+                <a:spcPts val="200"/>
+              </a:spcBef>
+              <a:spcAft>
+                <a:spcPts val="0"/>
+              </a:spcAft>
+              <a:buClr>
+                <a:srgbClr val="000000"/>
+              </a:buClr>
+              <a:buSzPts val="1100"/>
+              <a:buFont typeface="Arial"/>
+              <a:buNone/>
+              <a:defRPr sz="1200" b="0" i="0" u="none" strike="noStrike" cap="none">
+                <a:solidFill>
+                  <a:schemeClr val="dk1"/>
+                </a:solidFill>
+                <a:latin typeface="Arial"/>
+                <a:ea typeface="Arial"/>
+                <a:cs typeface="Arial"/>
+                <a:sym typeface="Arial"/>
+              </a:defRPr>
+            </a:lvl8pPr>
+            <a:lvl9pPr marL="4114800" marR="0" lvl="8" indent="-228600" algn="l" rtl="0">
+              <a:lnSpc>
+                <a:spcPct val="100000"/>
+              </a:lnSpc>
+              <a:spcBef>
+                <a:spcPts val="200"/>
+              </a:spcBef>
+              <a:spcAft>
+                <a:spcPts val="0"/>
+              </a:spcAft>
+              <a:buClr>
+                <a:srgbClr val="000000"/>
+              </a:buClr>
+              <a:buSzPts val="1100"/>
+              <a:buFont typeface="Arial"/>
+              <a:buNone/>
+              <a:defRPr sz="1200" b="0" i="0" u="none" strike="noStrike" cap="none">
+                <a:solidFill>
+                  <a:schemeClr val="dk1"/>
+                </a:solidFill>
+                <a:latin typeface="Arial"/>
+                <a:ea typeface="Arial"/>
+                <a:cs typeface="Arial"/>
+                <a:sym typeface="Arial"/>
+              </a:defRPr>
+            </a:lvl9pPr>
+          </a:lstStyle>
+          <a:p>
+            <a:pPr marL="196850" indent="0" algn="ctr">
+              <a:buNone/>
+            </a:pPr>
+            <a:br>
+              <a:rPr lang="en-US" dirty="0"/>
+            </a:br>
+            <a:r>
+              <a:rPr lang="en-US" b="1" dirty="0"/>
+              <a:t>Data Ingestion: </a:t>
+            </a:r>
+            <a:r>
+              <a:rPr lang="en-US" dirty="0"/>
+              <a:t>Automated using custom scripts</a:t>
+            </a:r>
+          </a:p>
+          <a:p>
+            <a:pPr marL="196850" indent="0" algn="ctr">
+              <a:buNone/>
+            </a:pPr>
+            <a:br>
+              <a:rPr lang="en-US" dirty="0"/>
+            </a:br>
+            <a:r>
+              <a:rPr lang="en-US" b="1" dirty="0"/>
+              <a:t>Data Cleaning: </a:t>
+            </a:r>
+            <a:r>
+              <a:rPr lang="en-US" dirty="0"/>
+              <a:t>Handling missing values and duplicates</a:t>
+            </a:r>
+          </a:p>
+          <a:p>
+            <a:pPr marL="196850" indent="0" algn="ctr">
+              <a:buNone/>
+            </a:pPr>
+            <a:br>
+              <a:rPr lang="en-US" dirty="0"/>
+            </a:br>
+            <a:r>
+              <a:rPr lang="en-US" b="1" dirty="0"/>
+              <a:t>Preprocessing: </a:t>
+            </a:r>
+            <a:r>
+              <a:rPr lang="en-US" dirty="0"/>
+              <a:t>Standardization and normalization</a:t>
+            </a:r>
+          </a:p>
+          <a:p>
+            <a:pPr marL="196850" indent="0" algn="ctr">
+              <a:buNone/>
+            </a:pPr>
+            <a:endParaRPr lang="en-US" dirty="0"/>
           </a:p>
         </p:txBody>
       </p:sp>
       <p:sp>
         <p:nvSpPr>
-          <p:cNvPr id="3" name="Text Placeholder 2">
+          <p:cNvPr id="8" name="Title 3">
             <a:extLst>
               <a:ext uri="{FF2B5EF4-FFF2-40B4-BE49-F238E27FC236}">
-                <a16:creationId xmlns:a16="http://schemas.microsoft.com/office/drawing/2014/main" id="{42CD0555-993B-6483-6763-CE23690177C7}"/>
-              </a:ext>
-            </a:extLst>
-          </p:cNvPr>
-          <p:cNvSpPr>
-            <a:spLocks noGrp="1"/>
-          </p:cNvSpPr>
-          <p:nvPr>
-            <p:ph type="body" idx="2"/>
-          </p:nvPr>
-        </p:nvSpPr>
-        <p:spPr/>
-        <p:txBody>
-          <a:bodyPr/>
-          <a:lstStyle/>
-          <a:p>
-            <a:endParaRPr lang="en-US"/>
-          </a:p>
-        </p:txBody>
-      </p:sp>
-      <p:sp>
-        <p:nvSpPr>
-          <p:cNvPr id="4" name="Title 3">
-            <a:extLst>
-              <a:ext uri="{FF2B5EF4-FFF2-40B4-BE49-F238E27FC236}">
-                <a16:creationId xmlns:a16="http://schemas.microsoft.com/office/drawing/2014/main" id="{79299FC2-725F-7696-025A-D9E631373F11}"/>
+                <a16:creationId xmlns:a16="http://schemas.microsoft.com/office/drawing/2014/main" id="{2E3E5465-2662-AC9F-82D4-9629686D7E6F}"/>
               </a:ext>
             </a:extLst>
           </p:cNvPr>
@@ -14657,69 +17666,32 @@
             <p:ph type="title"/>
           </p:nvPr>
         </p:nvSpPr>
-        <p:spPr/>
+        <p:spPr>
+          <a:xfrm>
+            <a:off x="685800" y="514350"/>
+            <a:ext cx="7772400" cy="857250"/>
+          </a:xfrm>
+        </p:spPr>
         <p:txBody>
           <a:bodyPr/>
           <a:lstStyle/>
           <a:p>
-            <a:endParaRPr lang="en-US"/>
-          </a:p>
-        </p:txBody>
-      </p:sp>
-      <p:sp>
-        <p:nvSpPr>
-          <p:cNvPr id="5" name="Text Placeholder 4">
-            <a:extLst>
-              <a:ext uri="{FF2B5EF4-FFF2-40B4-BE49-F238E27FC236}">
-                <a16:creationId xmlns:a16="http://schemas.microsoft.com/office/drawing/2014/main" id="{D5893285-AA95-81F0-4254-D91CC1421916}"/>
-              </a:ext>
-            </a:extLst>
-          </p:cNvPr>
-          <p:cNvSpPr>
-            <a:spLocks noGrp="1"/>
-          </p:cNvSpPr>
-          <p:nvPr>
-            <p:ph type="body" idx="3"/>
-          </p:nvPr>
-        </p:nvSpPr>
-        <p:spPr/>
-        <p:txBody>
-          <a:bodyPr/>
-          <a:lstStyle/>
-          <a:p>
-            <a:endParaRPr lang="en-US"/>
-          </a:p>
-        </p:txBody>
-      </p:sp>
-      <p:sp>
-        <p:nvSpPr>
-          <p:cNvPr id="6" name="Text Placeholder 5">
-            <a:extLst>
-              <a:ext uri="{FF2B5EF4-FFF2-40B4-BE49-F238E27FC236}">
-                <a16:creationId xmlns:a16="http://schemas.microsoft.com/office/drawing/2014/main" id="{C67EB2BA-641F-D971-B3A6-58B3CD774189}"/>
-              </a:ext>
-            </a:extLst>
-          </p:cNvPr>
-          <p:cNvSpPr>
-            <a:spLocks noGrp="1"/>
-          </p:cNvSpPr>
-          <p:nvPr>
-            <p:ph type="body" idx="4"/>
-          </p:nvPr>
-        </p:nvSpPr>
-        <p:spPr/>
-        <p:txBody>
-          <a:bodyPr/>
-          <a:lstStyle/>
-          <a:p>
-            <a:endParaRPr lang="en-US"/>
+            <a:pPr algn="ctr">
+              <a:lnSpc>
+                <a:spcPct val="0"/>
+              </a:lnSpc>
+            </a:pPr>
+            <a:r>
+              <a:rPr lang="en-US" dirty="0"/>
+              <a:t>Data Engineering</a:t>
+            </a:r>
           </a:p>
         </p:txBody>
       </p:sp>
     </p:spTree>
     <p:extLst>
       <p:ext uri="{BB962C8B-B14F-4D97-AF65-F5344CB8AC3E}">
-        <p14:creationId xmlns:p14="http://schemas.microsoft.com/office/powerpoint/2010/main" val="1462361591"/>
+        <p14:creationId xmlns:p14="http://schemas.microsoft.com/office/powerpoint/2010/main" val="581030689"/>
       </p:ext>
     </p:extLst>
   </p:cSld>
@@ -14748,60 +17720,359 @@
       </p:grpSpPr>
       <p:sp>
         <p:nvSpPr>
-          <p:cNvPr id="2" name="Text Placeholder 1">
+          <p:cNvPr id="7" name="Text Placeholder 2">
             <a:extLst>
               <a:ext uri="{FF2B5EF4-FFF2-40B4-BE49-F238E27FC236}">
-                <a16:creationId xmlns:a16="http://schemas.microsoft.com/office/drawing/2014/main" id="{2C733D20-AB47-1FBF-BAA0-4479BA8B31E5}"/>
+                <a16:creationId xmlns:a16="http://schemas.microsoft.com/office/drawing/2014/main" id="{9B0BC366-5735-6FFD-B377-E3E50A6612AE}"/>
               </a:ext>
             </a:extLst>
           </p:cNvPr>
-          <p:cNvSpPr>
-            <a:spLocks noGrp="1"/>
+          <p:cNvSpPr txBox="1">
+            <a:spLocks/>
           </p:cNvSpPr>
-          <p:nvPr>
-            <p:ph type="body" idx="1"/>
-          </p:nvPr>
+          <p:nvPr/>
         </p:nvSpPr>
-        <p:spPr/>
+        <p:spPr>
+          <a:xfrm>
+            <a:off x="261594" y="1484722"/>
+            <a:ext cx="8620812" cy="2872966"/>
+          </a:xfrm>
+          <a:prstGeom prst="rect">
+            <a:avLst/>
+          </a:prstGeom>
+          <a:noFill/>
+          <a:ln>
+            <a:noFill/>
+          </a:ln>
+        </p:spPr>
         <p:txBody>
-          <a:bodyPr/>
-          <a:lstStyle/>
-          <a:p>
-            <a:endParaRPr lang="en-US"/>
+          <a:bodyPr spcFirstLastPara="1" wrap="square" lIns="0" tIns="0" rIns="0" bIns="0" anchor="t" anchorCtr="0">
+            <a:noAutofit/>
+          </a:bodyPr>
+          <a:lstStyle>
+            <a:defPPr marR="0" lvl="0" algn="l" rtl="0">
+              <a:lnSpc>
+                <a:spcPct val="100000"/>
+              </a:lnSpc>
+              <a:spcBef>
+                <a:spcPts val="0"/>
+              </a:spcBef>
+              <a:spcAft>
+                <a:spcPts val="0"/>
+              </a:spcAft>
+            </a:defPPr>
+            <a:lvl1pPr marL="457200" marR="0" lvl="0" indent="-260350" algn="l" rtl="0">
+              <a:lnSpc>
+                <a:spcPct val="116666"/>
+              </a:lnSpc>
+              <a:spcBef>
+                <a:spcPts val="0"/>
+              </a:spcBef>
+              <a:spcAft>
+                <a:spcPts val="0"/>
+              </a:spcAft>
+              <a:buClr>
+                <a:srgbClr val="173063"/>
+              </a:buClr>
+              <a:buSzPts val="500"/>
+              <a:buFont typeface="Merriweather Sans"/>
+              <a:buChar char=" "/>
+              <a:defRPr sz="1800" b="0" i="0" u="none" strike="noStrike" cap="none">
+                <a:solidFill>
+                  <a:srgbClr val="003B70"/>
+                </a:solidFill>
+                <a:latin typeface="Arial"/>
+                <a:ea typeface="Arial"/>
+                <a:cs typeface="Arial"/>
+                <a:sym typeface="Arial"/>
+              </a:defRPr>
+            </a:lvl1pPr>
+            <a:lvl2pPr marL="914400" marR="0" lvl="1" indent="-342900" algn="l" rtl="0">
+              <a:lnSpc>
+                <a:spcPct val="116666"/>
+              </a:lnSpc>
+              <a:spcBef>
+                <a:spcPts val="500"/>
+              </a:spcBef>
+              <a:spcAft>
+                <a:spcPts val="0"/>
+              </a:spcAft>
+              <a:buClr>
+                <a:srgbClr val="173063"/>
+              </a:buClr>
+              <a:buSzPts val="1800"/>
+              <a:buFont typeface="Arial"/>
+              <a:buChar char="•"/>
+              <a:defRPr sz="1800" b="0" i="0" u="none" strike="noStrike" cap="none">
+                <a:solidFill>
+                  <a:srgbClr val="003B70"/>
+                </a:solidFill>
+                <a:latin typeface="Arial"/>
+                <a:ea typeface="Arial"/>
+                <a:cs typeface="Arial"/>
+                <a:sym typeface="Arial"/>
+              </a:defRPr>
+            </a:lvl2pPr>
+            <a:lvl3pPr marL="1371600" marR="0" lvl="2" indent="-342900" algn="l" rtl="0">
+              <a:lnSpc>
+                <a:spcPct val="116666"/>
+              </a:lnSpc>
+              <a:spcBef>
+                <a:spcPts val="500"/>
+              </a:spcBef>
+              <a:spcAft>
+                <a:spcPts val="0"/>
+              </a:spcAft>
+              <a:buClr>
+                <a:srgbClr val="003B70"/>
+              </a:buClr>
+              <a:buSzPts val="1800"/>
+              <a:buFont typeface="Merriweather Sans"/>
+              <a:buChar char="-"/>
+              <a:defRPr sz="1800" b="0" i="0" u="none" strike="noStrike" cap="none">
+                <a:solidFill>
+                  <a:srgbClr val="003B70"/>
+                </a:solidFill>
+                <a:latin typeface="Arial"/>
+                <a:ea typeface="Arial"/>
+                <a:cs typeface="Arial"/>
+                <a:sym typeface="Arial"/>
+              </a:defRPr>
+            </a:lvl3pPr>
+            <a:lvl4pPr marL="1828800" marR="0" lvl="3" indent="-342900" algn="l" rtl="0">
+              <a:lnSpc>
+                <a:spcPct val="116666"/>
+              </a:lnSpc>
+              <a:spcBef>
+                <a:spcPts val="500"/>
+              </a:spcBef>
+              <a:spcAft>
+                <a:spcPts val="0"/>
+              </a:spcAft>
+              <a:buClr>
+                <a:srgbClr val="003B70"/>
+              </a:buClr>
+              <a:buSzPts val="1800"/>
+              <a:buFont typeface="Merriweather Sans"/>
+              <a:buChar char="-"/>
+              <a:defRPr sz="1800" b="0" i="0" u="none" strike="noStrike" cap="none">
+                <a:solidFill>
+                  <a:srgbClr val="003B70"/>
+                </a:solidFill>
+                <a:latin typeface="Arial"/>
+                <a:ea typeface="Arial"/>
+                <a:cs typeface="Arial"/>
+                <a:sym typeface="Arial"/>
+              </a:defRPr>
+            </a:lvl4pPr>
+            <a:lvl5pPr marL="2286000" marR="0" lvl="4" indent="-342900" algn="l" rtl="0">
+              <a:lnSpc>
+                <a:spcPct val="116666"/>
+              </a:lnSpc>
+              <a:spcBef>
+                <a:spcPts val="500"/>
+              </a:spcBef>
+              <a:spcAft>
+                <a:spcPts val="0"/>
+              </a:spcAft>
+              <a:buClr>
+                <a:srgbClr val="003B70"/>
+              </a:buClr>
+              <a:buSzPts val="1800"/>
+              <a:buFont typeface="Merriweather Sans"/>
+              <a:buChar char="-"/>
+              <a:defRPr sz="1800" b="0" i="0" u="none" strike="noStrike" cap="none">
+                <a:solidFill>
+                  <a:srgbClr val="003B70"/>
+                </a:solidFill>
+                <a:latin typeface="Arial"/>
+                <a:ea typeface="Arial"/>
+                <a:cs typeface="Arial"/>
+                <a:sym typeface="Arial"/>
+              </a:defRPr>
+            </a:lvl5pPr>
+            <a:lvl6pPr marL="2743200" marR="0" lvl="5" indent="-228600" algn="l" rtl="0">
+              <a:lnSpc>
+                <a:spcPct val="100000"/>
+              </a:lnSpc>
+              <a:spcBef>
+                <a:spcPts val="500"/>
+              </a:spcBef>
+              <a:spcAft>
+                <a:spcPts val="0"/>
+              </a:spcAft>
+              <a:buClr>
+                <a:srgbClr val="000000"/>
+              </a:buClr>
+              <a:buSzPts val="1100"/>
+              <a:buFont typeface="Arial"/>
+              <a:buNone/>
+              <a:defRPr sz="1200" b="0" i="0" u="none" strike="noStrike" cap="none">
+                <a:solidFill>
+                  <a:schemeClr val="dk1"/>
+                </a:solidFill>
+                <a:latin typeface="Arial"/>
+                <a:ea typeface="Arial"/>
+                <a:cs typeface="Arial"/>
+                <a:sym typeface="Arial"/>
+              </a:defRPr>
+            </a:lvl6pPr>
+            <a:lvl7pPr marL="3200400" marR="0" lvl="6" indent="-228600" algn="l" rtl="0">
+              <a:lnSpc>
+                <a:spcPct val="100000"/>
+              </a:lnSpc>
+              <a:spcBef>
+                <a:spcPts val="200"/>
+              </a:spcBef>
+              <a:spcAft>
+                <a:spcPts val="0"/>
+              </a:spcAft>
+              <a:buClr>
+                <a:srgbClr val="000000"/>
+              </a:buClr>
+              <a:buSzPts val="1100"/>
+              <a:buFont typeface="Arial"/>
+              <a:buNone/>
+              <a:defRPr sz="1200" b="0" i="0" u="none" strike="noStrike" cap="none">
+                <a:solidFill>
+                  <a:schemeClr val="dk1"/>
+                </a:solidFill>
+                <a:latin typeface="Arial"/>
+                <a:ea typeface="Arial"/>
+                <a:cs typeface="Arial"/>
+                <a:sym typeface="Arial"/>
+              </a:defRPr>
+            </a:lvl7pPr>
+            <a:lvl8pPr marL="3657600" marR="0" lvl="7" indent="-228600" algn="l" rtl="0">
+              <a:lnSpc>
+                <a:spcPct val="100000"/>
+              </a:lnSpc>
+              <a:spcBef>
+                <a:spcPts val="200"/>
+              </a:spcBef>
+              <a:spcAft>
+                <a:spcPts val="0"/>
+              </a:spcAft>
+              <a:buClr>
+                <a:srgbClr val="000000"/>
+              </a:buClr>
+              <a:buSzPts val="1100"/>
+              <a:buFont typeface="Arial"/>
+              <a:buNone/>
+              <a:defRPr sz="1200" b="0" i="0" u="none" strike="noStrike" cap="none">
+                <a:solidFill>
+                  <a:schemeClr val="dk1"/>
+                </a:solidFill>
+                <a:latin typeface="Arial"/>
+                <a:ea typeface="Arial"/>
+                <a:cs typeface="Arial"/>
+                <a:sym typeface="Arial"/>
+              </a:defRPr>
+            </a:lvl8pPr>
+            <a:lvl9pPr marL="4114800" marR="0" lvl="8" indent="-228600" algn="l" rtl="0">
+              <a:lnSpc>
+                <a:spcPct val="100000"/>
+              </a:lnSpc>
+              <a:spcBef>
+                <a:spcPts val="200"/>
+              </a:spcBef>
+              <a:spcAft>
+                <a:spcPts val="0"/>
+              </a:spcAft>
+              <a:buClr>
+                <a:srgbClr val="000000"/>
+              </a:buClr>
+              <a:buSzPts val="1100"/>
+              <a:buFont typeface="Arial"/>
+              <a:buNone/>
+              <a:defRPr sz="1200" b="0" i="0" u="none" strike="noStrike" cap="none">
+                <a:solidFill>
+                  <a:schemeClr val="dk1"/>
+                </a:solidFill>
+                <a:latin typeface="Arial"/>
+                <a:ea typeface="Arial"/>
+                <a:cs typeface="Arial"/>
+                <a:sym typeface="Arial"/>
+              </a:defRPr>
+            </a:lvl9pPr>
+          </a:lstStyle>
+          <a:p>
+            <a:pPr marL="196850" indent="0" algn="ctr">
+              <a:buNone/>
+            </a:pPr>
+            <a:r>
+              <a:rPr lang="en-US" b="1" dirty="0"/>
+              <a:t>Feature Store: </a:t>
+            </a:r>
+            <a:r>
+              <a:rPr lang="en-US" dirty="0"/>
+              <a:t>Managed using Feast</a:t>
+            </a:r>
+            <a:br>
+              <a:rPr lang="en-US" b="1" dirty="0"/>
+            </a:br>
+            <a:r>
+              <a:rPr lang="en-US" b="1" dirty="0"/>
+              <a:t> </a:t>
+            </a:r>
+            <a:br>
+              <a:rPr lang="en-US" b="1" dirty="0"/>
+            </a:br>
+            <a:r>
+              <a:rPr lang="en-US" b="1" dirty="0"/>
+              <a:t>Feature Groups:</a:t>
+            </a:r>
+            <a:br>
+              <a:rPr lang="en-US" b="1" dirty="0"/>
+            </a:br>
+            <a:r>
+              <a:rPr lang="en-US" dirty="0"/>
+              <a:t>Patient Demographics</a:t>
+            </a:r>
+            <a:br>
+              <a:rPr lang="en-US" dirty="0"/>
+            </a:br>
+            <a:r>
+              <a:rPr lang="en-US" dirty="0"/>
+              <a:t>Medical History</a:t>
+            </a:r>
+            <a:br>
+              <a:rPr lang="en-US" dirty="0"/>
+            </a:br>
+            <a:r>
+              <a:rPr lang="en-US" dirty="0"/>
+              <a:t>Current Visit Data</a:t>
+            </a:r>
+            <a:br>
+              <a:rPr lang="en-US" dirty="0"/>
+            </a:br>
+            <a:r>
+              <a:rPr lang="en-US" dirty="0"/>
+              <a:t>Derived Features</a:t>
+            </a:r>
+            <a:br>
+              <a:rPr lang="en-US" b="1" dirty="0"/>
+            </a:br>
+            <a:br>
+              <a:rPr lang="en-US" b="1" dirty="0"/>
+            </a:br>
+            <a:r>
+              <a:rPr lang="en-US" b="1" dirty="0"/>
+              <a:t>Benefits: </a:t>
+            </a:r>
+            <a:r>
+              <a:rPr lang="en-US" dirty="0"/>
+              <a:t>Consistency, reusability, version control</a:t>
+            </a:r>
           </a:p>
         </p:txBody>
       </p:sp>
       <p:sp>
         <p:nvSpPr>
-          <p:cNvPr id="3" name="Text Placeholder 2">
+          <p:cNvPr id="8" name="Title 3">
             <a:extLst>
               <a:ext uri="{FF2B5EF4-FFF2-40B4-BE49-F238E27FC236}">
-                <a16:creationId xmlns:a16="http://schemas.microsoft.com/office/drawing/2014/main" id="{A32F8CD7-F1AA-69C5-4B6D-7E684D431BF7}"/>
-              </a:ext>
-            </a:extLst>
-          </p:cNvPr>
-          <p:cNvSpPr>
-            <a:spLocks noGrp="1"/>
-          </p:cNvSpPr>
-          <p:nvPr>
-            <p:ph type="body" idx="2"/>
-          </p:nvPr>
-        </p:nvSpPr>
-        <p:spPr/>
-        <p:txBody>
-          <a:bodyPr/>
-          <a:lstStyle/>
-          <a:p>
-            <a:endParaRPr lang="en-US"/>
-          </a:p>
-        </p:txBody>
-      </p:sp>
-      <p:sp>
-        <p:nvSpPr>
-          <p:cNvPr id="4" name="Title 3">
-            <a:extLst>
-              <a:ext uri="{FF2B5EF4-FFF2-40B4-BE49-F238E27FC236}">
-                <a16:creationId xmlns:a16="http://schemas.microsoft.com/office/drawing/2014/main" id="{16F41F5D-FDA2-0225-292C-4A0DC34E2179}"/>
+                <a16:creationId xmlns:a16="http://schemas.microsoft.com/office/drawing/2014/main" id="{E061A4C8-B453-3599-1BBC-5187A6308DD4}"/>
               </a:ext>
             </a:extLst>
           </p:cNvPr>
@@ -14812,62 +18083,25 @@
             <p:ph type="title"/>
           </p:nvPr>
         </p:nvSpPr>
-        <p:spPr/>
+        <p:spPr>
+          <a:xfrm>
+            <a:off x="685800" y="514350"/>
+            <a:ext cx="7772400" cy="857250"/>
+          </a:xfrm>
+        </p:spPr>
         <p:txBody>
           <a:bodyPr/>
           <a:lstStyle/>
           <a:p>
-            <a:endParaRPr lang="en-US"/>
-          </a:p>
-        </p:txBody>
-      </p:sp>
-      <p:sp>
-        <p:nvSpPr>
-          <p:cNvPr id="5" name="Text Placeholder 4">
-            <a:extLst>
-              <a:ext uri="{FF2B5EF4-FFF2-40B4-BE49-F238E27FC236}">
-                <a16:creationId xmlns:a16="http://schemas.microsoft.com/office/drawing/2014/main" id="{E0BC87AE-5D7C-0745-BE9A-6CA6F1326353}"/>
-              </a:ext>
-            </a:extLst>
-          </p:cNvPr>
-          <p:cNvSpPr>
-            <a:spLocks noGrp="1"/>
-          </p:cNvSpPr>
-          <p:nvPr>
-            <p:ph type="body" idx="3"/>
-          </p:nvPr>
-        </p:nvSpPr>
-        <p:spPr/>
-        <p:txBody>
-          <a:bodyPr/>
-          <a:lstStyle/>
-          <a:p>
-            <a:endParaRPr lang="en-US"/>
-          </a:p>
-        </p:txBody>
-      </p:sp>
-      <p:sp>
-        <p:nvSpPr>
-          <p:cNvPr id="6" name="Text Placeholder 5">
-            <a:extLst>
-              <a:ext uri="{FF2B5EF4-FFF2-40B4-BE49-F238E27FC236}">
-                <a16:creationId xmlns:a16="http://schemas.microsoft.com/office/drawing/2014/main" id="{BDECC3CE-614F-E99A-577E-FBC3365BC87F}"/>
-              </a:ext>
-            </a:extLst>
-          </p:cNvPr>
-          <p:cNvSpPr>
-            <a:spLocks noGrp="1"/>
-          </p:cNvSpPr>
-          <p:nvPr>
-            <p:ph type="body" idx="4"/>
-          </p:nvPr>
-        </p:nvSpPr>
-        <p:spPr/>
-        <p:txBody>
-          <a:bodyPr/>
-          <a:lstStyle/>
-          <a:p>
-            <a:endParaRPr lang="en-US"/>
+            <a:pPr algn="ctr">
+              <a:lnSpc>
+                <a:spcPct val="0"/>
+              </a:lnSpc>
+            </a:pPr>
+            <a:r>
+              <a:rPr lang="en-US" dirty="0"/>
+              <a:t>Feature Engineering with Feast</a:t>
+            </a:r>
           </a:p>
         </p:txBody>
       </p:sp>
@@ -14903,60 +18137,362 @@
       </p:grpSpPr>
       <p:sp>
         <p:nvSpPr>
-          <p:cNvPr id="2" name="Text Placeholder 1">
+          <p:cNvPr id="7" name="Text Placeholder 2">
             <a:extLst>
               <a:ext uri="{FF2B5EF4-FFF2-40B4-BE49-F238E27FC236}">
-                <a16:creationId xmlns:a16="http://schemas.microsoft.com/office/drawing/2014/main" id="{C8CB95E4-FFF6-A8AB-32CB-9B0F6BB20331}"/>
+                <a16:creationId xmlns:a16="http://schemas.microsoft.com/office/drawing/2014/main" id="{42101194-3C5C-AEE9-53B4-64B6A2E63AA4}"/>
               </a:ext>
             </a:extLst>
           </p:cNvPr>
-          <p:cNvSpPr>
-            <a:spLocks noGrp="1"/>
+          <p:cNvSpPr txBox="1">
+            <a:spLocks/>
           </p:cNvSpPr>
-          <p:nvPr>
-            <p:ph type="body" idx="1"/>
-          </p:nvPr>
+          <p:nvPr/>
         </p:nvSpPr>
-        <p:spPr/>
+        <p:spPr>
+          <a:xfrm>
+            <a:off x="261594" y="1900238"/>
+            <a:ext cx="8620812" cy="2457450"/>
+          </a:xfrm>
+          <a:prstGeom prst="rect">
+            <a:avLst/>
+          </a:prstGeom>
+          <a:noFill/>
+          <a:ln>
+            <a:noFill/>
+          </a:ln>
+        </p:spPr>
         <p:txBody>
-          <a:bodyPr/>
-          <a:lstStyle/>
-          <a:p>
-            <a:endParaRPr lang="en-US"/>
+          <a:bodyPr spcFirstLastPara="1" wrap="square" lIns="0" tIns="0" rIns="0" bIns="0" anchor="t" anchorCtr="0">
+            <a:noAutofit/>
+          </a:bodyPr>
+          <a:lstStyle>
+            <a:defPPr marR="0" lvl="0" algn="l" rtl="0">
+              <a:lnSpc>
+                <a:spcPct val="100000"/>
+              </a:lnSpc>
+              <a:spcBef>
+                <a:spcPts val="0"/>
+              </a:spcBef>
+              <a:spcAft>
+                <a:spcPts val="0"/>
+              </a:spcAft>
+            </a:defPPr>
+            <a:lvl1pPr marL="457200" marR="0" lvl="0" indent="-260350" algn="l" rtl="0">
+              <a:lnSpc>
+                <a:spcPct val="116666"/>
+              </a:lnSpc>
+              <a:spcBef>
+                <a:spcPts val="0"/>
+              </a:spcBef>
+              <a:spcAft>
+                <a:spcPts val="0"/>
+              </a:spcAft>
+              <a:buClr>
+                <a:srgbClr val="173063"/>
+              </a:buClr>
+              <a:buSzPts val="500"/>
+              <a:buFont typeface="Merriweather Sans"/>
+              <a:buChar char=" "/>
+              <a:defRPr sz="1800" b="0" i="0" u="none" strike="noStrike" cap="none">
+                <a:solidFill>
+                  <a:srgbClr val="003B70"/>
+                </a:solidFill>
+                <a:latin typeface="Arial"/>
+                <a:ea typeface="Arial"/>
+                <a:cs typeface="Arial"/>
+                <a:sym typeface="Arial"/>
+              </a:defRPr>
+            </a:lvl1pPr>
+            <a:lvl2pPr marL="914400" marR="0" lvl="1" indent="-342900" algn="l" rtl="0">
+              <a:lnSpc>
+                <a:spcPct val="116666"/>
+              </a:lnSpc>
+              <a:spcBef>
+                <a:spcPts val="500"/>
+              </a:spcBef>
+              <a:spcAft>
+                <a:spcPts val="0"/>
+              </a:spcAft>
+              <a:buClr>
+                <a:srgbClr val="173063"/>
+              </a:buClr>
+              <a:buSzPts val="1800"/>
+              <a:buFont typeface="Arial"/>
+              <a:buChar char="•"/>
+              <a:defRPr sz="1800" b="0" i="0" u="none" strike="noStrike" cap="none">
+                <a:solidFill>
+                  <a:srgbClr val="003B70"/>
+                </a:solidFill>
+                <a:latin typeface="Arial"/>
+                <a:ea typeface="Arial"/>
+                <a:cs typeface="Arial"/>
+                <a:sym typeface="Arial"/>
+              </a:defRPr>
+            </a:lvl2pPr>
+            <a:lvl3pPr marL="1371600" marR="0" lvl="2" indent="-342900" algn="l" rtl="0">
+              <a:lnSpc>
+                <a:spcPct val="116666"/>
+              </a:lnSpc>
+              <a:spcBef>
+                <a:spcPts val="500"/>
+              </a:spcBef>
+              <a:spcAft>
+                <a:spcPts val="0"/>
+              </a:spcAft>
+              <a:buClr>
+                <a:srgbClr val="003B70"/>
+              </a:buClr>
+              <a:buSzPts val="1800"/>
+              <a:buFont typeface="Merriweather Sans"/>
+              <a:buChar char="-"/>
+              <a:defRPr sz="1800" b="0" i="0" u="none" strike="noStrike" cap="none">
+                <a:solidFill>
+                  <a:srgbClr val="003B70"/>
+                </a:solidFill>
+                <a:latin typeface="Arial"/>
+                <a:ea typeface="Arial"/>
+                <a:cs typeface="Arial"/>
+                <a:sym typeface="Arial"/>
+              </a:defRPr>
+            </a:lvl3pPr>
+            <a:lvl4pPr marL="1828800" marR="0" lvl="3" indent="-342900" algn="l" rtl="0">
+              <a:lnSpc>
+                <a:spcPct val="116666"/>
+              </a:lnSpc>
+              <a:spcBef>
+                <a:spcPts val="500"/>
+              </a:spcBef>
+              <a:spcAft>
+                <a:spcPts val="0"/>
+              </a:spcAft>
+              <a:buClr>
+                <a:srgbClr val="003B70"/>
+              </a:buClr>
+              <a:buSzPts val="1800"/>
+              <a:buFont typeface="Merriweather Sans"/>
+              <a:buChar char="-"/>
+              <a:defRPr sz="1800" b="0" i="0" u="none" strike="noStrike" cap="none">
+                <a:solidFill>
+                  <a:srgbClr val="003B70"/>
+                </a:solidFill>
+                <a:latin typeface="Arial"/>
+                <a:ea typeface="Arial"/>
+                <a:cs typeface="Arial"/>
+                <a:sym typeface="Arial"/>
+              </a:defRPr>
+            </a:lvl4pPr>
+            <a:lvl5pPr marL="2286000" marR="0" lvl="4" indent="-342900" algn="l" rtl="0">
+              <a:lnSpc>
+                <a:spcPct val="116666"/>
+              </a:lnSpc>
+              <a:spcBef>
+                <a:spcPts val="500"/>
+              </a:spcBef>
+              <a:spcAft>
+                <a:spcPts val="0"/>
+              </a:spcAft>
+              <a:buClr>
+                <a:srgbClr val="003B70"/>
+              </a:buClr>
+              <a:buSzPts val="1800"/>
+              <a:buFont typeface="Merriweather Sans"/>
+              <a:buChar char="-"/>
+              <a:defRPr sz="1800" b="0" i="0" u="none" strike="noStrike" cap="none">
+                <a:solidFill>
+                  <a:srgbClr val="003B70"/>
+                </a:solidFill>
+                <a:latin typeface="Arial"/>
+                <a:ea typeface="Arial"/>
+                <a:cs typeface="Arial"/>
+                <a:sym typeface="Arial"/>
+              </a:defRPr>
+            </a:lvl5pPr>
+            <a:lvl6pPr marL="2743200" marR="0" lvl="5" indent="-228600" algn="l" rtl="0">
+              <a:lnSpc>
+                <a:spcPct val="100000"/>
+              </a:lnSpc>
+              <a:spcBef>
+                <a:spcPts val="500"/>
+              </a:spcBef>
+              <a:spcAft>
+                <a:spcPts val="0"/>
+              </a:spcAft>
+              <a:buClr>
+                <a:srgbClr val="000000"/>
+              </a:buClr>
+              <a:buSzPts val="1100"/>
+              <a:buFont typeface="Arial"/>
+              <a:buNone/>
+              <a:defRPr sz="1200" b="0" i="0" u="none" strike="noStrike" cap="none">
+                <a:solidFill>
+                  <a:schemeClr val="dk1"/>
+                </a:solidFill>
+                <a:latin typeface="Arial"/>
+                <a:ea typeface="Arial"/>
+                <a:cs typeface="Arial"/>
+                <a:sym typeface="Arial"/>
+              </a:defRPr>
+            </a:lvl6pPr>
+            <a:lvl7pPr marL="3200400" marR="0" lvl="6" indent="-228600" algn="l" rtl="0">
+              <a:lnSpc>
+                <a:spcPct val="100000"/>
+              </a:lnSpc>
+              <a:spcBef>
+                <a:spcPts val="200"/>
+              </a:spcBef>
+              <a:spcAft>
+                <a:spcPts val="0"/>
+              </a:spcAft>
+              <a:buClr>
+                <a:srgbClr val="000000"/>
+              </a:buClr>
+              <a:buSzPts val="1100"/>
+              <a:buFont typeface="Arial"/>
+              <a:buNone/>
+              <a:defRPr sz="1200" b="0" i="0" u="none" strike="noStrike" cap="none">
+                <a:solidFill>
+                  <a:schemeClr val="dk1"/>
+                </a:solidFill>
+                <a:latin typeface="Arial"/>
+                <a:ea typeface="Arial"/>
+                <a:cs typeface="Arial"/>
+                <a:sym typeface="Arial"/>
+              </a:defRPr>
+            </a:lvl7pPr>
+            <a:lvl8pPr marL="3657600" marR="0" lvl="7" indent="-228600" algn="l" rtl="0">
+              <a:lnSpc>
+                <a:spcPct val="100000"/>
+              </a:lnSpc>
+              <a:spcBef>
+                <a:spcPts val="200"/>
+              </a:spcBef>
+              <a:spcAft>
+                <a:spcPts val="0"/>
+              </a:spcAft>
+              <a:buClr>
+                <a:srgbClr val="000000"/>
+              </a:buClr>
+              <a:buSzPts val="1100"/>
+              <a:buFont typeface="Arial"/>
+              <a:buNone/>
+              <a:defRPr sz="1200" b="0" i="0" u="none" strike="noStrike" cap="none">
+                <a:solidFill>
+                  <a:schemeClr val="dk1"/>
+                </a:solidFill>
+                <a:latin typeface="Arial"/>
+                <a:ea typeface="Arial"/>
+                <a:cs typeface="Arial"/>
+                <a:sym typeface="Arial"/>
+              </a:defRPr>
+            </a:lvl8pPr>
+            <a:lvl9pPr marL="4114800" marR="0" lvl="8" indent="-228600" algn="l" rtl="0">
+              <a:lnSpc>
+                <a:spcPct val="100000"/>
+              </a:lnSpc>
+              <a:spcBef>
+                <a:spcPts val="200"/>
+              </a:spcBef>
+              <a:spcAft>
+                <a:spcPts val="0"/>
+              </a:spcAft>
+              <a:buClr>
+                <a:srgbClr val="000000"/>
+              </a:buClr>
+              <a:buSzPts val="1100"/>
+              <a:buFont typeface="Arial"/>
+              <a:buNone/>
+              <a:defRPr sz="1200" b="0" i="0" u="none" strike="noStrike" cap="none">
+                <a:solidFill>
+                  <a:schemeClr val="dk1"/>
+                </a:solidFill>
+                <a:latin typeface="Arial"/>
+                <a:ea typeface="Arial"/>
+                <a:cs typeface="Arial"/>
+                <a:sym typeface="Arial"/>
+              </a:defRPr>
+            </a:lvl9pPr>
+          </a:lstStyle>
+          <a:p>
+            <a:pPr marL="196850" indent="0" algn="ctr">
+              <a:buNone/>
+            </a:pPr>
+            <a:r>
+              <a:rPr lang="en-US" b="1" dirty="0"/>
+              <a:t>Models Used:</a:t>
+            </a:r>
+          </a:p>
+          <a:p>
+            <a:pPr marL="196850" indent="0" algn="ctr">
+              <a:buNone/>
+            </a:pPr>
+            <a:r>
+              <a:rPr lang="en-US" dirty="0"/>
+              <a:t>Logistic Regression</a:t>
+            </a:r>
+          </a:p>
+          <a:p>
+            <a:pPr marL="196850" indent="0" algn="ctr">
+              <a:buNone/>
+            </a:pPr>
+            <a:r>
+              <a:rPr lang="en-US" dirty="0"/>
+              <a:t>AutoGluon (AutoML)</a:t>
+            </a:r>
+            <a:br>
+              <a:rPr lang="en-US" dirty="0"/>
+            </a:br>
+            <a:r>
+              <a:rPr lang="en-US" dirty="0"/>
+              <a:t>Neural Network</a:t>
+            </a:r>
+            <a:br>
+              <a:rPr lang="en-US" dirty="0"/>
+            </a:br>
+            <a:endParaRPr lang="en-US" dirty="0"/>
+          </a:p>
+          <a:p>
+            <a:pPr marL="196850" indent="0" algn="ctr">
+              <a:buNone/>
+            </a:pPr>
+            <a:r>
+              <a:rPr lang="en-US" b="1" dirty="0"/>
+              <a:t>Hyperparameter Tuning:</a:t>
+            </a:r>
+            <a:r>
+              <a:rPr lang="en-US" dirty="0"/>
+              <a:t> </a:t>
+            </a:r>
+            <a:r>
+              <a:rPr lang="en-US" dirty="0" err="1"/>
+              <a:t>Optuna</a:t>
+            </a:r>
+            <a:r>
+              <a:rPr lang="en-US" dirty="0"/>
+              <a:t> for optimization</a:t>
+            </a:r>
+          </a:p>
+          <a:p>
+            <a:pPr marL="196850" indent="0" algn="ctr">
+              <a:buNone/>
+            </a:pPr>
+            <a:r>
+              <a:rPr lang="en-US" b="1" dirty="0"/>
+              <a:t>Evaluation Metrics: </a:t>
+            </a:r>
+            <a:r>
+              <a:rPr lang="en-US" dirty="0"/>
+              <a:t>Accuracy, Precision, Recall, F1-Score, ROC-AUC</a:t>
+            </a:r>
           </a:p>
         </p:txBody>
       </p:sp>
       <p:sp>
         <p:nvSpPr>
-          <p:cNvPr id="3" name="Text Placeholder 2">
+          <p:cNvPr id="8" name="Title 3">
             <a:extLst>
               <a:ext uri="{FF2B5EF4-FFF2-40B4-BE49-F238E27FC236}">
-                <a16:creationId xmlns:a16="http://schemas.microsoft.com/office/drawing/2014/main" id="{0ABAAD2F-9B5B-A0C4-E94F-16170544C950}"/>
-              </a:ext>
-            </a:extLst>
-          </p:cNvPr>
-          <p:cNvSpPr>
-            <a:spLocks noGrp="1"/>
-          </p:cNvSpPr>
-          <p:nvPr>
-            <p:ph type="body" idx="2"/>
-          </p:nvPr>
-        </p:nvSpPr>
-        <p:spPr/>
-        <p:txBody>
-          <a:bodyPr/>
-          <a:lstStyle/>
-          <a:p>
-            <a:endParaRPr lang="en-US"/>
-          </a:p>
-        </p:txBody>
-      </p:sp>
-      <p:sp>
-        <p:nvSpPr>
-          <p:cNvPr id="4" name="Title 3">
-            <a:extLst>
-              <a:ext uri="{FF2B5EF4-FFF2-40B4-BE49-F238E27FC236}">
-                <a16:creationId xmlns:a16="http://schemas.microsoft.com/office/drawing/2014/main" id="{3B08C8DC-5B49-F559-F77C-6602B119DE20}"/>
+                <a16:creationId xmlns:a16="http://schemas.microsoft.com/office/drawing/2014/main" id="{58EA1426-4785-20BA-7534-7F0DDF8C521A}"/>
               </a:ext>
             </a:extLst>
           </p:cNvPr>
@@ -14967,62 +18503,25 @@
             <p:ph type="title"/>
           </p:nvPr>
         </p:nvSpPr>
-        <p:spPr/>
+        <p:spPr>
+          <a:xfrm>
+            <a:off x="685800" y="514350"/>
+            <a:ext cx="7772400" cy="857250"/>
+          </a:xfrm>
+        </p:spPr>
         <p:txBody>
           <a:bodyPr/>
           <a:lstStyle/>
           <a:p>
-            <a:endParaRPr lang="en-US"/>
-          </a:p>
-        </p:txBody>
-      </p:sp>
-      <p:sp>
-        <p:nvSpPr>
-          <p:cNvPr id="5" name="Text Placeholder 4">
-            <a:extLst>
-              <a:ext uri="{FF2B5EF4-FFF2-40B4-BE49-F238E27FC236}">
-                <a16:creationId xmlns:a16="http://schemas.microsoft.com/office/drawing/2014/main" id="{9543551E-A582-AB40-4621-D8539940AABD}"/>
-              </a:ext>
-            </a:extLst>
-          </p:cNvPr>
-          <p:cNvSpPr>
-            <a:spLocks noGrp="1"/>
-          </p:cNvSpPr>
-          <p:nvPr>
-            <p:ph type="body" idx="3"/>
-          </p:nvPr>
-        </p:nvSpPr>
-        <p:spPr/>
-        <p:txBody>
-          <a:bodyPr/>
-          <a:lstStyle/>
-          <a:p>
-            <a:endParaRPr lang="en-US"/>
-          </a:p>
-        </p:txBody>
-      </p:sp>
-      <p:sp>
-        <p:nvSpPr>
-          <p:cNvPr id="6" name="Text Placeholder 5">
-            <a:extLst>
-              <a:ext uri="{FF2B5EF4-FFF2-40B4-BE49-F238E27FC236}">
-                <a16:creationId xmlns:a16="http://schemas.microsoft.com/office/drawing/2014/main" id="{752A0875-8411-38A5-A339-350488233E1B}"/>
-              </a:ext>
-            </a:extLst>
-          </p:cNvPr>
-          <p:cNvSpPr>
-            <a:spLocks noGrp="1"/>
-          </p:cNvSpPr>
-          <p:nvPr>
-            <p:ph type="body" idx="4"/>
-          </p:nvPr>
-        </p:nvSpPr>
-        <p:spPr/>
-        <p:txBody>
-          <a:bodyPr/>
-          <a:lstStyle/>
-          <a:p>
-            <a:endParaRPr lang="en-US"/>
+            <a:pPr algn="ctr">
+              <a:lnSpc>
+                <a:spcPct val="0"/>
+              </a:lnSpc>
+            </a:pPr>
+            <a:r>
+              <a:rPr lang="en-US" dirty="0"/>
+              <a:t>Model Training and Evaluation</a:t>
+            </a:r>
           </a:p>
         </p:txBody>
       </p:sp>
@@ -15058,35 +18557,10 @@
       </p:grpSpPr>
       <p:sp>
         <p:nvSpPr>
-          <p:cNvPr id="2" name="Text Placeholder 1">
-            <a:extLst>
-              <a:ext uri="{FF2B5EF4-FFF2-40B4-BE49-F238E27FC236}">
-                <a16:creationId xmlns:a16="http://schemas.microsoft.com/office/drawing/2014/main" id="{4DECE8C3-1C17-E620-ED2E-5DE69E1D46FB}"/>
-              </a:ext>
-            </a:extLst>
-          </p:cNvPr>
-          <p:cNvSpPr>
-            <a:spLocks noGrp="1"/>
-          </p:cNvSpPr>
-          <p:nvPr>
-            <p:ph type="body" idx="1"/>
-          </p:nvPr>
-        </p:nvSpPr>
-        <p:spPr/>
-        <p:txBody>
-          <a:bodyPr/>
-          <a:lstStyle/>
-          <a:p>
-            <a:endParaRPr lang="en-US"/>
-          </a:p>
-        </p:txBody>
-      </p:sp>
-      <p:sp>
-        <p:nvSpPr>
           <p:cNvPr id="3" name="Text Placeholder 2">
             <a:extLst>
               <a:ext uri="{FF2B5EF4-FFF2-40B4-BE49-F238E27FC236}">
-                <a16:creationId xmlns:a16="http://schemas.microsoft.com/office/drawing/2014/main" id="{B3E92C11-E4FF-E577-7AB7-468D4E2A09F1}"/>
+                <a16:creationId xmlns:a16="http://schemas.microsoft.com/office/drawing/2014/main" id="{63654D06-4DF7-082E-3138-234F4F0A3989}"/>
               </a:ext>
             </a:extLst>
           </p:cNvPr>
@@ -15102,16 +18576,62 @@
           <a:bodyPr/>
           <a:lstStyle/>
           <a:p>
-            <a:endParaRPr lang="en-US"/>
+            <a:pPr marL="196850" indent="0" algn="ctr">
+              <a:buNone/>
+            </a:pPr>
+            <a:r>
+              <a:rPr lang="en-US" b="1" dirty="0"/>
+              <a:t>Best Model: </a:t>
+            </a:r>
+            <a:r>
+              <a:rPr lang="en-US" dirty="0"/>
+              <a:t>AutoGluon</a:t>
+            </a:r>
+            <a:br>
+              <a:rPr lang="en-US" dirty="0"/>
+            </a:br>
+            <a:endParaRPr lang="en-US" dirty="0"/>
+          </a:p>
+          <a:p>
+            <a:pPr marL="196850" indent="0" algn="ctr">
+              <a:buNone/>
+            </a:pPr>
+            <a:r>
+              <a:rPr lang="en-US" b="1" dirty="0"/>
+              <a:t>Accuracy: </a:t>
+            </a:r>
+            <a:r>
+              <a:rPr lang="en-US" dirty="0"/>
+              <a:t>68.30%</a:t>
+            </a:r>
+          </a:p>
+          <a:p>
+            <a:pPr marL="196850" indent="0" algn="ctr">
+              <a:buNone/>
+            </a:pPr>
+            <a:br>
+              <a:rPr lang="en-US" b="1" dirty="0"/>
+            </a:br>
+            <a:r>
+              <a:rPr lang="en-US" b="1" dirty="0"/>
+              <a:t>ROC-AUC: </a:t>
+            </a:r>
+            <a:r>
+              <a:rPr lang="en-US" dirty="0"/>
+              <a:t>72.09%</a:t>
+            </a:r>
+          </a:p>
+          <a:p>
+            <a:endParaRPr lang="en-US" dirty="0"/>
           </a:p>
         </p:txBody>
       </p:sp>
       <p:sp>
         <p:nvSpPr>
-          <p:cNvPr id="4" name="Title 3">
+          <p:cNvPr id="8" name="Title 3">
             <a:extLst>
               <a:ext uri="{FF2B5EF4-FFF2-40B4-BE49-F238E27FC236}">
-                <a16:creationId xmlns:a16="http://schemas.microsoft.com/office/drawing/2014/main" id="{39C7B700-DCED-C0F4-4DFB-55C333A3405B}"/>
+                <a16:creationId xmlns:a16="http://schemas.microsoft.com/office/drawing/2014/main" id="{BCFBF2D9-9EFF-33EB-652F-950F69EA0168}"/>
               </a:ext>
             </a:extLst>
           </p:cNvPr>
@@ -15122,69 +18642,62 @@
             <p:ph type="title"/>
           </p:nvPr>
         </p:nvSpPr>
-        <p:spPr/>
+        <p:spPr>
+          <a:xfrm>
+            <a:off x="685800" y="514350"/>
+            <a:ext cx="7772400" cy="857250"/>
+          </a:xfrm>
+        </p:spPr>
         <p:txBody>
           <a:bodyPr/>
           <a:lstStyle/>
           <a:p>
-            <a:endParaRPr lang="en-US"/>
+            <a:pPr algn="ctr">
+              <a:lnSpc>
+                <a:spcPct val="0"/>
+              </a:lnSpc>
+            </a:pPr>
+            <a:r>
+              <a:rPr lang="en-US" dirty="0"/>
+              <a:t>Model Performance</a:t>
+            </a:r>
           </a:p>
         </p:txBody>
       </p:sp>
-      <p:sp>
-        <p:nvSpPr>
-          <p:cNvPr id="5" name="Text Placeholder 4">
+      <p:pic>
+        <p:nvPicPr>
+          <p:cNvPr id="9" name="Picture 8">
             <a:extLst>
               <a:ext uri="{FF2B5EF4-FFF2-40B4-BE49-F238E27FC236}">
-                <a16:creationId xmlns:a16="http://schemas.microsoft.com/office/drawing/2014/main" id="{098361C2-3B0B-7359-72AE-D40A5FE7023D}"/>
+                <a16:creationId xmlns:a16="http://schemas.microsoft.com/office/drawing/2014/main" id="{6F5C900F-59E1-B09B-6991-88DE6FC74748}"/>
               </a:ext>
             </a:extLst>
           </p:cNvPr>
-          <p:cNvSpPr>
-            <a:spLocks noGrp="1"/>
-          </p:cNvSpPr>
-          <p:nvPr>
-            <p:ph type="body" idx="3"/>
-          </p:nvPr>
-        </p:nvSpPr>
-        <p:spPr/>
-        <p:txBody>
-          <a:bodyPr/>
-          <a:lstStyle/>
-          <a:p>
-            <a:endParaRPr lang="en-US"/>
-          </a:p>
-        </p:txBody>
-      </p:sp>
-      <p:sp>
-        <p:nvSpPr>
-          <p:cNvPr id="6" name="Text Placeholder 5">
-            <a:extLst>
-              <a:ext uri="{FF2B5EF4-FFF2-40B4-BE49-F238E27FC236}">
-                <a16:creationId xmlns:a16="http://schemas.microsoft.com/office/drawing/2014/main" id="{5A991853-0D10-4DD2-ED29-CAA9262600E5}"/>
-              </a:ext>
-            </a:extLst>
-          </p:cNvPr>
-          <p:cNvSpPr>
-            <a:spLocks noGrp="1"/>
-          </p:cNvSpPr>
-          <p:nvPr>
-            <p:ph type="body" idx="4"/>
-          </p:nvPr>
-        </p:nvSpPr>
-        <p:spPr/>
-        <p:txBody>
-          <a:bodyPr/>
-          <a:lstStyle/>
-          <a:p>
-            <a:endParaRPr lang="en-US"/>
-          </a:p>
-        </p:txBody>
-      </p:sp>
+          <p:cNvPicPr>
+            <a:picLocks noChangeAspect="1"/>
+          </p:cNvPicPr>
+          <p:nvPr/>
+        </p:nvPicPr>
+        <p:blipFill>
+          <a:blip r:embed="rId3"/>
+          <a:stretch>
+            <a:fillRect/>
+          </a:stretch>
+        </p:blipFill>
+        <p:spPr>
+          <a:xfrm>
+            <a:off x="4421755" y="1371600"/>
+            <a:ext cx="4344695" cy="2763232"/>
+          </a:xfrm>
+          <a:prstGeom prst="rect">
+            <a:avLst/>
+          </a:prstGeom>
+        </p:spPr>
+      </p:pic>
     </p:spTree>
     <p:extLst>
       <p:ext uri="{BB962C8B-B14F-4D97-AF65-F5344CB8AC3E}">
-        <p14:creationId xmlns:p14="http://schemas.microsoft.com/office/powerpoint/2010/main" val="3145150736"/>
+        <p14:creationId xmlns:p14="http://schemas.microsoft.com/office/powerpoint/2010/main" val="1695367049"/>
       </p:ext>
     </p:extLst>
   </p:cSld>

--- a/Final_Project_Team_3_Deliverable_2.pptx
+++ b/Final_Project_Team_3_Deliverable_2.pptx
@@ -2683,7 +2683,7 @@
           <a:bodyPr/>
           <a:lstStyle/>
           <a:p>
-            <a:pPr marL="457200" marR="0" lvl="0" indent="-298450" algn="l" defTabSz="914400" rtl="0" eaLnBrk="1" fontAlgn="auto" latinLnBrk="0" hangingPunct="1">
+            <a:pPr marL="158750" marR="0" lvl="0" indent="0" algn="l" defTabSz="914400" rtl="0" eaLnBrk="1" fontAlgn="auto" latinLnBrk="0" hangingPunct="1">
               <a:lnSpc>
                 <a:spcPct val="100000"/>
               </a:lnSpc>
@@ -2698,7 +2698,7 @@
               </a:buClr>
               <a:buSzPts val="1100"/>
               <a:buFont typeface="Arial"/>
-              <a:buChar char="●"/>
+              <a:buNone/>
               <a:tabLst/>
               <a:defRPr/>
             </a:pPr>

--- a/Final_Project_Team_3_Deliverable_2.pptx
+++ b/Final_Project_Team_3_Deliverable_2.pptx
@@ -1,6 +1,6 @@
 
 <file path=ppt/presentation.xml><?xml version="1.0" encoding="utf-8"?>
-<p:presentation xmlns:a="http://schemas.openxmlformats.org/drawingml/2006/main" xmlns:r="http://schemas.openxmlformats.org/officeDocument/2006/relationships" xmlns:p="http://schemas.openxmlformats.org/presentationml/2006/main" strictFirstAndLastChars="0" saveSubsetFonts="1" autoCompressPictures="0">
+<p:presentation xmlns:a="http://schemas.openxmlformats.org/drawingml/2006/main" xmlns:r="http://schemas.openxmlformats.org/officeDocument/2006/relationships" xmlns:p="http://schemas.openxmlformats.org/presentationml/2006/main" removePersonalInfoOnSave="1" strictFirstAndLastChars="0" saveSubsetFonts="1" autoCompressPictures="0">
   <p:sldMasterIdLst>
     <p:sldMasterId id="2147483663" r:id="rId1"/>
     <p:sldMasterId id="2147483664" r:id="rId2"/>
